--- a/Transformer/Transformer 발표.pptx
+++ b/Transformer/Transformer 발표.pptx
@@ -216,7 +216,7 @@
           <a:p>
             <a:fld id="{19974ED3-BE0C-FA46-B848-B74D31820C17}" type="datetimeFigureOut">
               <a:rPr lang="en-KR" smtClean="0"/>
-              <a:t>2021/06/29</a:t>
+              <a:t>2021/07/02</a:t>
             </a:fld>
             <a:endParaRPr lang="en-KR"/>
           </a:p>
@@ -629,464 +629,15 @@
               <a:tabLst/>
               <a:defRPr/>
             </a:pPr>
-            <a:r>
-              <a:rPr lang="ko-KR" altLang="en-US" sz="1200" b="0" i="0" u="none" strike="noStrike" kern="1200" dirty="0">
-                <a:solidFill>
-                  <a:schemeClr val="tx1"/>
-                </a:solidFill>
-                <a:effectLst/>
-                <a:latin typeface="+mn-lt"/>
-                <a:ea typeface="+mn-ea"/>
-                <a:cs typeface="+mn-cs"/>
-              </a:rPr>
-              <a:t>쿼리는 각각 다른 단어들</a:t>
-            </a:r>
-            <a:r>
-              <a:rPr lang="en-US" altLang="ko-KR" sz="1200" b="0" i="0" u="none" strike="noStrike" kern="1200" dirty="0">
-                <a:solidFill>
-                  <a:schemeClr val="tx1"/>
-                </a:solidFill>
-                <a:effectLst/>
-                <a:latin typeface="+mn-lt"/>
-                <a:ea typeface="+mn-ea"/>
-                <a:cs typeface="+mn-cs"/>
-              </a:rPr>
-              <a:t>(</a:t>
-            </a:r>
-            <a:r>
-              <a:rPr lang="en-US" sz="1200" b="0" i="0" u="none" strike="noStrike" kern="1200" dirty="0">
-                <a:solidFill>
-                  <a:schemeClr val="tx1"/>
-                </a:solidFill>
-                <a:effectLst/>
-                <a:latin typeface="+mn-lt"/>
-                <a:ea typeface="+mn-ea"/>
-                <a:cs typeface="+mn-cs"/>
-              </a:rPr>
-              <a:t>Key)</a:t>
-            </a:r>
-            <a:r>
-              <a:rPr lang="ko-KR" altLang="en-US" sz="1200" b="0" i="0" u="none" strike="noStrike" kern="1200" dirty="0">
-                <a:solidFill>
-                  <a:schemeClr val="tx1"/>
-                </a:solidFill>
-                <a:effectLst/>
-                <a:latin typeface="+mn-lt"/>
-                <a:ea typeface="+mn-ea"/>
-                <a:cs typeface="+mn-cs"/>
-              </a:rPr>
-              <a:t>와 </a:t>
-            </a:r>
-            <a:r>
-              <a:rPr lang="ko-KR" altLang="en-US" sz="1200" b="0" i="0" u="none" strike="noStrike" kern="1200" dirty="0" err="1">
-                <a:solidFill>
-                  <a:schemeClr val="tx1"/>
-                </a:solidFill>
-                <a:effectLst/>
-                <a:latin typeface="+mn-lt"/>
-                <a:ea typeface="+mn-ea"/>
-                <a:cs typeface="+mn-cs"/>
-              </a:rPr>
-              <a:t>행렬곱을</a:t>
-            </a:r>
-            <a:r>
-              <a:rPr lang="ko-KR" altLang="en-US" sz="1200" b="0" i="0" u="none" strike="noStrike" kern="1200" dirty="0">
-                <a:solidFill>
-                  <a:schemeClr val="tx1"/>
-                </a:solidFill>
-                <a:effectLst/>
-                <a:latin typeface="+mn-lt"/>
-                <a:ea typeface="+mn-ea"/>
-                <a:cs typeface="+mn-cs"/>
-              </a:rPr>
-              <a:t> 수행해 각각 하나의 </a:t>
-            </a:r>
-            <a:r>
-              <a:rPr lang="en-US" sz="1200" b="0" i="0" u="none" strike="noStrike" kern="1200" dirty="0">
-                <a:solidFill>
-                  <a:schemeClr val="tx1"/>
-                </a:solidFill>
-                <a:effectLst/>
-                <a:latin typeface="+mn-lt"/>
-                <a:ea typeface="+mn-ea"/>
-                <a:cs typeface="+mn-cs"/>
-              </a:rPr>
-              <a:t>attention energy</a:t>
-            </a:r>
-            <a:r>
-              <a:rPr lang="ko-KR" altLang="en-US" sz="1200" b="0" i="0" u="none" strike="noStrike" kern="1200" dirty="0">
-                <a:solidFill>
-                  <a:schemeClr val="tx1"/>
-                </a:solidFill>
-                <a:effectLst/>
-                <a:latin typeface="+mn-lt"/>
-                <a:ea typeface="+mn-ea"/>
-                <a:cs typeface="+mn-cs"/>
-              </a:rPr>
-              <a:t>값을 구할 수 있다</a:t>
-            </a:r>
-            <a:r>
-              <a:rPr lang="en-US" altLang="ko-KR" sz="1200" b="0" i="0" u="none" strike="noStrike" kern="1200" dirty="0">
-                <a:solidFill>
-                  <a:schemeClr val="tx1"/>
-                </a:solidFill>
-                <a:effectLst/>
-                <a:latin typeface="+mn-lt"/>
-                <a:ea typeface="+mn-ea"/>
-                <a:cs typeface="+mn-cs"/>
-              </a:rPr>
-              <a:t>. </a:t>
-            </a:r>
-          </a:p>
-          <a:p>
-            <a:pPr marL="0" marR="0" lvl="0" indent="0" algn="l" defTabSz="914400" rtl="0" eaLnBrk="1" fontAlgn="auto" latinLnBrk="0" hangingPunct="1">
-              <a:lnSpc>
-                <a:spcPct val="100000"/>
-              </a:lnSpc>
-              <a:spcBef>
-                <a:spcPts val="0"/>
-              </a:spcBef>
-              <a:spcAft>
-                <a:spcPts val="0"/>
-              </a:spcAft>
-              <a:buClrTx/>
-              <a:buSzTx/>
-              <a:buFontTx/>
-              <a:buNone/>
-              <a:tabLst/>
-              <a:defRPr/>
-            </a:pPr>
-            <a:r>
-              <a:rPr lang="ko-KR" altLang="en-US" sz="1200" b="0" i="0" u="none" strike="noStrike" kern="1200" dirty="0">
-                <a:solidFill>
-                  <a:schemeClr val="tx1"/>
-                </a:solidFill>
-                <a:effectLst/>
-                <a:latin typeface="+mn-lt"/>
-                <a:ea typeface="+mn-ea"/>
-                <a:cs typeface="+mn-cs"/>
-              </a:rPr>
-              <a:t>그리고 </a:t>
-            </a:r>
-            <a:r>
-              <a:rPr lang="en-US" sz="1200" b="0" i="0" u="none" strike="noStrike" kern="1200" dirty="0" err="1">
-                <a:solidFill>
-                  <a:schemeClr val="tx1"/>
-                </a:solidFill>
-                <a:effectLst/>
-                <a:latin typeface="+mn-lt"/>
-                <a:ea typeface="+mn-ea"/>
-                <a:cs typeface="+mn-cs"/>
-              </a:rPr>
-              <a:t>softmax</a:t>
-            </a:r>
-            <a:r>
-              <a:rPr lang="ko-KR" altLang="en-US" sz="1200" b="0" i="0" u="none" strike="noStrike" kern="1200" dirty="0">
-                <a:solidFill>
-                  <a:schemeClr val="tx1"/>
-                </a:solidFill>
-                <a:effectLst/>
-                <a:latin typeface="+mn-lt"/>
-                <a:ea typeface="+mn-ea"/>
-                <a:cs typeface="+mn-cs"/>
-              </a:rPr>
-              <a:t>에 들어가는 값의 크기 </a:t>
-            </a:r>
-            <a:r>
-              <a:rPr lang="en-US" sz="1200" b="0" i="0" u="none" strike="noStrike" kern="1200" dirty="0">
-                <a:solidFill>
-                  <a:schemeClr val="tx1"/>
-                </a:solidFill>
-                <a:effectLst/>
-                <a:latin typeface="+mn-lt"/>
-                <a:ea typeface="+mn-ea"/>
-                <a:cs typeface="+mn-cs"/>
-              </a:rPr>
-              <a:t>normalization</a:t>
-            </a:r>
-            <a:r>
-              <a:rPr lang="ko-KR" altLang="en-US" sz="1200" b="0" i="0" u="none" strike="noStrike" kern="1200" dirty="0">
-                <a:solidFill>
-                  <a:schemeClr val="tx1"/>
-                </a:solidFill>
-                <a:effectLst/>
-                <a:latin typeface="+mn-lt"/>
-                <a:ea typeface="+mn-ea"/>
-                <a:cs typeface="+mn-cs"/>
-              </a:rPr>
-              <a:t>해주기 위해 각각 </a:t>
-            </a:r>
-            <a:r>
-              <a:rPr lang="en-US" sz="1200" b="0" i="0" u="none" strike="noStrike" kern="1200" dirty="0">
-                <a:solidFill>
-                  <a:schemeClr val="tx1"/>
-                </a:solidFill>
-                <a:effectLst/>
-                <a:latin typeface="+mn-lt"/>
-                <a:ea typeface="+mn-ea"/>
-                <a:cs typeface="+mn-cs"/>
-              </a:rPr>
-              <a:t>scaling factor</a:t>
-            </a:r>
-            <a:r>
-              <a:rPr lang="ko-KR" altLang="en-US" sz="1200" b="0" i="0" u="none" strike="noStrike" kern="1200" dirty="0">
-                <a:solidFill>
-                  <a:schemeClr val="tx1"/>
-                </a:solidFill>
-                <a:effectLst/>
-                <a:latin typeface="+mn-lt"/>
-                <a:ea typeface="+mn-ea"/>
-                <a:cs typeface="+mn-cs"/>
-              </a:rPr>
-              <a:t>로 나누어준다</a:t>
-            </a:r>
-            <a:r>
-              <a:rPr lang="en-US" altLang="ko-KR" sz="1200" b="0" i="0" u="none" strike="noStrike" kern="1200" dirty="0">
-                <a:solidFill>
-                  <a:schemeClr val="tx1"/>
-                </a:solidFill>
-                <a:effectLst/>
-                <a:latin typeface="+mn-lt"/>
-                <a:ea typeface="+mn-ea"/>
-                <a:cs typeface="+mn-cs"/>
-              </a:rPr>
-              <a:t>. </a:t>
-            </a:r>
-            <a:r>
-              <a:rPr lang="ko-KR" altLang="en-US" sz="1200" b="0" i="0" u="none" strike="noStrike" kern="1200" dirty="0">
-                <a:solidFill>
-                  <a:schemeClr val="tx1"/>
-                </a:solidFill>
-                <a:effectLst/>
-                <a:latin typeface="+mn-lt"/>
-                <a:ea typeface="+mn-ea"/>
-                <a:cs typeface="+mn-cs"/>
-              </a:rPr>
-              <a:t>이후에 </a:t>
-            </a:r>
-            <a:r>
-              <a:rPr lang="en-US" sz="1200" b="0" i="0" u="none" strike="noStrike" kern="1200" dirty="0" err="1">
-                <a:solidFill>
-                  <a:schemeClr val="tx1"/>
-                </a:solidFill>
-                <a:effectLst/>
-                <a:latin typeface="+mn-lt"/>
-                <a:ea typeface="+mn-ea"/>
-                <a:cs typeface="+mn-cs"/>
-              </a:rPr>
-              <a:t>softmax</a:t>
-            </a:r>
-            <a:r>
-              <a:rPr lang="ko-KR" altLang="en-US" sz="1200" b="0" i="0" u="none" strike="noStrike" kern="1200" dirty="0" err="1">
-                <a:solidFill>
-                  <a:schemeClr val="tx1"/>
-                </a:solidFill>
-                <a:effectLst/>
-                <a:latin typeface="+mn-lt"/>
-                <a:ea typeface="+mn-ea"/>
-                <a:cs typeface="+mn-cs"/>
-              </a:rPr>
-              <a:t>를</a:t>
-            </a:r>
-            <a:r>
-              <a:rPr lang="ko-KR" altLang="en-US" sz="1200" b="0" i="0" u="none" strike="noStrike" kern="1200" dirty="0">
-                <a:solidFill>
-                  <a:schemeClr val="tx1"/>
-                </a:solidFill>
-                <a:effectLst/>
-                <a:latin typeface="+mn-lt"/>
-                <a:ea typeface="+mn-ea"/>
-                <a:cs typeface="+mn-cs"/>
-              </a:rPr>
-              <a:t> 취하고 가중치를 구한다</a:t>
-            </a:r>
-            <a:r>
-              <a:rPr lang="en-US" altLang="ko-KR" sz="1200" b="0" i="0" u="none" strike="noStrike" kern="1200" dirty="0">
-                <a:solidFill>
-                  <a:schemeClr val="tx1"/>
-                </a:solidFill>
-                <a:effectLst/>
-                <a:latin typeface="+mn-lt"/>
-                <a:ea typeface="+mn-ea"/>
-                <a:cs typeface="+mn-cs"/>
-              </a:rPr>
-              <a:t>. </a:t>
-            </a:r>
-            <a:r>
-              <a:rPr lang="ko-KR" altLang="en-US" sz="1200" b="0" i="0" u="none" strike="noStrike" kern="1200" dirty="0">
-                <a:solidFill>
-                  <a:schemeClr val="tx1"/>
-                </a:solidFill>
-                <a:effectLst/>
-                <a:latin typeface="+mn-lt"/>
-                <a:ea typeface="+mn-ea"/>
-                <a:cs typeface="+mn-cs"/>
-              </a:rPr>
-              <a:t>각각 </a:t>
-            </a:r>
-            <a:r>
-              <a:rPr lang="ko-KR" altLang="en-US" sz="1200" b="0" i="0" u="none" strike="noStrike" kern="1200" dirty="0" err="1">
-                <a:solidFill>
-                  <a:schemeClr val="tx1"/>
-                </a:solidFill>
-                <a:effectLst/>
-                <a:latin typeface="+mn-lt"/>
-                <a:ea typeface="+mn-ea"/>
-                <a:cs typeface="+mn-cs"/>
-              </a:rPr>
-              <a:t>가중치값에</a:t>
-            </a:r>
-            <a:r>
-              <a:rPr lang="ko-KR" altLang="en-US" sz="1200" b="0" i="0" u="none" strike="noStrike" kern="1200" dirty="0">
-                <a:solidFill>
-                  <a:schemeClr val="tx1"/>
-                </a:solidFill>
-                <a:effectLst/>
-                <a:latin typeface="+mn-lt"/>
-                <a:ea typeface="+mn-ea"/>
-                <a:cs typeface="+mn-cs"/>
-              </a:rPr>
-              <a:t> </a:t>
-            </a:r>
-            <a:r>
-              <a:rPr lang="en-US" sz="1200" b="0" i="0" u="none" strike="noStrike" kern="1200" dirty="0">
-                <a:solidFill>
-                  <a:schemeClr val="tx1"/>
-                </a:solidFill>
-                <a:effectLst/>
-                <a:latin typeface="+mn-lt"/>
-                <a:ea typeface="+mn-ea"/>
-                <a:cs typeface="+mn-cs"/>
-              </a:rPr>
-              <a:t>value</a:t>
-            </a:r>
-            <a:r>
-              <a:rPr lang="ko-KR" altLang="en-US" sz="1200" b="0" i="0" u="none" strike="noStrike" kern="1200" dirty="0">
-                <a:solidFill>
-                  <a:schemeClr val="tx1"/>
-                </a:solidFill>
-                <a:effectLst/>
-                <a:latin typeface="+mn-lt"/>
-                <a:ea typeface="+mn-ea"/>
-                <a:cs typeface="+mn-cs"/>
-              </a:rPr>
-              <a:t>값들을 곱한 뒤 전부 더해 결과적으로 </a:t>
-            </a:r>
-            <a:r>
-              <a:rPr lang="en-US" sz="1200" b="0" i="0" u="none" strike="noStrike" kern="1200" dirty="0">
-                <a:solidFill>
-                  <a:schemeClr val="tx1"/>
-                </a:solidFill>
-                <a:effectLst/>
-                <a:latin typeface="+mn-lt"/>
-                <a:ea typeface="+mn-ea"/>
-                <a:cs typeface="+mn-cs"/>
-              </a:rPr>
-              <a:t>attention value </a:t>
-            </a:r>
-            <a:r>
-              <a:rPr lang="ko-KR" altLang="en-US" sz="1200" b="0" i="0" u="none" strike="noStrike" kern="1200" dirty="0">
-                <a:solidFill>
-                  <a:schemeClr val="tx1"/>
-                </a:solidFill>
-                <a:effectLst/>
-                <a:latin typeface="+mn-lt"/>
-                <a:ea typeface="+mn-ea"/>
-                <a:cs typeface="+mn-cs"/>
-              </a:rPr>
-              <a:t>값을 구하게 됨</a:t>
-            </a:r>
-            <a:r>
-              <a:rPr lang="en-US" altLang="ko-KR" sz="1200" b="0" i="0" u="none" strike="noStrike" kern="1200" dirty="0">
-                <a:solidFill>
-                  <a:schemeClr val="tx1"/>
-                </a:solidFill>
-                <a:effectLst/>
-                <a:latin typeface="+mn-lt"/>
-                <a:ea typeface="+mn-ea"/>
-                <a:cs typeface="+mn-cs"/>
-              </a:rPr>
-              <a:t>.</a:t>
-            </a:r>
-          </a:p>
-          <a:p>
-            <a:pPr marL="0" marR="0" lvl="0" indent="0" algn="l" defTabSz="914400" rtl="0" eaLnBrk="1" fontAlgn="auto" latinLnBrk="0" hangingPunct="1">
-              <a:lnSpc>
-                <a:spcPct val="100000"/>
-              </a:lnSpc>
-              <a:spcBef>
-                <a:spcPts val="0"/>
-              </a:spcBef>
-              <a:spcAft>
-                <a:spcPts val="0"/>
-              </a:spcAft>
-              <a:buClrTx/>
-              <a:buSzTx/>
-              <a:buFontTx/>
-              <a:buNone/>
-              <a:tabLst/>
-              <a:defRPr/>
-            </a:pPr>
-            <a:r>
-              <a:rPr lang="en-US" sz="1200" b="0" i="0" u="none" strike="noStrike" kern="1200" dirty="0">
-                <a:solidFill>
-                  <a:schemeClr val="tx1"/>
-                </a:solidFill>
-                <a:effectLst/>
-                <a:latin typeface="+mn-lt"/>
-                <a:ea typeface="+mn-ea"/>
-                <a:cs typeface="+mn-cs"/>
-              </a:rPr>
-              <a:t>attention value</a:t>
-            </a:r>
-            <a:r>
-              <a:rPr lang="ko-KR" altLang="en-US" sz="1200" b="0" i="0" u="none" strike="noStrike" kern="1200" dirty="0">
-                <a:solidFill>
-                  <a:schemeClr val="tx1"/>
-                </a:solidFill>
-                <a:effectLst/>
-                <a:latin typeface="+mn-lt"/>
-                <a:ea typeface="+mn-ea"/>
-                <a:cs typeface="+mn-cs"/>
-              </a:rPr>
-              <a:t>값 자체는 입력되었던 </a:t>
-            </a:r>
-            <a:r>
-              <a:rPr lang="en-US" sz="1200" b="0" i="0" u="none" strike="noStrike" kern="1200" dirty="0">
-                <a:solidFill>
-                  <a:schemeClr val="tx1"/>
-                </a:solidFill>
-                <a:effectLst/>
-                <a:latin typeface="+mn-lt"/>
-                <a:ea typeface="+mn-ea"/>
-                <a:cs typeface="+mn-cs"/>
-              </a:rPr>
-              <a:t>Q,K,V</a:t>
-            </a:r>
-            <a:r>
-              <a:rPr lang="ko-KR" altLang="en-US" sz="1200" b="0" i="0" u="none" strike="noStrike" kern="1200" dirty="0">
-                <a:solidFill>
-                  <a:schemeClr val="tx1"/>
-                </a:solidFill>
-                <a:effectLst/>
-                <a:latin typeface="+mn-lt"/>
-                <a:ea typeface="+mn-ea"/>
-                <a:cs typeface="+mn-cs"/>
-              </a:rPr>
-              <a:t>와 동일한 차원을 가진다</a:t>
-            </a:r>
-            <a:r>
-              <a:rPr lang="en-US" altLang="ko-KR" sz="1200" b="0" i="0" u="none" strike="noStrike" kern="1200" dirty="0">
-                <a:solidFill>
-                  <a:schemeClr val="tx1"/>
-                </a:solidFill>
-                <a:effectLst/>
-                <a:latin typeface="+mn-lt"/>
-                <a:ea typeface="+mn-ea"/>
-                <a:cs typeface="+mn-cs"/>
-              </a:rPr>
-              <a:t>.</a:t>
-            </a:r>
+            <a:endParaRPr lang="en-US" altLang="ko-KR" sz="1200" b="0" i="0" u="none" strike="noStrike" kern="1200" dirty="0">
+              <a:solidFill>
+                <a:schemeClr val="tx1"/>
+              </a:solidFill>
+              <a:effectLst/>
+              <a:latin typeface="+mn-lt"/>
+              <a:ea typeface="+mn-ea"/>
+              <a:cs typeface="+mn-cs"/>
+            </a:endParaRPr>
           </a:p>
         </p:txBody>
       </p:sp>
@@ -1170,190 +721,15 @@
           <a:bodyPr/>
           <a:lstStyle/>
           <a:p>
-            <a:r>
-              <a:rPr lang="ko-KR" altLang="en-US" sz="1200" b="0" i="0" u="none" strike="noStrike" kern="1200" dirty="0">
-                <a:solidFill>
-                  <a:schemeClr val="tx1"/>
-                </a:solidFill>
-                <a:effectLst/>
-                <a:latin typeface="+mn-lt"/>
-                <a:ea typeface="+mn-ea"/>
-                <a:cs typeface="+mn-cs"/>
-              </a:rPr>
-              <a:t>여기서 한가지 중요한 점이 마스크 행렬을 사용할 수 있다는 점이다</a:t>
-            </a:r>
-            <a:r>
-              <a:rPr lang="en-US" altLang="ko-KR" sz="1200" b="0" i="0" u="none" strike="noStrike" kern="1200" dirty="0">
-                <a:solidFill>
-                  <a:schemeClr val="tx1"/>
-                </a:solidFill>
-                <a:effectLst/>
-                <a:latin typeface="+mn-lt"/>
-                <a:ea typeface="+mn-ea"/>
-                <a:cs typeface="+mn-cs"/>
-              </a:rPr>
-              <a:t>. </a:t>
-            </a:r>
-            <a:r>
-              <a:rPr lang="ko-KR" altLang="en-US" sz="1200" b="0" i="0" u="none" strike="noStrike" kern="1200" dirty="0">
-                <a:solidFill>
-                  <a:schemeClr val="tx1"/>
-                </a:solidFill>
-                <a:effectLst/>
-                <a:latin typeface="+mn-lt"/>
-                <a:ea typeface="+mn-ea"/>
-                <a:cs typeface="+mn-cs"/>
-              </a:rPr>
-              <a:t>마스크행렬은 특정한 단어는 무시할 수 있도록 하는 것이다</a:t>
-            </a:r>
-            <a:r>
-              <a:rPr lang="en-US" altLang="ko-KR" sz="1200" b="0" i="0" u="none" strike="noStrike" kern="1200" dirty="0">
-                <a:solidFill>
-                  <a:schemeClr val="tx1"/>
-                </a:solidFill>
-                <a:effectLst/>
-                <a:latin typeface="+mn-lt"/>
-                <a:ea typeface="+mn-ea"/>
-                <a:cs typeface="+mn-cs"/>
-              </a:rPr>
-              <a:t>.</a:t>
-            </a:r>
-          </a:p>
-          <a:p>
-            <a:r>
-              <a:rPr lang="en-US" sz="1200" b="0" i="0" u="none" strike="noStrike" kern="1200" dirty="0">
-                <a:solidFill>
-                  <a:schemeClr val="tx1"/>
-                </a:solidFill>
-                <a:effectLst/>
-                <a:latin typeface="+mn-lt"/>
-                <a:ea typeface="+mn-ea"/>
-                <a:cs typeface="+mn-cs"/>
-              </a:rPr>
-              <a:t>attention energy</a:t>
-            </a:r>
-            <a:r>
-              <a:rPr lang="ko-KR" altLang="en-US" sz="1200" b="0" i="0" u="none" strike="noStrike" kern="1200" dirty="0">
-                <a:solidFill>
-                  <a:schemeClr val="tx1"/>
-                </a:solidFill>
-                <a:effectLst/>
-                <a:latin typeface="+mn-lt"/>
-                <a:ea typeface="+mn-ea"/>
-                <a:cs typeface="+mn-cs"/>
-              </a:rPr>
-              <a:t>가 있을 때</a:t>
-            </a:r>
-            <a:r>
-              <a:rPr lang="en-US" altLang="ko-KR" sz="1200" b="0" i="0" u="none" strike="noStrike" kern="1200" dirty="0">
-                <a:solidFill>
-                  <a:schemeClr val="tx1"/>
-                </a:solidFill>
-                <a:effectLst/>
-                <a:latin typeface="+mn-lt"/>
-                <a:ea typeface="+mn-ea"/>
-                <a:cs typeface="+mn-cs"/>
-              </a:rPr>
-              <a:t>, </a:t>
-            </a:r>
-            <a:r>
-              <a:rPr lang="ko-KR" altLang="en-US" sz="1200" b="0" i="0" u="none" strike="noStrike" kern="1200" dirty="0">
-                <a:solidFill>
-                  <a:schemeClr val="tx1"/>
-                </a:solidFill>
-                <a:effectLst/>
-                <a:latin typeface="+mn-lt"/>
-                <a:ea typeface="+mn-ea"/>
-                <a:cs typeface="+mn-cs"/>
-              </a:rPr>
-              <a:t>같은 차원의 마스트 행렬을 만들어서 </a:t>
-            </a:r>
-            <a:r>
-              <a:rPr lang="en-US" sz="1200" b="0" i="0" u="none" strike="noStrike" kern="1200" dirty="0">
-                <a:solidFill>
-                  <a:schemeClr val="tx1"/>
-                </a:solidFill>
-                <a:effectLst/>
-                <a:latin typeface="+mn-lt"/>
-                <a:ea typeface="+mn-ea"/>
-                <a:cs typeface="+mn-cs"/>
-              </a:rPr>
-              <a:t>element-wise</a:t>
-            </a:r>
-            <a:r>
-              <a:rPr lang="ko-KR" altLang="en-US" sz="1200" b="0" i="0" u="none" strike="noStrike" kern="1200" dirty="0">
-                <a:solidFill>
-                  <a:schemeClr val="tx1"/>
-                </a:solidFill>
-                <a:effectLst/>
-                <a:latin typeface="+mn-lt"/>
-                <a:ea typeface="+mn-ea"/>
-                <a:cs typeface="+mn-cs"/>
-              </a:rPr>
-              <a:t>로 곱하면 어떤 단어들은 참고하지 않도록 만드는 것이다</a:t>
-            </a:r>
-            <a:r>
-              <a:rPr lang="en-US" altLang="ko-KR" sz="1200" b="0" i="0" u="none" strike="noStrike" kern="1200" dirty="0">
-                <a:solidFill>
-                  <a:schemeClr val="tx1"/>
-                </a:solidFill>
-                <a:effectLst/>
-                <a:latin typeface="+mn-lt"/>
-                <a:ea typeface="+mn-ea"/>
-                <a:cs typeface="+mn-cs"/>
-              </a:rPr>
-              <a:t>.</a:t>
-            </a:r>
-          </a:p>
-          <a:p>
-            <a:r>
-              <a:rPr lang="ko-KR" altLang="en-US" sz="1200" b="0" i="0" u="none" strike="noStrike" kern="1200" dirty="0">
-                <a:solidFill>
-                  <a:schemeClr val="tx1"/>
-                </a:solidFill>
-                <a:effectLst/>
-                <a:latin typeface="+mn-lt"/>
-                <a:ea typeface="+mn-ea"/>
-                <a:cs typeface="+mn-cs"/>
-              </a:rPr>
-              <a:t>마스크매트릭스를 이용함으로써 특정 단어는 무시해서 </a:t>
-            </a:r>
-            <a:r>
-              <a:rPr lang="ko-KR" altLang="en-US" sz="1200" b="0" i="0" u="none" strike="noStrike" kern="1200" dirty="0" err="1">
-                <a:solidFill>
-                  <a:schemeClr val="tx1"/>
-                </a:solidFill>
-                <a:effectLst/>
-                <a:latin typeface="+mn-lt"/>
-                <a:ea typeface="+mn-ea"/>
-                <a:cs typeface="+mn-cs"/>
-              </a:rPr>
-              <a:t>어텐션을</a:t>
-            </a:r>
-            <a:r>
-              <a:rPr lang="ko-KR" altLang="en-US" sz="1200" b="0" i="0" u="none" strike="noStrike" kern="1200" dirty="0">
-                <a:solidFill>
-                  <a:schemeClr val="tx1"/>
-                </a:solidFill>
-                <a:effectLst/>
-                <a:latin typeface="+mn-lt"/>
-                <a:ea typeface="+mn-ea"/>
-                <a:cs typeface="+mn-cs"/>
-              </a:rPr>
-              <a:t> 수행하지 않도록 만들 수 있다</a:t>
-            </a:r>
-            <a:r>
-              <a:rPr lang="en-US" altLang="ko-KR" sz="1200" b="0" i="0" u="none" strike="noStrike" kern="1200" dirty="0">
-                <a:solidFill>
-                  <a:schemeClr val="tx1"/>
-                </a:solidFill>
-                <a:effectLst/>
-                <a:latin typeface="+mn-lt"/>
-                <a:ea typeface="+mn-ea"/>
-                <a:cs typeface="+mn-cs"/>
-              </a:rPr>
-              <a:t>.</a:t>
-            </a:r>
+            <a:endParaRPr lang="en-US" altLang="ko-KR" sz="1200" b="0" i="0" u="none" strike="noStrike" kern="1200" dirty="0">
+              <a:solidFill>
+                <a:schemeClr val="tx1"/>
+              </a:solidFill>
+              <a:effectLst/>
+              <a:latin typeface="+mn-lt"/>
+              <a:ea typeface="+mn-ea"/>
+              <a:cs typeface="+mn-cs"/>
+            </a:endParaRPr>
           </a:p>
         </p:txBody>
       </p:sp>
@@ -1437,126 +813,15 @@
           <a:bodyPr/>
           <a:lstStyle/>
           <a:p>
-            <a:r>
-              <a:rPr lang="ko-KR" altLang="en-US" sz="1200" b="0" i="0" u="none" strike="noStrike" kern="1200" dirty="0">
-                <a:solidFill>
-                  <a:schemeClr val="tx1"/>
-                </a:solidFill>
-                <a:effectLst/>
-                <a:latin typeface="+mn-lt"/>
-                <a:ea typeface="+mn-ea"/>
-                <a:cs typeface="+mn-cs"/>
-              </a:rPr>
-              <a:t>결과적으로 각각의 </a:t>
-            </a:r>
-            <a:r>
-              <a:rPr lang="en-US" sz="1200" b="0" i="0" u="none" strike="noStrike" kern="1200" dirty="0">
-                <a:solidFill>
-                  <a:schemeClr val="tx1"/>
-                </a:solidFill>
-                <a:effectLst/>
-                <a:latin typeface="+mn-lt"/>
-                <a:ea typeface="+mn-ea"/>
-                <a:cs typeface="+mn-cs"/>
-              </a:rPr>
-              <a:t>head</a:t>
-            </a:r>
-            <a:r>
-              <a:rPr lang="ko-KR" altLang="en-US" sz="1200" b="0" i="0" u="none" strike="noStrike" kern="1200" dirty="0">
-                <a:solidFill>
-                  <a:schemeClr val="tx1"/>
-                </a:solidFill>
-                <a:effectLst/>
-                <a:latin typeface="+mn-lt"/>
-                <a:ea typeface="+mn-ea"/>
-                <a:cs typeface="+mn-cs"/>
-              </a:rPr>
-              <a:t>마다 입력으로 들어온 </a:t>
-            </a:r>
-            <a:r>
-              <a:rPr lang="en-US" sz="1200" b="0" i="0" u="none" strike="noStrike" kern="1200" dirty="0">
-                <a:solidFill>
-                  <a:schemeClr val="tx1"/>
-                </a:solidFill>
-                <a:effectLst/>
-                <a:latin typeface="+mn-lt"/>
-                <a:ea typeface="+mn-ea"/>
-                <a:cs typeface="+mn-cs"/>
-              </a:rPr>
-              <a:t>Q,K,V</a:t>
-            </a:r>
-            <a:r>
-              <a:rPr lang="ko-KR" altLang="en-US" sz="1200" b="0" i="0" u="none" strike="noStrike" kern="1200" dirty="0">
-                <a:solidFill>
-                  <a:schemeClr val="tx1"/>
-                </a:solidFill>
-                <a:effectLst/>
-                <a:latin typeface="+mn-lt"/>
-                <a:ea typeface="+mn-ea"/>
-                <a:cs typeface="+mn-cs"/>
-              </a:rPr>
-              <a:t>와 같은 차원의 벡터를 만들어 내게 되고</a:t>
-            </a:r>
-            <a:r>
-              <a:rPr lang="en-US" altLang="ko-KR" sz="1200" b="0" i="0" u="none" strike="noStrike" kern="1200" dirty="0">
-                <a:solidFill>
-                  <a:schemeClr val="tx1"/>
-                </a:solidFill>
-                <a:effectLst/>
-                <a:latin typeface="+mn-lt"/>
-                <a:ea typeface="+mn-ea"/>
-                <a:cs typeface="+mn-cs"/>
-              </a:rPr>
-              <a:t>, </a:t>
-            </a:r>
-            <a:r>
-              <a:rPr lang="ko-KR" altLang="en-US" sz="1200" b="0" i="0" u="none" strike="noStrike" kern="1200" dirty="0">
-                <a:solidFill>
-                  <a:schemeClr val="tx1"/>
-                </a:solidFill>
-                <a:effectLst/>
-                <a:latin typeface="+mn-lt"/>
-                <a:ea typeface="+mn-ea"/>
-                <a:cs typeface="+mn-cs"/>
-              </a:rPr>
-              <a:t>각각 </a:t>
-            </a:r>
-            <a:r>
-              <a:rPr lang="en-US" altLang="ko-KR" sz="1200" b="0" i="0" u="none" strike="noStrike" kern="1200" dirty="0">
-                <a:solidFill>
-                  <a:schemeClr val="tx1"/>
-                </a:solidFill>
-                <a:effectLst/>
-                <a:latin typeface="+mn-lt"/>
-                <a:ea typeface="+mn-ea"/>
-                <a:cs typeface="+mn-cs"/>
-              </a:rPr>
-              <a:t>attention</a:t>
-            </a:r>
-            <a:r>
-              <a:rPr lang="ko-KR" altLang="en-US" sz="1200" b="0" i="0" u="none" strike="noStrike" kern="1200" dirty="0">
-                <a:solidFill>
-                  <a:schemeClr val="tx1"/>
-                </a:solidFill>
-                <a:effectLst/>
-                <a:latin typeface="+mn-lt"/>
-                <a:ea typeface="+mn-ea"/>
-                <a:cs typeface="+mn-cs"/>
-              </a:rPr>
-              <a:t>을 수행한다</a:t>
-            </a:r>
-            <a:r>
-              <a:rPr lang="en-US" altLang="ko-KR" sz="1200" b="0" i="0" u="none" strike="noStrike" kern="1200" dirty="0">
-                <a:solidFill>
-                  <a:schemeClr val="tx1"/>
-                </a:solidFill>
-                <a:effectLst/>
-                <a:latin typeface="+mn-lt"/>
-                <a:ea typeface="+mn-ea"/>
-                <a:cs typeface="+mn-cs"/>
-              </a:rPr>
-              <a:t>.</a:t>
-            </a:r>
+            <a:endParaRPr lang="en-US" altLang="ko-KR" sz="1200" b="0" i="0" u="none" strike="noStrike" kern="1200" dirty="0">
+              <a:solidFill>
+                <a:schemeClr val="tx1"/>
+              </a:solidFill>
+              <a:effectLst/>
+              <a:latin typeface="+mn-lt"/>
+              <a:ea typeface="+mn-ea"/>
+              <a:cs typeface="+mn-cs"/>
+            </a:endParaRPr>
           </a:p>
         </p:txBody>
       </p:sp>
@@ -1640,210 +905,15 @@
           <a:bodyPr/>
           <a:lstStyle/>
           <a:p>
-            <a:r>
-              <a:rPr lang="en-US" sz="1200" b="0" i="0" u="none" strike="noStrike" kern="1200" dirty="0" err="1">
-                <a:solidFill>
-                  <a:schemeClr val="tx1"/>
-                </a:solidFill>
-                <a:effectLst/>
-                <a:latin typeface="+mn-lt"/>
-                <a:ea typeface="+mn-ea"/>
-                <a:cs typeface="+mn-cs"/>
-              </a:rPr>
-              <a:t>각</a:t>
-            </a:r>
-            <a:r>
-              <a:rPr lang="en-US" sz="1200" b="0" i="0" u="none" strike="noStrike" kern="1200" dirty="0">
-                <a:solidFill>
-                  <a:schemeClr val="tx1"/>
-                </a:solidFill>
-                <a:effectLst/>
-                <a:latin typeface="+mn-lt"/>
-                <a:ea typeface="+mn-ea"/>
-                <a:cs typeface="+mn-cs"/>
-              </a:rPr>
-              <a:t> attention </a:t>
-            </a:r>
-            <a:r>
-              <a:rPr lang="ko-KR" altLang="en-US" sz="1200" b="0" i="0" u="none" strike="noStrike" kern="1200" dirty="0">
-                <a:solidFill>
-                  <a:schemeClr val="tx1"/>
-                </a:solidFill>
-                <a:effectLst/>
-                <a:latin typeface="+mn-lt"/>
-                <a:ea typeface="+mn-ea"/>
-                <a:cs typeface="+mn-cs"/>
-              </a:rPr>
-              <a:t>수행한 값들을 </a:t>
-            </a:r>
-            <a:r>
-              <a:rPr lang="en-US" sz="1200" b="0" i="0" u="none" strike="noStrike" kern="1200" dirty="0" err="1">
-                <a:solidFill>
-                  <a:schemeClr val="tx1"/>
-                </a:solidFill>
-                <a:effectLst/>
-                <a:latin typeface="+mn-lt"/>
-                <a:ea typeface="+mn-ea"/>
-                <a:cs typeface="+mn-cs"/>
-              </a:rPr>
-              <a:t>concat</a:t>
-            </a:r>
-            <a:r>
-              <a:rPr lang="ko-KR" altLang="en-US" sz="1200" b="0" i="0" u="none" strike="noStrike" kern="1200" dirty="0">
-                <a:solidFill>
-                  <a:schemeClr val="tx1"/>
-                </a:solidFill>
-                <a:effectLst/>
-                <a:latin typeface="+mn-lt"/>
-                <a:ea typeface="+mn-ea"/>
-                <a:cs typeface="+mn-cs"/>
-              </a:rPr>
-              <a:t>하고 </a:t>
-            </a:r>
-            <a:r>
-              <a:rPr lang="en-US" sz="1200" b="0" i="0" kern="1200" dirty="0">
-                <a:solidFill>
-                  <a:schemeClr val="tx1"/>
-                </a:solidFill>
-                <a:effectLst/>
-                <a:latin typeface="+mn-lt"/>
-                <a:ea typeface="+mn-ea"/>
-                <a:cs typeface="+mn-cs"/>
-              </a:rPr>
-              <a:t>weight </a:t>
-            </a:r>
-            <a:r>
-              <a:rPr lang="en-US" sz="1200" b="0" i="0" kern="1200" dirty="0" err="1">
-                <a:solidFill>
-                  <a:schemeClr val="tx1"/>
-                </a:solidFill>
-                <a:effectLst/>
-                <a:latin typeface="+mn-lt"/>
-                <a:ea typeface="+mn-ea"/>
-                <a:cs typeface="+mn-cs"/>
-              </a:rPr>
-              <a:t>matrix를</a:t>
-            </a:r>
-            <a:r>
-              <a:rPr lang="en-US" sz="1200" b="0" i="0" kern="1200" dirty="0">
-                <a:solidFill>
-                  <a:schemeClr val="tx1"/>
-                </a:solidFill>
-                <a:effectLst/>
-                <a:latin typeface="+mn-lt"/>
-                <a:ea typeface="+mn-ea"/>
-                <a:cs typeface="+mn-cs"/>
-              </a:rPr>
-              <a:t> </a:t>
-            </a:r>
-            <a:r>
-              <a:rPr lang="en-US" sz="1200" b="0" i="0" kern="1200" dirty="0" err="1">
-                <a:solidFill>
-                  <a:schemeClr val="tx1"/>
-                </a:solidFill>
-                <a:effectLst/>
-                <a:latin typeface="+mn-lt"/>
-                <a:ea typeface="+mn-ea"/>
-                <a:cs typeface="+mn-cs"/>
-              </a:rPr>
-              <a:t>곱해</a:t>
-            </a:r>
-            <a:r>
-              <a:rPr lang="en-US" sz="1200" b="0" i="0" kern="1200" dirty="0">
-                <a:solidFill>
-                  <a:schemeClr val="tx1"/>
-                </a:solidFill>
-                <a:effectLst/>
-                <a:latin typeface="+mn-lt"/>
-                <a:ea typeface="+mn-ea"/>
-                <a:cs typeface="+mn-cs"/>
-              </a:rPr>
-              <a:t> </a:t>
-            </a:r>
-            <a:r>
-              <a:rPr lang="en-US" sz="1200" b="0" i="0" u="none" strike="noStrike" kern="1200" dirty="0">
-                <a:solidFill>
-                  <a:schemeClr val="tx1"/>
-                </a:solidFill>
-                <a:effectLst/>
-                <a:latin typeface="+mn-lt"/>
-                <a:ea typeface="+mn-ea"/>
-                <a:cs typeface="+mn-cs"/>
-              </a:rPr>
-              <a:t> </a:t>
-            </a:r>
-            <a:r>
-              <a:rPr lang="ko-KR" altLang="en-US" sz="1200" b="0" i="0" u="none" strike="noStrike" kern="1200" dirty="0">
-                <a:solidFill>
-                  <a:schemeClr val="tx1"/>
-                </a:solidFill>
-                <a:effectLst/>
-                <a:latin typeface="+mn-lt"/>
-                <a:ea typeface="+mn-ea"/>
-                <a:cs typeface="+mn-cs"/>
-              </a:rPr>
-              <a:t>맨 처음 넣었던 인풋 </a:t>
-            </a:r>
-            <a:r>
-              <a:rPr lang="en-US" sz="1200" b="0" i="0" u="none" strike="noStrike" kern="1200" dirty="0">
-                <a:solidFill>
-                  <a:schemeClr val="tx1"/>
-                </a:solidFill>
-                <a:effectLst/>
-                <a:latin typeface="+mn-lt"/>
-                <a:ea typeface="+mn-ea"/>
-                <a:cs typeface="+mn-cs"/>
-              </a:rPr>
-              <a:t>dim</a:t>
-            </a:r>
-            <a:r>
-              <a:rPr lang="ko-KR" altLang="en-US" sz="1200" b="0" i="0" u="none" strike="noStrike" kern="1200" dirty="0">
-                <a:solidFill>
-                  <a:schemeClr val="tx1"/>
-                </a:solidFill>
-                <a:effectLst/>
-                <a:latin typeface="+mn-lt"/>
-                <a:ea typeface="+mn-ea"/>
-                <a:cs typeface="+mn-cs"/>
-              </a:rPr>
-              <a:t>과 같은 </a:t>
-            </a:r>
-            <a:r>
-              <a:rPr lang="en-US" sz="1200" b="0" i="0" u="none" strike="noStrike" kern="1200" dirty="0">
-                <a:solidFill>
-                  <a:schemeClr val="tx1"/>
-                </a:solidFill>
-                <a:effectLst/>
-                <a:latin typeface="+mn-lt"/>
-                <a:ea typeface="+mn-ea"/>
-                <a:cs typeface="+mn-cs"/>
-              </a:rPr>
-              <a:t>dim</a:t>
-            </a:r>
-            <a:r>
-              <a:rPr lang="ko-KR" altLang="en-US" sz="1200" b="0" i="0" u="none" strike="noStrike" kern="1200" dirty="0">
-                <a:solidFill>
-                  <a:schemeClr val="tx1"/>
-                </a:solidFill>
-                <a:effectLst/>
-                <a:latin typeface="+mn-lt"/>
-                <a:ea typeface="+mn-ea"/>
-                <a:cs typeface="+mn-cs"/>
-              </a:rPr>
-              <a:t>을 만들어낸다</a:t>
-            </a:r>
-            <a:r>
-              <a:rPr lang="en-US" altLang="ko-KR" sz="1200" b="0" i="0" u="none" strike="noStrike" kern="1200" dirty="0">
-                <a:solidFill>
-                  <a:schemeClr val="tx1"/>
-                </a:solidFill>
-                <a:effectLst/>
-                <a:latin typeface="+mn-lt"/>
-                <a:ea typeface="+mn-ea"/>
-                <a:cs typeface="+mn-cs"/>
-              </a:rPr>
-              <a:t>.</a:t>
-            </a:r>
+            <a:endParaRPr lang="en-US" altLang="ko-KR" sz="1200" b="0" i="0" u="none" strike="noStrike" kern="1200" dirty="0">
+              <a:solidFill>
+                <a:schemeClr val="tx1"/>
+              </a:solidFill>
+              <a:effectLst/>
+              <a:latin typeface="+mn-lt"/>
+              <a:ea typeface="+mn-ea"/>
+              <a:cs typeface="+mn-cs"/>
+            </a:endParaRPr>
           </a:p>
         </p:txBody>
       </p:sp>
@@ -2262,7 +1332,7 @@
                 <a:ea typeface="+mn-ea"/>
                 <a:cs typeface="+mn-cs"/>
               </a:rPr>
-              <a:t>로 이루어져 있습니다</a:t>
+              <a:t>로 이루어져 있다</a:t>
             </a:r>
             <a:r>
               <a:rPr lang="en-US" altLang="ko-KR" sz="1200" b="0" i="0" kern="1200" dirty="0">
@@ -2464,7 +1534,90 @@
                 <a:ea typeface="+mn-ea"/>
                 <a:cs typeface="+mn-cs"/>
               </a:rPr>
-              <a:t>을 적용합니다</a:t>
+              <a:t>을 적용</a:t>
+            </a:r>
+            <a:endParaRPr lang="en-US" altLang="ko-KR" sz="1200" b="0" i="0" kern="1200" dirty="0">
+              <a:solidFill>
+                <a:schemeClr val="tx1"/>
+              </a:solidFill>
+              <a:effectLst/>
+              <a:latin typeface="+mn-lt"/>
+              <a:ea typeface="+mn-ea"/>
+              <a:cs typeface="+mn-cs"/>
+            </a:endParaRPr>
+          </a:p>
+          <a:p>
+            <a:r>
+              <a:rPr lang="ko-KR" altLang="en-US" sz="1200" b="0" i="0" kern="1200" dirty="0">
+                <a:solidFill>
+                  <a:schemeClr val="tx1"/>
+                </a:solidFill>
+                <a:effectLst/>
+                <a:latin typeface="+mn-lt"/>
+                <a:ea typeface="+mn-ea"/>
+                <a:cs typeface="+mn-cs"/>
+              </a:rPr>
+              <a:t>이때 각각의 </a:t>
+            </a:r>
+            <a:r>
+              <a:rPr lang="en-US" sz="1200" b="0" i="0" kern="1200" dirty="0">
+                <a:solidFill>
+                  <a:schemeClr val="tx1"/>
+                </a:solidFill>
+                <a:effectLst/>
+                <a:latin typeface="+mn-lt"/>
+                <a:ea typeface="+mn-ea"/>
+                <a:cs typeface="+mn-cs"/>
+              </a:rPr>
+              <a:t>position</a:t>
+            </a:r>
+            <a:r>
+              <a:rPr lang="ko-KR" altLang="en-US" sz="1200" b="0" i="0" kern="1200" dirty="0">
+                <a:solidFill>
+                  <a:schemeClr val="tx1"/>
+                </a:solidFill>
+                <a:effectLst/>
+                <a:latin typeface="+mn-lt"/>
+                <a:ea typeface="+mn-ea"/>
+                <a:cs typeface="+mn-cs"/>
+              </a:rPr>
+              <a:t>마다 같은 </a:t>
+            </a:r>
+            <a:r>
+              <a:rPr lang="en-US" sz="1200" b="0" i="0" kern="1200" dirty="0">
+                <a:solidFill>
+                  <a:schemeClr val="tx1"/>
+                </a:solidFill>
+                <a:effectLst/>
+                <a:latin typeface="+mn-lt"/>
+                <a:ea typeface="+mn-ea"/>
+                <a:cs typeface="+mn-cs"/>
+              </a:rPr>
+              <a:t>parameter W, b</a:t>
+            </a:r>
+            <a:r>
+              <a:rPr lang="ko-KR" altLang="en-US" sz="1200" b="0" i="0" kern="1200" dirty="0" err="1">
+                <a:solidFill>
+                  <a:schemeClr val="tx1"/>
+                </a:solidFill>
+                <a:effectLst/>
+                <a:latin typeface="+mn-lt"/>
+                <a:ea typeface="+mn-ea"/>
+                <a:cs typeface="+mn-cs"/>
+              </a:rPr>
+              <a:t>를</a:t>
+            </a:r>
+            <a:r>
+              <a:rPr lang="ko-KR" altLang="en-US" sz="1200" b="0" i="0" kern="1200" dirty="0">
+                <a:solidFill>
+                  <a:schemeClr val="tx1"/>
+                </a:solidFill>
+                <a:effectLst/>
+                <a:latin typeface="+mn-lt"/>
+                <a:ea typeface="+mn-ea"/>
+                <a:cs typeface="+mn-cs"/>
+              </a:rPr>
+              <a:t> 사용하지만</a:t>
             </a:r>
             <a:r>
               <a:rPr lang="en-US" altLang="ko-KR" sz="1200" b="0" i="0" kern="1200" dirty="0">
@@ -2476,10 +1629,20 @@
                 <a:ea typeface="+mn-ea"/>
                 <a:cs typeface="+mn-cs"/>
               </a:rPr>
-              <a:t>.</a:t>
-            </a:r>
-          </a:p>
-          <a:p>
+              <a:t>, </a:t>
+            </a:r>
+            <a:r>
+              <a:rPr lang="en-US" sz="1200" b="0" i="0" kern="1200" dirty="0">
+                <a:solidFill>
+                  <a:schemeClr val="tx1"/>
+                </a:solidFill>
+                <a:effectLst/>
+                <a:latin typeface="+mn-lt"/>
+                <a:ea typeface="+mn-ea"/>
+                <a:cs typeface="+mn-cs"/>
+              </a:rPr>
+              <a:t>layer</a:t>
+            </a:r>
             <a:r>
               <a:rPr lang="ko-KR" altLang="en-US" sz="1200" b="0" i="0" kern="1200" dirty="0">
                 <a:solidFill>
@@ -2490,7 +1653,7 @@
                 <a:ea typeface="+mn-ea"/>
                 <a:cs typeface="+mn-cs"/>
               </a:rPr>
-              <a:t>이때 각각의 </a:t>
+              <a:t>가 달라지면 다른 </a:t>
             </a:r>
             <a:r>
               <a:rPr lang="en-US" sz="1200" b="0" i="0" kern="1200" dirty="0">
@@ -2502,7 +1665,7 @@
                 <a:ea typeface="+mn-ea"/>
                 <a:cs typeface="+mn-cs"/>
               </a:rPr>
-              <a:t>position</a:t>
+              <a:t>parameter</a:t>
             </a:r>
             <a:r>
               <a:rPr lang="ko-KR" altLang="en-US" sz="1200" b="0" i="0" kern="1200" dirty="0">
@@ -2514,128 +1677,17 @@
                 <a:ea typeface="+mn-ea"/>
                 <a:cs typeface="+mn-cs"/>
               </a:rPr>
-              <a:t>마다 같은 </a:t>
-            </a:r>
-            <a:r>
-              <a:rPr lang="en-US" sz="1200" b="0" i="0" kern="1200" dirty="0">
-                <a:solidFill>
-                  <a:schemeClr val="tx1"/>
-                </a:solidFill>
-                <a:effectLst/>
-                <a:latin typeface="+mn-lt"/>
-                <a:ea typeface="+mn-ea"/>
-                <a:cs typeface="+mn-cs"/>
-              </a:rPr>
-              <a:t>parameter W, b</a:t>
-            </a:r>
-            <a:r>
-              <a:rPr lang="ko-KR" altLang="en-US" sz="1200" b="0" i="0" kern="1200" dirty="0" err="1">
-                <a:solidFill>
-                  <a:schemeClr val="tx1"/>
-                </a:solidFill>
-                <a:effectLst/>
-                <a:latin typeface="+mn-lt"/>
-                <a:ea typeface="+mn-ea"/>
-                <a:cs typeface="+mn-cs"/>
-              </a:rPr>
-              <a:t>를</a:t>
-            </a:r>
-            <a:r>
-              <a:rPr lang="ko-KR" altLang="en-US" sz="1200" b="0" i="0" kern="1200" dirty="0">
-                <a:solidFill>
-                  <a:schemeClr val="tx1"/>
-                </a:solidFill>
-                <a:effectLst/>
-                <a:latin typeface="+mn-lt"/>
-                <a:ea typeface="+mn-ea"/>
-                <a:cs typeface="+mn-cs"/>
-              </a:rPr>
-              <a:t> 사용하지만</a:t>
-            </a:r>
-            <a:r>
-              <a:rPr lang="en-US" altLang="ko-KR" sz="1200" b="0" i="0" kern="1200" dirty="0">
-                <a:solidFill>
-                  <a:schemeClr val="tx1"/>
-                </a:solidFill>
-                <a:effectLst/>
-                <a:latin typeface="+mn-lt"/>
-                <a:ea typeface="+mn-ea"/>
-                <a:cs typeface="+mn-cs"/>
-              </a:rPr>
-              <a:t>, </a:t>
-            </a:r>
-            <a:r>
-              <a:rPr lang="en-US" sz="1200" b="0" i="0" kern="1200" dirty="0">
-                <a:solidFill>
-                  <a:schemeClr val="tx1"/>
-                </a:solidFill>
-                <a:effectLst/>
-                <a:latin typeface="+mn-lt"/>
-                <a:ea typeface="+mn-ea"/>
-                <a:cs typeface="+mn-cs"/>
-              </a:rPr>
-              <a:t>layer</a:t>
-            </a:r>
-            <a:r>
-              <a:rPr lang="ko-KR" altLang="en-US" sz="1200" b="0" i="0" kern="1200" dirty="0">
-                <a:solidFill>
-                  <a:schemeClr val="tx1"/>
-                </a:solidFill>
-                <a:effectLst/>
-                <a:latin typeface="+mn-lt"/>
-                <a:ea typeface="+mn-ea"/>
-                <a:cs typeface="+mn-cs"/>
-              </a:rPr>
-              <a:t>가 달라지면 다른 </a:t>
-            </a:r>
-            <a:r>
-              <a:rPr lang="en-US" sz="1200" b="0" i="0" kern="1200" dirty="0">
-                <a:solidFill>
-                  <a:schemeClr val="tx1"/>
-                </a:solidFill>
-                <a:effectLst/>
-                <a:latin typeface="+mn-lt"/>
-                <a:ea typeface="+mn-ea"/>
-                <a:cs typeface="+mn-cs"/>
-              </a:rPr>
-              <a:t>parameter</a:t>
-            </a:r>
-            <a:r>
-              <a:rPr lang="ko-KR" altLang="en-US" sz="1200" b="0" i="0" kern="1200" dirty="0" err="1">
-                <a:solidFill>
-                  <a:schemeClr val="tx1"/>
-                </a:solidFill>
-                <a:effectLst/>
-                <a:latin typeface="+mn-lt"/>
-                <a:ea typeface="+mn-ea"/>
-                <a:cs typeface="+mn-cs"/>
-              </a:rPr>
-              <a:t>를</a:t>
-            </a:r>
-            <a:r>
-              <a:rPr lang="ko-KR" altLang="en-US" sz="1200" b="0" i="0" kern="1200" dirty="0">
-                <a:solidFill>
-                  <a:schemeClr val="tx1"/>
-                </a:solidFill>
-                <a:effectLst/>
-                <a:latin typeface="+mn-lt"/>
-                <a:ea typeface="+mn-ea"/>
-                <a:cs typeface="+mn-cs"/>
-              </a:rPr>
-              <a:t> 사용합니다</a:t>
-            </a:r>
-            <a:r>
-              <a:rPr lang="en-US" altLang="ko-KR" sz="1200" b="0" i="0" kern="1200" dirty="0">
-                <a:solidFill>
-                  <a:schemeClr val="tx1"/>
-                </a:solidFill>
-                <a:effectLst/>
-                <a:latin typeface="+mn-lt"/>
-                <a:ea typeface="+mn-ea"/>
-                <a:cs typeface="+mn-cs"/>
-              </a:rPr>
-              <a:t>.</a:t>
-            </a:r>
+              <a:t> 사용</a:t>
+            </a:r>
+            <a:endParaRPr lang="en-US" altLang="ko-KR" sz="1200" b="0" i="0" kern="1200" dirty="0">
+              <a:solidFill>
+                <a:schemeClr val="tx1"/>
+              </a:solidFill>
+              <a:effectLst/>
+              <a:latin typeface="+mn-lt"/>
+              <a:ea typeface="+mn-ea"/>
+              <a:cs typeface="+mn-cs"/>
+            </a:endParaRPr>
           </a:p>
           <a:p>
             <a:pPr marL="0" marR="0" lvl="0" indent="0" algn="l" defTabSz="914400" rtl="0" eaLnBrk="1" fontAlgn="auto" latinLnBrk="0" hangingPunct="1">
@@ -3373,140 +2425,6 @@
               <a:tabLst/>
               <a:defRPr/>
             </a:pPr>
-            <a:r>
-              <a:rPr lang="ko-KR" altLang="en-US" sz="1200" b="0" i="0" u="none" strike="noStrike" kern="1200" dirty="0">
-                <a:solidFill>
-                  <a:schemeClr val="tx1"/>
-                </a:solidFill>
-                <a:effectLst/>
-                <a:latin typeface="+mn-lt"/>
-                <a:ea typeface="+mn-ea"/>
-                <a:cs typeface="+mn-cs"/>
-              </a:rPr>
-              <a:t>이 표는 </a:t>
-            </a:r>
-            <a:r>
-              <a:rPr lang="en-US" altLang="ko-KR" sz="1200" b="0" i="0" u="none" strike="noStrike" kern="1200" dirty="0">
-                <a:solidFill>
-                  <a:schemeClr val="tx1"/>
-                </a:solidFill>
-                <a:effectLst/>
-                <a:latin typeface="+mn-lt"/>
-                <a:ea typeface="+mn-ea"/>
-                <a:cs typeface="+mn-cs"/>
-              </a:rPr>
-              <a:t>transformer </a:t>
-            </a:r>
-            <a:r>
-              <a:rPr lang="ko-KR" altLang="en-US" sz="1200" b="0" i="0" u="none" strike="noStrike" kern="1200" dirty="0" err="1">
-                <a:solidFill>
-                  <a:schemeClr val="tx1"/>
-                </a:solidFill>
-                <a:effectLst/>
-                <a:latin typeface="+mn-lt"/>
-                <a:ea typeface="+mn-ea"/>
-                <a:cs typeface="+mn-cs"/>
-              </a:rPr>
-              <a:t>아키텍쳐의</a:t>
-            </a:r>
-            <a:r>
-              <a:rPr lang="ko-KR" altLang="en-US" sz="1200" b="0" i="0" u="none" strike="noStrike" kern="1200" dirty="0">
-                <a:solidFill>
-                  <a:schemeClr val="tx1"/>
-                </a:solidFill>
-                <a:effectLst/>
-                <a:latin typeface="+mn-lt"/>
-                <a:ea typeface="+mn-ea"/>
-                <a:cs typeface="+mn-cs"/>
-              </a:rPr>
-              <a:t> 성능을 잘 보여주고 있는데요</a:t>
-            </a:r>
-            <a:r>
-              <a:rPr lang="en-US" altLang="ko-KR" sz="1200" b="0" i="0" u="none" strike="noStrike" kern="1200" dirty="0">
-                <a:solidFill>
-                  <a:schemeClr val="tx1"/>
-                </a:solidFill>
-                <a:effectLst/>
-                <a:latin typeface="+mn-lt"/>
-                <a:ea typeface="+mn-ea"/>
-                <a:cs typeface="+mn-cs"/>
-              </a:rPr>
-              <a:t>,</a:t>
-            </a:r>
-          </a:p>
-          <a:p>
-            <a:pPr marL="0" marR="0" lvl="0" indent="0" algn="l" defTabSz="914400" rtl="0" eaLnBrk="1" fontAlgn="auto" latinLnBrk="0" hangingPunct="1">
-              <a:lnSpc>
-                <a:spcPct val="100000"/>
-              </a:lnSpc>
-              <a:spcBef>
-                <a:spcPts val="0"/>
-              </a:spcBef>
-              <a:spcAft>
-                <a:spcPts val="0"/>
-              </a:spcAft>
-              <a:buClrTx/>
-              <a:buSzTx/>
-              <a:buFontTx/>
-              <a:buNone/>
-              <a:tabLst/>
-              <a:defRPr/>
-            </a:pPr>
-            <a:r>
-              <a:rPr lang="ko-KR" altLang="en-US" sz="1200" b="0" i="0" u="none" strike="noStrike" kern="1200" dirty="0" err="1">
-                <a:solidFill>
-                  <a:schemeClr val="tx1"/>
-                </a:solidFill>
-                <a:effectLst/>
-                <a:latin typeface="+mn-lt"/>
-                <a:ea typeface="+mn-ea"/>
-                <a:cs typeface="+mn-cs"/>
-              </a:rPr>
-              <a:t>트랜트포머의</a:t>
-            </a:r>
-            <a:r>
-              <a:rPr lang="ko-KR" altLang="en-US" sz="1200" b="0" i="0" u="none" strike="noStrike" kern="1200" dirty="0">
-                <a:solidFill>
-                  <a:schemeClr val="tx1"/>
-                </a:solidFill>
-                <a:effectLst/>
-                <a:latin typeface="+mn-lt"/>
-                <a:ea typeface="+mn-ea"/>
-                <a:cs typeface="+mn-cs"/>
-              </a:rPr>
-              <a:t> 기본 모델로도 기존에 존재하는 모델과 비슷한 성능을 내는 것을 알 수 있고 이때 학습시간이 훨씬 짧았다는 것을 알 수 있다</a:t>
-            </a:r>
-            <a:r>
-              <a:rPr lang="en-US" altLang="ko-KR" sz="1200" b="0" i="0" u="none" strike="noStrike" kern="1200" dirty="0">
-                <a:solidFill>
-                  <a:schemeClr val="tx1"/>
-                </a:solidFill>
-                <a:effectLst/>
-                <a:latin typeface="+mn-lt"/>
-                <a:ea typeface="+mn-ea"/>
-                <a:cs typeface="+mn-cs"/>
-              </a:rPr>
-              <a:t>.</a:t>
-            </a:r>
-          </a:p>
-          <a:p>
-            <a:pPr marL="0" marR="0" lvl="0" indent="0" algn="l" defTabSz="914400" rtl="0" eaLnBrk="1" fontAlgn="auto" latinLnBrk="0" hangingPunct="1">
-              <a:lnSpc>
-                <a:spcPct val="100000"/>
-              </a:lnSpc>
-              <a:spcBef>
-                <a:spcPts val="0"/>
-              </a:spcBef>
-              <a:spcAft>
-                <a:spcPts val="0"/>
-              </a:spcAft>
-              <a:buClrTx/>
-              <a:buSzTx/>
-              <a:buFontTx/>
-              <a:buNone/>
-              <a:tabLst/>
-              <a:defRPr/>
-            </a:pPr>
             <a:endParaRPr lang="en-US" altLang="ko-KR" sz="1200" b="0" i="0" u="none" strike="noStrike" kern="1200" dirty="0">
               <a:solidFill>
                 <a:schemeClr val="tx1"/>
@@ -3516,73 +2434,6 @@
               <a:ea typeface="+mn-ea"/>
               <a:cs typeface="+mn-cs"/>
             </a:endParaRPr>
-          </a:p>
-          <a:p>
-            <a:pPr marL="0" marR="0" lvl="0" indent="0" algn="l" defTabSz="914400" rtl="0" eaLnBrk="1" fontAlgn="auto" latinLnBrk="0" hangingPunct="1">
-              <a:lnSpc>
-                <a:spcPct val="100000"/>
-              </a:lnSpc>
-              <a:spcBef>
-                <a:spcPts val="0"/>
-              </a:spcBef>
-              <a:spcAft>
-                <a:spcPts val="0"/>
-              </a:spcAft>
-              <a:buClrTx/>
-              <a:buSzTx/>
-              <a:buFontTx/>
-              <a:buNone/>
-              <a:tabLst/>
-              <a:defRPr/>
-            </a:pPr>
-            <a:r>
-              <a:rPr lang="ko-KR" altLang="en-US" sz="1200" b="0" i="0" u="none" strike="noStrike" kern="1200" dirty="0">
-                <a:solidFill>
-                  <a:schemeClr val="tx1"/>
-                </a:solidFill>
-                <a:effectLst/>
-                <a:latin typeface="+mn-lt"/>
-                <a:ea typeface="+mn-ea"/>
-                <a:cs typeface="+mn-cs"/>
-              </a:rPr>
-              <a:t>또한 트랜스포머의 </a:t>
-            </a:r>
-            <a:r>
-              <a:rPr lang="ko-KR" altLang="en-US" sz="1200" b="0" i="0" u="none" strike="noStrike" kern="1200" dirty="0" err="1">
-                <a:solidFill>
-                  <a:schemeClr val="tx1"/>
-                </a:solidFill>
-                <a:effectLst/>
-                <a:latin typeface="+mn-lt"/>
-                <a:ea typeface="+mn-ea"/>
-                <a:cs typeface="+mn-cs"/>
-              </a:rPr>
-              <a:t>파라미터</a:t>
-            </a:r>
-            <a:r>
-              <a:rPr lang="ko-KR" altLang="en-US" sz="1200" b="0" i="0" u="none" strike="noStrike" kern="1200" dirty="0">
-                <a:solidFill>
-                  <a:schemeClr val="tx1"/>
-                </a:solidFill>
-                <a:effectLst/>
-                <a:latin typeface="+mn-lt"/>
-                <a:ea typeface="+mn-ea"/>
-                <a:cs typeface="+mn-cs"/>
-              </a:rPr>
-              <a:t> 수를 훨씬 늘려서 더 큰 모델을 사용했을 때에 이전 모델들보다 학습 효율이 높고 성능 또한 크게 개선된 것을 확인할 수 있다</a:t>
-            </a:r>
-            <a:r>
-              <a:rPr lang="en-US" altLang="ko-KR" sz="1200" b="0" i="0" u="none" strike="noStrike" kern="1200" dirty="0">
-                <a:solidFill>
-                  <a:schemeClr val="tx1"/>
-                </a:solidFill>
-                <a:effectLst/>
-                <a:latin typeface="+mn-lt"/>
-                <a:ea typeface="+mn-ea"/>
-                <a:cs typeface="+mn-cs"/>
-              </a:rPr>
-              <a:t>.</a:t>
-            </a:r>
           </a:p>
         </p:txBody>
       </p:sp>
@@ -3666,869 +2517,6 @@
           <a:bodyPr/>
           <a:lstStyle/>
           <a:p>
-            <a:pPr marL="0" marR="0" lvl="0" indent="0" algn="l" defTabSz="914400" rtl="0" eaLnBrk="1" fontAlgn="auto" latinLnBrk="0" hangingPunct="1">
-              <a:lnSpc>
-                <a:spcPct val="100000"/>
-              </a:lnSpc>
-              <a:spcBef>
-                <a:spcPts val="0"/>
-              </a:spcBef>
-              <a:spcAft>
-                <a:spcPts val="0"/>
-              </a:spcAft>
-              <a:buClrTx/>
-              <a:buSzTx/>
-              <a:buFontTx/>
-              <a:buNone/>
-              <a:tabLst/>
-              <a:defRPr/>
-            </a:pPr>
-            <a:r>
-              <a:rPr lang="en-US" altLang="ko-KR" sz="1200" b="0" i="0" u="none" strike="noStrike" kern="1200" dirty="0" err="1">
-                <a:solidFill>
-                  <a:schemeClr val="tx1"/>
-                </a:solidFill>
-                <a:effectLst/>
-                <a:latin typeface="+mn-lt"/>
-                <a:ea typeface="+mn-ea"/>
-                <a:cs typeface="+mn-cs"/>
-              </a:rPr>
-              <a:t>Dkey</a:t>
-            </a:r>
-            <a:r>
-              <a:rPr lang="ko-KR" altLang="en-US" sz="1200" b="0" i="0" u="none" strike="noStrike" kern="1200" dirty="0">
-                <a:solidFill>
-                  <a:schemeClr val="tx1"/>
-                </a:solidFill>
-                <a:effectLst/>
-                <a:latin typeface="+mn-lt"/>
-                <a:ea typeface="+mn-ea"/>
-                <a:cs typeface="+mn-cs"/>
-              </a:rPr>
-              <a:t>이건 트랜스포머 </a:t>
-            </a:r>
-            <a:r>
-              <a:rPr lang="ko-KR" altLang="en-US" sz="1200" b="0" i="0" u="none" strike="noStrike" kern="1200" dirty="0" err="1">
-                <a:solidFill>
-                  <a:schemeClr val="tx1"/>
-                </a:solidFill>
-                <a:effectLst/>
-                <a:latin typeface="+mn-lt"/>
-                <a:ea typeface="+mn-ea"/>
-                <a:cs typeface="+mn-cs"/>
-              </a:rPr>
-              <a:t>아키택쳐에서</a:t>
-            </a:r>
-            <a:r>
-              <a:rPr lang="ko-KR" altLang="en-US" sz="1200" b="0" i="0" u="none" strike="noStrike" kern="1200" dirty="0">
-                <a:solidFill>
-                  <a:schemeClr val="tx1"/>
-                </a:solidFill>
-                <a:effectLst/>
-                <a:latin typeface="+mn-lt"/>
-                <a:ea typeface="+mn-ea"/>
-                <a:cs typeface="+mn-cs"/>
-              </a:rPr>
-              <a:t> 어떤 컴포넌트가 상대적으로 중요한지를 확인하기 위해 실험한 결과</a:t>
-            </a:r>
-            <a:r>
-              <a:rPr lang="en-US" altLang="ko-KR" sz="1200" b="0" i="0" u="none" strike="noStrike" kern="1200" dirty="0">
-                <a:solidFill>
-                  <a:schemeClr val="tx1"/>
-                </a:solidFill>
-                <a:effectLst/>
-                <a:latin typeface="+mn-lt"/>
-                <a:ea typeface="+mn-ea"/>
-                <a:cs typeface="+mn-cs"/>
-              </a:rPr>
-              <a:t>.</a:t>
-            </a:r>
-          </a:p>
-          <a:p>
-            <a:pPr marL="0" marR="0" lvl="0" indent="0" algn="l" defTabSz="914400" rtl="0" eaLnBrk="1" fontAlgn="auto" latinLnBrk="0" hangingPunct="1">
-              <a:lnSpc>
-                <a:spcPct val="100000"/>
-              </a:lnSpc>
-              <a:spcBef>
-                <a:spcPts val="0"/>
-              </a:spcBef>
-              <a:spcAft>
-                <a:spcPts val="0"/>
-              </a:spcAft>
-              <a:buClrTx/>
-              <a:buSzTx/>
-              <a:buFontTx/>
-              <a:buNone/>
-              <a:tabLst/>
-              <a:defRPr/>
-            </a:pPr>
-            <a:endParaRPr lang="en-US" altLang="ko-KR" sz="1200" b="0" i="0" u="none" strike="noStrike" kern="1200" dirty="0">
-              <a:solidFill>
-                <a:schemeClr val="tx1"/>
-              </a:solidFill>
-              <a:effectLst/>
-              <a:latin typeface="+mn-lt"/>
-              <a:ea typeface="+mn-ea"/>
-              <a:cs typeface="+mn-cs"/>
-            </a:endParaRPr>
-          </a:p>
-          <a:p>
-            <a:pPr marL="0" marR="0" lvl="0" indent="0" algn="l" defTabSz="914400" rtl="0" eaLnBrk="1" fontAlgn="auto" latinLnBrk="0" hangingPunct="1">
-              <a:lnSpc>
-                <a:spcPct val="100000"/>
-              </a:lnSpc>
-              <a:spcBef>
-                <a:spcPts val="0"/>
-              </a:spcBef>
-              <a:spcAft>
-                <a:spcPts val="0"/>
-              </a:spcAft>
-              <a:buClrTx/>
-              <a:buSzTx/>
-              <a:buFontTx/>
-              <a:buNone/>
-              <a:tabLst/>
-              <a:defRPr/>
-            </a:pPr>
-            <a:r>
-              <a:rPr lang="ko-KR" altLang="en-US" sz="1200" b="0" i="0" u="none" strike="noStrike" kern="1200" dirty="0">
-                <a:solidFill>
-                  <a:schemeClr val="tx1"/>
-                </a:solidFill>
-                <a:effectLst/>
-                <a:latin typeface="+mn-lt"/>
-                <a:ea typeface="+mn-ea"/>
-                <a:cs typeface="+mn-cs"/>
-              </a:rPr>
-              <a:t>보면 </a:t>
-            </a:r>
-            <a:r>
-              <a:rPr lang="en-US" altLang="ko-KR" sz="1200" b="0" i="0" u="none" strike="noStrike" kern="1200" dirty="0">
-                <a:solidFill>
-                  <a:schemeClr val="tx1"/>
-                </a:solidFill>
-                <a:effectLst/>
-                <a:latin typeface="+mn-lt"/>
-                <a:ea typeface="+mn-ea"/>
-                <a:cs typeface="+mn-cs"/>
-              </a:rPr>
-              <a:t>head</a:t>
-            </a:r>
-            <a:r>
-              <a:rPr lang="ko-KR" altLang="en-US" sz="1200" b="0" i="0" u="none" strike="noStrike" kern="1200" dirty="0">
-                <a:solidFill>
-                  <a:schemeClr val="tx1"/>
-                </a:solidFill>
-                <a:effectLst/>
-                <a:latin typeface="+mn-lt"/>
-                <a:ea typeface="+mn-ea"/>
-                <a:cs typeface="+mn-cs"/>
-              </a:rPr>
-              <a:t>의 수를 줄여보거나 특정 </a:t>
-            </a:r>
-            <a:r>
-              <a:rPr lang="ko-KR" altLang="en-US" sz="1200" b="0" i="0" u="none" strike="noStrike" kern="1200" dirty="0" err="1">
-                <a:solidFill>
-                  <a:schemeClr val="tx1"/>
-                </a:solidFill>
-                <a:effectLst/>
-                <a:latin typeface="+mn-lt"/>
-                <a:ea typeface="+mn-ea"/>
-                <a:cs typeface="+mn-cs"/>
-              </a:rPr>
-              <a:t>파라미터의</a:t>
-            </a:r>
-            <a:r>
-              <a:rPr lang="ko-KR" altLang="en-US" sz="1200" b="0" i="0" u="none" strike="noStrike" kern="1200" dirty="0">
-                <a:solidFill>
-                  <a:schemeClr val="tx1"/>
-                </a:solidFill>
-                <a:effectLst/>
-                <a:latin typeface="+mn-lt"/>
-                <a:ea typeface="+mn-ea"/>
-                <a:cs typeface="+mn-cs"/>
-              </a:rPr>
-              <a:t> 수를 늘려보거나 하는 등의 실험들을 해 본 결과임</a:t>
-            </a:r>
-            <a:r>
-              <a:rPr lang="en-US" altLang="ko-KR" sz="1200" b="0" i="0" u="none" strike="noStrike" kern="1200" dirty="0">
-                <a:solidFill>
-                  <a:schemeClr val="tx1"/>
-                </a:solidFill>
-                <a:effectLst/>
-                <a:latin typeface="+mn-lt"/>
-                <a:ea typeface="+mn-ea"/>
-                <a:cs typeface="+mn-cs"/>
-              </a:rPr>
-              <a:t>.</a:t>
-            </a:r>
-          </a:p>
-          <a:p>
-            <a:pPr marL="0" marR="0" lvl="0" indent="0" algn="l" defTabSz="914400" rtl="0" eaLnBrk="1" fontAlgn="auto" latinLnBrk="0" hangingPunct="1">
-              <a:lnSpc>
-                <a:spcPct val="100000"/>
-              </a:lnSpc>
-              <a:spcBef>
-                <a:spcPts val="0"/>
-              </a:spcBef>
-              <a:spcAft>
-                <a:spcPts val="0"/>
-              </a:spcAft>
-              <a:buClrTx/>
-              <a:buSzTx/>
-              <a:buFontTx/>
-              <a:buNone/>
-              <a:tabLst/>
-              <a:defRPr/>
-            </a:pPr>
-            <a:endParaRPr lang="en-US" altLang="ko-KR" sz="1200" b="0" i="0" u="none" strike="noStrike" kern="1200" dirty="0">
-              <a:solidFill>
-                <a:schemeClr val="tx1"/>
-              </a:solidFill>
-              <a:effectLst/>
-              <a:latin typeface="+mn-lt"/>
-              <a:ea typeface="+mn-ea"/>
-              <a:cs typeface="+mn-cs"/>
-            </a:endParaRPr>
-          </a:p>
-          <a:p>
-            <a:pPr marL="0" marR="0" lvl="0" indent="0" algn="l" defTabSz="914400" rtl="0" eaLnBrk="1" fontAlgn="auto" latinLnBrk="0" hangingPunct="1">
-              <a:lnSpc>
-                <a:spcPct val="100000"/>
-              </a:lnSpc>
-              <a:spcBef>
-                <a:spcPts val="0"/>
-              </a:spcBef>
-              <a:spcAft>
-                <a:spcPts val="0"/>
-              </a:spcAft>
-              <a:buClrTx/>
-              <a:buSzTx/>
-              <a:buFontTx/>
-              <a:buNone/>
-              <a:tabLst/>
-              <a:defRPr/>
-            </a:pPr>
-            <a:r>
-              <a:rPr lang="en-US" altLang="ko-KR" sz="1200" b="0" i="0" u="none" strike="noStrike" kern="1200" dirty="0">
-                <a:solidFill>
-                  <a:schemeClr val="tx1"/>
-                </a:solidFill>
-                <a:effectLst/>
-                <a:latin typeface="+mn-lt"/>
-                <a:ea typeface="+mn-ea"/>
-                <a:cs typeface="+mn-cs"/>
-              </a:rPr>
-              <a:t>Base</a:t>
-            </a:r>
-            <a:r>
-              <a:rPr lang="ko-KR" altLang="en-US" sz="1200" b="0" i="0" u="none" strike="noStrike" kern="1200" dirty="0">
-                <a:solidFill>
-                  <a:schemeClr val="tx1"/>
-                </a:solidFill>
-                <a:effectLst/>
-                <a:latin typeface="+mn-lt"/>
-                <a:ea typeface="+mn-ea"/>
-                <a:cs typeface="+mn-cs"/>
-              </a:rPr>
-              <a:t>모델이 가장 기본적으로 사용한 </a:t>
-            </a:r>
-            <a:r>
-              <a:rPr lang="ko-KR" altLang="en-US" sz="1200" b="0" i="0" u="none" strike="noStrike" kern="1200" dirty="0" err="1">
-                <a:solidFill>
-                  <a:schemeClr val="tx1"/>
-                </a:solidFill>
-                <a:effectLst/>
-                <a:latin typeface="+mn-lt"/>
-                <a:ea typeface="+mn-ea"/>
-                <a:cs typeface="+mn-cs"/>
-              </a:rPr>
-              <a:t>하이퍼</a:t>
-            </a:r>
-            <a:r>
-              <a:rPr lang="ko-KR" altLang="en-US" sz="1200" b="0" i="0" u="none" strike="noStrike" kern="1200" dirty="0">
-                <a:solidFill>
-                  <a:schemeClr val="tx1"/>
-                </a:solidFill>
-                <a:effectLst/>
-                <a:latin typeface="+mn-lt"/>
-                <a:ea typeface="+mn-ea"/>
-                <a:cs typeface="+mn-cs"/>
-              </a:rPr>
-              <a:t> </a:t>
-            </a:r>
-            <a:r>
-              <a:rPr lang="ko-KR" altLang="en-US" sz="1200" b="0" i="0" u="none" strike="noStrike" kern="1200" dirty="0" err="1">
-                <a:solidFill>
-                  <a:schemeClr val="tx1"/>
-                </a:solidFill>
-                <a:effectLst/>
-                <a:latin typeface="+mn-lt"/>
-                <a:ea typeface="+mn-ea"/>
-                <a:cs typeface="+mn-cs"/>
-              </a:rPr>
-              <a:t>파라미터라고</a:t>
-            </a:r>
-            <a:r>
-              <a:rPr lang="ko-KR" altLang="en-US" sz="1200" b="0" i="0" u="none" strike="noStrike" kern="1200" dirty="0">
-                <a:solidFill>
-                  <a:schemeClr val="tx1"/>
-                </a:solidFill>
-                <a:effectLst/>
-                <a:latin typeface="+mn-lt"/>
-                <a:ea typeface="+mn-ea"/>
-                <a:cs typeface="+mn-cs"/>
-              </a:rPr>
-              <a:t> 할 수 있고 </a:t>
-            </a:r>
-            <a:endParaRPr lang="en-US" altLang="ko-KR" sz="1200" b="0" i="0" u="none" strike="noStrike" kern="1200" dirty="0">
-              <a:solidFill>
-                <a:schemeClr val="tx1"/>
-              </a:solidFill>
-              <a:effectLst/>
-              <a:latin typeface="+mn-lt"/>
-              <a:ea typeface="+mn-ea"/>
-              <a:cs typeface="+mn-cs"/>
-            </a:endParaRPr>
-          </a:p>
-          <a:p>
-            <a:pPr marL="228600" marR="0" lvl="0" indent="-228600" algn="l" defTabSz="914400" rtl="0" eaLnBrk="1" fontAlgn="auto" latinLnBrk="0" hangingPunct="1">
-              <a:lnSpc>
-                <a:spcPct val="100000"/>
-              </a:lnSpc>
-              <a:spcBef>
-                <a:spcPts val="0"/>
-              </a:spcBef>
-              <a:spcAft>
-                <a:spcPts val="0"/>
-              </a:spcAft>
-              <a:buClrTx/>
-              <a:buSzTx/>
-              <a:buFontTx/>
-              <a:buAutoNum type="alphaUcParenBoth"/>
-              <a:tabLst/>
-              <a:defRPr/>
-            </a:pPr>
-            <a:r>
-              <a:rPr lang="en-US" altLang="ko-KR" sz="1200" b="0" i="0" u="none" strike="noStrike" kern="1200" dirty="0">
-                <a:solidFill>
-                  <a:schemeClr val="tx1"/>
-                </a:solidFill>
-                <a:effectLst/>
-                <a:latin typeface="+mn-lt"/>
-                <a:ea typeface="+mn-ea"/>
-                <a:cs typeface="+mn-cs"/>
-              </a:rPr>
-              <a:t>: head</a:t>
-            </a:r>
-            <a:r>
-              <a:rPr lang="ko-KR" altLang="en-US" sz="1200" b="0" i="0" u="none" strike="noStrike" kern="1200" dirty="0">
-                <a:solidFill>
-                  <a:schemeClr val="tx1"/>
-                </a:solidFill>
-                <a:effectLst/>
-                <a:latin typeface="+mn-lt"/>
-                <a:ea typeface="+mn-ea"/>
-                <a:cs typeface="+mn-cs"/>
-              </a:rPr>
-              <a:t>의 </a:t>
-            </a:r>
-            <a:r>
-              <a:rPr lang="en-US" altLang="ko-KR" sz="1200" b="0" i="0" u="none" strike="noStrike" kern="1200" dirty="0">
-                <a:solidFill>
-                  <a:schemeClr val="tx1"/>
-                </a:solidFill>
-                <a:effectLst/>
-                <a:latin typeface="+mn-lt"/>
-                <a:ea typeface="+mn-ea"/>
-                <a:cs typeface="+mn-cs"/>
-              </a:rPr>
-              <a:t>dim</a:t>
-            </a:r>
-            <a:r>
-              <a:rPr lang="ko-KR" altLang="en-US" sz="1200" b="0" i="0" u="none" strike="noStrike" kern="1200" dirty="0">
-                <a:solidFill>
-                  <a:schemeClr val="tx1"/>
-                </a:solidFill>
-                <a:effectLst/>
-                <a:latin typeface="+mn-lt"/>
-                <a:ea typeface="+mn-ea"/>
-                <a:cs typeface="+mn-cs"/>
-              </a:rPr>
-              <a:t>을 바꿔 그에 따른 </a:t>
-            </a:r>
-            <a:r>
-              <a:rPr lang="en-US" altLang="ko-KR" sz="1200" b="0" i="0" u="none" strike="noStrike" kern="1200" dirty="0">
-                <a:solidFill>
-                  <a:schemeClr val="tx1"/>
-                </a:solidFill>
-                <a:effectLst/>
-                <a:latin typeface="+mn-lt"/>
-                <a:ea typeface="+mn-ea"/>
-                <a:cs typeface="+mn-cs"/>
-              </a:rPr>
-              <a:t>key</a:t>
-            </a:r>
-            <a:r>
-              <a:rPr lang="ko-KR" altLang="en-US" sz="1200" b="0" i="0" u="none" strike="noStrike" kern="1200" dirty="0">
-                <a:solidFill>
-                  <a:schemeClr val="tx1"/>
-                </a:solidFill>
-                <a:effectLst/>
-                <a:latin typeface="+mn-lt"/>
-                <a:ea typeface="+mn-ea"/>
-                <a:cs typeface="+mn-cs"/>
-              </a:rPr>
-              <a:t>와 </a:t>
-            </a:r>
-            <a:r>
-              <a:rPr lang="en-US" altLang="ko-KR" sz="1200" b="0" i="0" u="none" strike="noStrike" kern="1200" dirty="0">
-                <a:solidFill>
-                  <a:schemeClr val="tx1"/>
-                </a:solidFill>
-                <a:effectLst/>
-                <a:latin typeface="+mn-lt"/>
-                <a:ea typeface="+mn-ea"/>
-                <a:cs typeface="+mn-cs"/>
-              </a:rPr>
-              <a:t>value</a:t>
-            </a:r>
-            <a:r>
-              <a:rPr lang="ko-KR" altLang="en-US" sz="1200" b="0" i="0" u="none" strike="noStrike" kern="1200" dirty="0">
-                <a:solidFill>
-                  <a:schemeClr val="tx1"/>
-                </a:solidFill>
-                <a:effectLst/>
-                <a:latin typeface="+mn-lt"/>
-                <a:ea typeface="+mn-ea"/>
-                <a:cs typeface="+mn-cs"/>
-              </a:rPr>
-              <a:t>의</a:t>
-            </a:r>
-            <a:r>
-              <a:rPr lang="en-US" altLang="ko-KR" sz="1200" b="0" i="0" u="none" strike="noStrike" kern="1200" dirty="0">
-                <a:solidFill>
-                  <a:schemeClr val="tx1"/>
-                </a:solidFill>
-                <a:effectLst/>
-                <a:latin typeface="+mn-lt"/>
-                <a:ea typeface="+mn-ea"/>
-                <a:cs typeface="+mn-cs"/>
-              </a:rPr>
-              <a:t> dim</a:t>
-            </a:r>
-            <a:r>
-              <a:rPr lang="ko-KR" altLang="en-US" sz="1200" b="0" i="0" u="none" strike="noStrike" kern="1200" dirty="0">
-                <a:solidFill>
-                  <a:schemeClr val="tx1"/>
-                </a:solidFill>
-                <a:effectLst/>
-                <a:latin typeface="+mn-lt"/>
-                <a:ea typeface="+mn-ea"/>
-                <a:cs typeface="+mn-cs"/>
-              </a:rPr>
-              <a:t>도 바뀌도록 </a:t>
-            </a:r>
-            <a:r>
-              <a:rPr lang="ko-KR" altLang="en-US" sz="1200" b="0" i="0" u="none" strike="noStrike" kern="1200" dirty="0" err="1">
-                <a:solidFill>
-                  <a:schemeClr val="tx1"/>
-                </a:solidFill>
-                <a:effectLst/>
-                <a:latin typeface="+mn-lt"/>
-                <a:ea typeface="+mn-ea"/>
-                <a:cs typeface="+mn-cs"/>
-              </a:rPr>
-              <a:t>한거다</a:t>
-            </a:r>
-            <a:r>
-              <a:rPr lang="en-US" altLang="ko-KR" sz="1200" b="0" i="0" u="none" strike="noStrike" kern="1200" dirty="0">
-                <a:solidFill>
-                  <a:schemeClr val="tx1"/>
-                </a:solidFill>
-                <a:effectLst/>
-                <a:latin typeface="+mn-lt"/>
-                <a:ea typeface="+mn-ea"/>
-                <a:cs typeface="+mn-cs"/>
-              </a:rPr>
-              <a:t>.</a:t>
-            </a:r>
-          </a:p>
-          <a:p>
-            <a:pPr marL="228600" marR="0" lvl="0" indent="-228600" algn="l" defTabSz="914400" rtl="0" eaLnBrk="1" fontAlgn="auto" latinLnBrk="0" hangingPunct="1">
-              <a:lnSpc>
-                <a:spcPct val="100000"/>
-              </a:lnSpc>
-              <a:spcBef>
-                <a:spcPts val="0"/>
-              </a:spcBef>
-              <a:spcAft>
-                <a:spcPts val="0"/>
-              </a:spcAft>
-              <a:buClrTx/>
-              <a:buSzTx/>
-              <a:buFontTx/>
-              <a:buAutoNum type="alphaUcParenBoth"/>
-              <a:tabLst/>
-              <a:defRPr/>
-            </a:pPr>
-            <a:endParaRPr lang="en-US" altLang="ko-KR" sz="1200" b="0" i="0" u="none" strike="noStrike" kern="1200" dirty="0">
-              <a:solidFill>
-                <a:schemeClr val="tx1"/>
-              </a:solidFill>
-              <a:effectLst/>
-              <a:latin typeface="+mn-lt"/>
-              <a:ea typeface="+mn-ea"/>
-              <a:cs typeface="+mn-cs"/>
-            </a:endParaRPr>
-          </a:p>
-          <a:p>
-            <a:pPr marL="228600" marR="0" lvl="0" indent="-228600" algn="l" defTabSz="914400" rtl="0" eaLnBrk="1" fontAlgn="auto" latinLnBrk="0" hangingPunct="1">
-              <a:lnSpc>
-                <a:spcPct val="100000"/>
-              </a:lnSpc>
-              <a:spcBef>
-                <a:spcPts val="0"/>
-              </a:spcBef>
-              <a:spcAft>
-                <a:spcPts val="0"/>
-              </a:spcAft>
-              <a:buClrTx/>
-              <a:buSzTx/>
-              <a:buFontTx/>
-              <a:buAutoNum type="alphaUcParenBoth"/>
-              <a:tabLst/>
-              <a:defRPr/>
-            </a:pPr>
-            <a:r>
-              <a:rPr lang="en-US" altLang="ko-KR" sz="1200" b="0" i="0" u="none" strike="noStrike" kern="1200" dirty="0">
-                <a:solidFill>
-                  <a:schemeClr val="tx1"/>
-                </a:solidFill>
-                <a:effectLst/>
-                <a:latin typeface="+mn-lt"/>
-                <a:ea typeface="+mn-ea"/>
-                <a:cs typeface="+mn-cs"/>
-              </a:rPr>
-              <a:t>: head</a:t>
-            </a:r>
-            <a:r>
-              <a:rPr lang="ko-KR" altLang="en-US" sz="1200" b="0" i="0" u="none" strike="noStrike" kern="1200" dirty="0">
-                <a:solidFill>
-                  <a:schemeClr val="tx1"/>
-                </a:solidFill>
-                <a:effectLst/>
-                <a:latin typeface="+mn-lt"/>
-                <a:ea typeface="+mn-ea"/>
-                <a:cs typeface="+mn-cs"/>
-              </a:rPr>
-              <a:t>와 상관없이 </a:t>
-            </a:r>
-            <a:r>
-              <a:rPr lang="en-US" altLang="ko-KR" sz="1200" b="0" i="0" u="none" strike="noStrike" kern="1200" dirty="0">
-                <a:solidFill>
-                  <a:schemeClr val="tx1"/>
-                </a:solidFill>
-                <a:effectLst/>
-                <a:latin typeface="+mn-lt"/>
-                <a:ea typeface="+mn-ea"/>
-                <a:cs typeface="+mn-cs"/>
-              </a:rPr>
-              <a:t>key</a:t>
-            </a:r>
-            <a:r>
-              <a:rPr lang="ko-KR" altLang="en-US" sz="1200" b="0" i="0" u="none" strike="noStrike" kern="1200" dirty="0">
-                <a:solidFill>
-                  <a:schemeClr val="tx1"/>
-                </a:solidFill>
-                <a:effectLst/>
-                <a:latin typeface="+mn-lt"/>
-                <a:ea typeface="+mn-ea"/>
-                <a:cs typeface="+mn-cs"/>
-              </a:rPr>
-              <a:t>의 </a:t>
-            </a:r>
-            <a:r>
-              <a:rPr lang="en-US" altLang="ko-KR" sz="1200" b="0" i="0" u="none" strike="noStrike" kern="1200" dirty="0">
-                <a:solidFill>
-                  <a:schemeClr val="tx1"/>
-                </a:solidFill>
-                <a:effectLst/>
-                <a:latin typeface="+mn-lt"/>
-                <a:ea typeface="+mn-ea"/>
-                <a:cs typeface="+mn-cs"/>
-              </a:rPr>
-              <a:t>dim</a:t>
-            </a:r>
-            <a:r>
-              <a:rPr lang="ko-KR" altLang="en-US" sz="1200" b="0" i="0" u="none" strike="noStrike" kern="1200" dirty="0">
-                <a:solidFill>
-                  <a:schemeClr val="tx1"/>
-                </a:solidFill>
-                <a:effectLst/>
-                <a:latin typeface="+mn-lt"/>
-                <a:ea typeface="+mn-ea"/>
-                <a:cs typeface="+mn-cs"/>
-              </a:rPr>
-              <a:t>을 줄여본 것이다</a:t>
-            </a:r>
-            <a:r>
-              <a:rPr lang="en-US" altLang="ko-KR" sz="1200" b="0" i="0" u="none" strike="noStrike" kern="1200" dirty="0">
-                <a:solidFill>
-                  <a:schemeClr val="tx1"/>
-                </a:solidFill>
-                <a:effectLst/>
-                <a:latin typeface="+mn-lt"/>
-                <a:ea typeface="+mn-ea"/>
-                <a:cs typeface="+mn-cs"/>
-              </a:rPr>
-              <a:t>.</a:t>
-            </a:r>
-          </a:p>
-          <a:p>
-            <a:pPr marL="228600" marR="0" lvl="0" indent="-228600" algn="l" defTabSz="914400" rtl="0" eaLnBrk="1" fontAlgn="auto" latinLnBrk="0" hangingPunct="1">
-              <a:lnSpc>
-                <a:spcPct val="100000"/>
-              </a:lnSpc>
-              <a:spcBef>
-                <a:spcPts val="0"/>
-              </a:spcBef>
-              <a:spcAft>
-                <a:spcPts val="0"/>
-              </a:spcAft>
-              <a:buClrTx/>
-              <a:buSzTx/>
-              <a:buFontTx/>
-              <a:buAutoNum type="alphaUcParenBoth"/>
-              <a:tabLst/>
-              <a:defRPr/>
-            </a:pPr>
-            <a:endParaRPr lang="en-US" altLang="ko-KR" sz="1200" b="0" i="0" u="none" strike="noStrike" kern="1200" dirty="0">
-              <a:solidFill>
-                <a:schemeClr val="tx1"/>
-              </a:solidFill>
-              <a:effectLst/>
-              <a:latin typeface="+mn-lt"/>
-              <a:ea typeface="+mn-ea"/>
-              <a:cs typeface="+mn-cs"/>
-            </a:endParaRPr>
-          </a:p>
-          <a:p>
-            <a:pPr marL="228600" marR="0" lvl="0" indent="-228600" algn="l" defTabSz="914400" rtl="0" eaLnBrk="1" fontAlgn="auto" latinLnBrk="0" hangingPunct="1">
-              <a:lnSpc>
-                <a:spcPct val="100000"/>
-              </a:lnSpc>
-              <a:spcBef>
-                <a:spcPts val="0"/>
-              </a:spcBef>
-              <a:spcAft>
-                <a:spcPts val="0"/>
-              </a:spcAft>
-              <a:buClrTx/>
-              <a:buSzTx/>
-              <a:buFontTx/>
-              <a:buAutoNum type="alphaUcParenBoth"/>
-              <a:tabLst/>
-              <a:defRPr/>
-            </a:pPr>
-            <a:r>
-              <a:rPr lang="en-US" altLang="ko-KR" sz="1200" b="0" i="0" u="none" strike="noStrike" kern="1200" dirty="0">
-                <a:solidFill>
-                  <a:schemeClr val="tx1"/>
-                </a:solidFill>
-                <a:effectLst/>
-                <a:latin typeface="+mn-lt"/>
-                <a:ea typeface="+mn-ea"/>
-                <a:cs typeface="+mn-cs"/>
-              </a:rPr>
-              <a:t>:</a:t>
-            </a:r>
-            <a:r>
-              <a:rPr lang="ko-KR" altLang="en-US" sz="1200" b="0" i="0" u="none" strike="noStrike" kern="1200" dirty="0">
-                <a:solidFill>
-                  <a:schemeClr val="tx1"/>
-                </a:solidFill>
-                <a:effectLst/>
-                <a:latin typeface="+mn-lt"/>
-                <a:ea typeface="+mn-ea"/>
-                <a:cs typeface="+mn-cs"/>
-              </a:rPr>
-              <a:t>모델의 크기를 더 키웠을 때 성능이 좋아지는 것을 볼 수 있다</a:t>
-            </a:r>
-            <a:endParaRPr lang="en-US" altLang="ko-KR" sz="1200" b="0" i="0" u="none" strike="noStrike" kern="1200" dirty="0">
-              <a:solidFill>
-                <a:schemeClr val="tx1"/>
-              </a:solidFill>
-              <a:effectLst/>
-              <a:latin typeface="+mn-lt"/>
-              <a:ea typeface="+mn-ea"/>
-              <a:cs typeface="+mn-cs"/>
-            </a:endParaRPr>
-          </a:p>
-          <a:p>
-            <a:pPr marL="228600" marR="0" lvl="0" indent="-228600" algn="l" defTabSz="914400" rtl="0" eaLnBrk="1" fontAlgn="auto" latinLnBrk="0" hangingPunct="1">
-              <a:lnSpc>
-                <a:spcPct val="100000"/>
-              </a:lnSpc>
-              <a:spcBef>
-                <a:spcPts val="0"/>
-              </a:spcBef>
-              <a:spcAft>
-                <a:spcPts val="0"/>
-              </a:spcAft>
-              <a:buClrTx/>
-              <a:buSzTx/>
-              <a:buFontTx/>
-              <a:buAutoNum type="alphaUcParenBoth"/>
-              <a:tabLst/>
-              <a:defRPr/>
-            </a:pPr>
-            <a:endParaRPr lang="en-US" altLang="ko-KR" sz="1200" b="0" i="0" u="none" strike="noStrike" kern="1200" dirty="0">
-              <a:solidFill>
-                <a:schemeClr val="tx1"/>
-              </a:solidFill>
-              <a:effectLst/>
-              <a:latin typeface="+mn-lt"/>
-              <a:ea typeface="+mn-ea"/>
-              <a:cs typeface="+mn-cs"/>
-            </a:endParaRPr>
-          </a:p>
-          <a:p>
-            <a:pPr marL="228600" marR="0" lvl="0" indent="-228600" algn="l" defTabSz="914400" rtl="0" eaLnBrk="1" fontAlgn="auto" latinLnBrk="0" hangingPunct="1">
-              <a:lnSpc>
-                <a:spcPct val="100000"/>
-              </a:lnSpc>
-              <a:spcBef>
-                <a:spcPts val="0"/>
-              </a:spcBef>
-              <a:spcAft>
-                <a:spcPts val="0"/>
-              </a:spcAft>
-              <a:buClrTx/>
-              <a:buSzTx/>
-              <a:buFontTx/>
-              <a:buAutoNum type="alphaUcParenBoth"/>
-              <a:tabLst/>
-              <a:defRPr/>
-            </a:pPr>
-            <a:r>
-              <a:rPr lang="en-US" altLang="ko-KR" sz="1200" b="0" i="0" u="none" strike="noStrike" kern="1200" dirty="0">
-                <a:solidFill>
-                  <a:schemeClr val="tx1"/>
-                </a:solidFill>
-                <a:effectLst/>
-                <a:latin typeface="+mn-lt"/>
-                <a:ea typeface="+mn-ea"/>
-                <a:cs typeface="+mn-cs"/>
-              </a:rPr>
-              <a:t>Dropout </a:t>
-            </a:r>
-            <a:r>
-              <a:rPr lang="ko-KR" altLang="en-US" sz="1200" b="0" i="0" u="none" strike="noStrike" kern="1200" dirty="0">
-                <a:solidFill>
-                  <a:schemeClr val="tx1"/>
-                </a:solidFill>
-                <a:effectLst/>
-                <a:latin typeface="+mn-lt"/>
-                <a:ea typeface="+mn-ea"/>
-                <a:cs typeface="+mn-cs"/>
-              </a:rPr>
-              <a:t>기법은 </a:t>
-            </a:r>
-            <a:r>
-              <a:rPr lang="en-US" altLang="ko-KR" sz="1200" b="0" i="0" u="none" strike="noStrike" kern="1200" dirty="0">
-                <a:solidFill>
-                  <a:schemeClr val="tx1"/>
-                </a:solidFill>
-                <a:effectLst/>
-                <a:latin typeface="+mn-lt"/>
-                <a:ea typeface="+mn-ea"/>
-                <a:cs typeface="+mn-cs"/>
-              </a:rPr>
-              <a:t>overfitting </a:t>
-            </a:r>
-            <a:r>
-              <a:rPr lang="ko-KR" altLang="en-US" sz="1200" b="0" i="0" u="none" strike="noStrike" kern="1200" dirty="0">
-                <a:solidFill>
-                  <a:schemeClr val="tx1"/>
-                </a:solidFill>
-                <a:effectLst/>
-                <a:latin typeface="+mn-lt"/>
-                <a:ea typeface="+mn-ea"/>
-                <a:cs typeface="+mn-cs"/>
-              </a:rPr>
-              <a:t>방지에 효과적이라는 것을 확인할 수 있다</a:t>
-            </a:r>
-            <a:r>
-              <a:rPr lang="en-US" altLang="ko-KR" sz="1200" b="0" i="0" u="none" strike="noStrike" kern="1200" dirty="0">
-                <a:solidFill>
-                  <a:schemeClr val="tx1"/>
-                </a:solidFill>
-                <a:effectLst/>
-                <a:latin typeface="+mn-lt"/>
-                <a:ea typeface="+mn-ea"/>
-                <a:cs typeface="+mn-cs"/>
-              </a:rPr>
-              <a:t>.</a:t>
-            </a:r>
-          </a:p>
-          <a:p>
-            <a:pPr marL="228600" marR="0" lvl="0" indent="-228600" algn="l" defTabSz="914400" rtl="0" eaLnBrk="1" fontAlgn="auto" latinLnBrk="0" hangingPunct="1">
-              <a:lnSpc>
-                <a:spcPct val="100000"/>
-              </a:lnSpc>
-              <a:spcBef>
-                <a:spcPts val="0"/>
-              </a:spcBef>
-              <a:spcAft>
-                <a:spcPts val="0"/>
-              </a:spcAft>
-              <a:buClrTx/>
-              <a:buSzTx/>
-              <a:buFontTx/>
-              <a:buAutoNum type="alphaUcParenBoth"/>
-              <a:tabLst/>
-              <a:defRPr/>
-            </a:pPr>
-            <a:endParaRPr lang="en-US" altLang="ko-KR" sz="1200" b="0" i="0" u="none" strike="noStrike" kern="1200" dirty="0">
-              <a:solidFill>
-                <a:schemeClr val="tx1"/>
-              </a:solidFill>
-              <a:effectLst/>
-              <a:latin typeface="+mn-lt"/>
-              <a:ea typeface="+mn-ea"/>
-              <a:cs typeface="+mn-cs"/>
-            </a:endParaRPr>
-          </a:p>
-          <a:p>
-            <a:pPr marL="228600" marR="0" lvl="0" indent="-228600" algn="l" defTabSz="914400" rtl="0" eaLnBrk="1" fontAlgn="auto" latinLnBrk="0" hangingPunct="1">
-              <a:lnSpc>
-                <a:spcPct val="100000"/>
-              </a:lnSpc>
-              <a:spcBef>
-                <a:spcPts val="0"/>
-              </a:spcBef>
-              <a:spcAft>
-                <a:spcPts val="0"/>
-              </a:spcAft>
-              <a:buClrTx/>
-              <a:buSzTx/>
-              <a:buFontTx/>
-              <a:buAutoNum type="alphaUcParenBoth"/>
-              <a:tabLst/>
-              <a:defRPr/>
-            </a:pPr>
-            <a:endParaRPr lang="en-US" altLang="ko-KR" sz="1200" b="0" i="0" u="none" strike="noStrike" kern="1200" dirty="0">
-              <a:solidFill>
-                <a:schemeClr val="tx1"/>
-              </a:solidFill>
-              <a:effectLst/>
-              <a:latin typeface="+mn-lt"/>
-              <a:ea typeface="+mn-ea"/>
-              <a:cs typeface="+mn-cs"/>
-            </a:endParaRPr>
-          </a:p>
-          <a:p>
             <a:pPr marL="228600" marR="0" lvl="0" indent="-228600" algn="l" defTabSz="914400" rtl="0" eaLnBrk="1" fontAlgn="auto" latinLnBrk="0" hangingPunct="1">
               <a:lnSpc>
                 <a:spcPct val="100000"/>
@@ -4655,66 +2643,6 @@
               <a:tabLst/>
               <a:defRPr/>
             </a:pPr>
-            <a:r>
-              <a:rPr lang="ko-KR" altLang="en-US" sz="1200" b="0" i="0" u="none" strike="noStrike" kern="1200" dirty="0">
-                <a:solidFill>
-                  <a:schemeClr val="tx1"/>
-                </a:solidFill>
-                <a:effectLst/>
-                <a:latin typeface="+mn-lt"/>
-                <a:ea typeface="+mn-ea"/>
-                <a:cs typeface="+mn-cs"/>
-              </a:rPr>
-              <a:t>트랜스모터는 기존과 다르게 전적으로 </a:t>
-            </a:r>
-            <a:r>
-              <a:rPr lang="ko-KR" altLang="en-US" sz="1200" b="0" i="0" u="none" strike="noStrike" kern="1200" dirty="0" err="1">
-                <a:solidFill>
-                  <a:schemeClr val="tx1"/>
-                </a:solidFill>
-                <a:effectLst/>
-                <a:latin typeface="+mn-lt"/>
-                <a:ea typeface="+mn-ea"/>
-                <a:cs typeface="+mn-cs"/>
-              </a:rPr>
-              <a:t>어탠션</a:t>
-            </a:r>
-            <a:r>
-              <a:rPr lang="ko-KR" altLang="en-US" sz="1200" b="0" i="0" u="none" strike="noStrike" kern="1200" dirty="0">
-                <a:solidFill>
-                  <a:schemeClr val="tx1"/>
-                </a:solidFill>
-                <a:effectLst/>
-                <a:latin typeface="+mn-lt"/>
-                <a:ea typeface="+mn-ea"/>
-                <a:cs typeface="+mn-cs"/>
-              </a:rPr>
-              <a:t> </a:t>
-            </a:r>
-            <a:r>
-              <a:rPr lang="ko-KR" altLang="en-US" sz="1200" b="0" i="0" u="none" strike="noStrike" kern="1200" dirty="0" err="1">
-                <a:solidFill>
-                  <a:schemeClr val="tx1"/>
-                </a:solidFill>
-                <a:effectLst/>
-                <a:latin typeface="+mn-lt"/>
-                <a:ea typeface="+mn-ea"/>
-                <a:cs typeface="+mn-cs"/>
-              </a:rPr>
-              <a:t>매커니즘만</a:t>
-            </a:r>
-            <a:r>
-              <a:rPr lang="ko-KR" altLang="en-US" sz="1200" b="0" i="0" u="none" strike="noStrike" kern="1200" dirty="0">
-                <a:solidFill>
-                  <a:schemeClr val="tx1"/>
-                </a:solidFill>
-                <a:effectLst/>
-                <a:latin typeface="+mn-lt"/>
-                <a:ea typeface="+mn-ea"/>
-                <a:cs typeface="+mn-cs"/>
-              </a:rPr>
-              <a:t> 활용한 모델이고 </a:t>
-            </a:r>
             <a:endParaRPr lang="en-US" altLang="ko-KR" sz="1200" b="0" i="0" u="none" strike="noStrike" kern="1200" dirty="0">
               <a:solidFill>
                 <a:schemeClr val="tx1"/>
@@ -4724,220 +2652,6 @@
               <a:ea typeface="+mn-ea"/>
               <a:cs typeface="+mn-cs"/>
             </a:endParaRPr>
-          </a:p>
-          <a:p>
-            <a:pPr marL="0" marR="0" lvl="0" indent="0" algn="l" defTabSz="914400" rtl="0" eaLnBrk="1" fontAlgn="auto" latinLnBrk="0" hangingPunct="1">
-              <a:lnSpc>
-                <a:spcPct val="100000"/>
-              </a:lnSpc>
-              <a:spcBef>
-                <a:spcPts val="0"/>
-              </a:spcBef>
-              <a:spcAft>
-                <a:spcPts val="0"/>
-              </a:spcAft>
-              <a:buClrTx/>
-              <a:buSzTx/>
-              <a:buFontTx/>
-              <a:buNone/>
-              <a:tabLst/>
-              <a:defRPr/>
-            </a:pPr>
-            <a:endParaRPr lang="en-US" altLang="ko-KR" sz="1200" b="0" i="0" u="none" strike="noStrike" kern="1200" dirty="0">
-              <a:solidFill>
-                <a:schemeClr val="tx1"/>
-              </a:solidFill>
-              <a:effectLst/>
-              <a:latin typeface="+mn-lt"/>
-              <a:ea typeface="+mn-ea"/>
-              <a:cs typeface="+mn-cs"/>
-            </a:endParaRPr>
-          </a:p>
-          <a:p>
-            <a:pPr marL="0" marR="0" lvl="0" indent="0" algn="l" defTabSz="914400" rtl="0" eaLnBrk="1" fontAlgn="auto" latinLnBrk="0" hangingPunct="1">
-              <a:lnSpc>
-                <a:spcPct val="100000"/>
-              </a:lnSpc>
-              <a:spcBef>
-                <a:spcPts val="0"/>
-              </a:spcBef>
-              <a:spcAft>
-                <a:spcPts val="0"/>
-              </a:spcAft>
-              <a:buClrTx/>
-              <a:buSzTx/>
-              <a:buFontTx/>
-              <a:buNone/>
-              <a:tabLst/>
-              <a:defRPr/>
-            </a:pPr>
-            <a:r>
-              <a:rPr lang="ko-KR" altLang="en-US" sz="1200" b="0" i="0" u="none" strike="noStrike" kern="1200" dirty="0">
-                <a:solidFill>
-                  <a:schemeClr val="tx1"/>
-                </a:solidFill>
-                <a:effectLst/>
-                <a:latin typeface="+mn-lt"/>
-                <a:ea typeface="+mn-ea"/>
-                <a:cs typeface="+mn-cs"/>
-              </a:rPr>
-              <a:t>이로 인해 보다 높은 </a:t>
-            </a:r>
-            <a:r>
-              <a:rPr lang="ko-KR" altLang="en-US" sz="1200" b="0" i="0" u="none" strike="noStrike" kern="1200" dirty="0" err="1">
-                <a:solidFill>
-                  <a:schemeClr val="tx1"/>
-                </a:solidFill>
-                <a:effectLst/>
-                <a:latin typeface="+mn-lt"/>
-                <a:ea typeface="+mn-ea"/>
-                <a:cs typeface="+mn-cs"/>
-              </a:rPr>
-              <a:t>병렬성을</a:t>
-            </a:r>
-            <a:r>
-              <a:rPr lang="ko-KR" altLang="en-US" sz="1200" b="0" i="0" u="none" strike="noStrike" kern="1200" dirty="0">
-                <a:solidFill>
-                  <a:schemeClr val="tx1"/>
-                </a:solidFill>
-                <a:effectLst/>
-                <a:latin typeface="+mn-lt"/>
-                <a:ea typeface="+mn-ea"/>
-                <a:cs typeface="+mn-cs"/>
-              </a:rPr>
-              <a:t> 얻게 되고 성능 또한 많이 개선될 수 있었다</a:t>
-            </a:r>
-            <a:r>
-              <a:rPr lang="en-US" altLang="ko-KR" sz="1200" b="0" i="0" u="none" strike="noStrike" kern="1200" dirty="0">
-                <a:solidFill>
-                  <a:schemeClr val="tx1"/>
-                </a:solidFill>
-                <a:effectLst/>
-                <a:latin typeface="+mn-lt"/>
-                <a:ea typeface="+mn-ea"/>
-                <a:cs typeface="+mn-cs"/>
-              </a:rPr>
-              <a:t>.</a:t>
-            </a:r>
-          </a:p>
-          <a:p>
-            <a:pPr marL="0" marR="0" lvl="0" indent="0" algn="l" defTabSz="914400" rtl="0" eaLnBrk="1" fontAlgn="auto" latinLnBrk="0" hangingPunct="1">
-              <a:lnSpc>
-                <a:spcPct val="100000"/>
-              </a:lnSpc>
-              <a:spcBef>
-                <a:spcPts val="0"/>
-              </a:spcBef>
-              <a:spcAft>
-                <a:spcPts val="0"/>
-              </a:spcAft>
-              <a:buClrTx/>
-              <a:buSzTx/>
-              <a:buFontTx/>
-              <a:buNone/>
-              <a:tabLst/>
-              <a:defRPr/>
-            </a:pPr>
-            <a:endParaRPr lang="en-US" altLang="ko-KR" sz="1200" b="0" i="0" u="none" strike="noStrike" kern="1200" dirty="0">
-              <a:solidFill>
-                <a:schemeClr val="tx1"/>
-              </a:solidFill>
-              <a:effectLst/>
-              <a:latin typeface="+mn-lt"/>
-              <a:ea typeface="+mn-ea"/>
-              <a:cs typeface="+mn-cs"/>
-            </a:endParaRPr>
-          </a:p>
-          <a:p>
-            <a:pPr marL="0" marR="0" lvl="0" indent="0" algn="l" defTabSz="914400" rtl="0" eaLnBrk="1" fontAlgn="auto" latinLnBrk="0" hangingPunct="1">
-              <a:lnSpc>
-                <a:spcPct val="100000"/>
-              </a:lnSpc>
-              <a:spcBef>
-                <a:spcPts val="0"/>
-              </a:spcBef>
-              <a:spcAft>
-                <a:spcPts val="0"/>
-              </a:spcAft>
-              <a:buClrTx/>
-              <a:buSzTx/>
-              <a:buFontTx/>
-              <a:buNone/>
-              <a:tabLst/>
-              <a:defRPr/>
-            </a:pPr>
-            <a:r>
-              <a:rPr lang="ko-KR" altLang="en-US" sz="1200" b="0" i="0" u="none" strike="noStrike" kern="1200" dirty="0">
-                <a:solidFill>
-                  <a:schemeClr val="tx1"/>
-                </a:solidFill>
-                <a:effectLst/>
-                <a:latin typeface="+mn-lt"/>
-                <a:ea typeface="+mn-ea"/>
-                <a:cs typeface="+mn-cs"/>
-              </a:rPr>
-              <a:t>그래서 실제로 기계번역 </a:t>
-            </a:r>
-            <a:r>
-              <a:rPr lang="ko-KR" altLang="en-US" sz="1200" b="0" i="0" u="none" strike="noStrike" kern="1200" dirty="0" err="1">
-                <a:solidFill>
-                  <a:schemeClr val="tx1"/>
-                </a:solidFill>
-                <a:effectLst/>
-                <a:latin typeface="+mn-lt"/>
-                <a:ea typeface="+mn-ea"/>
-                <a:cs typeface="+mn-cs"/>
-              </a:rPr>
-              <a:t>테스크에</a:t>
-            </a:r>
-            <a:r>
-              <a:rPr lang="ko-KR" altLang="en-US" sz="1200" b="0" i="0" u="none" strike="noStrike" kern="1200" dirty="0">
-                <a:solidFill>
-                  <a:schemeClr val="tx1"/>
-                </a:solidFill>
-                <a:effectLst/>
-                <a:latin typeface="+mn-lt"/>
-                <a:ea typeface="+mn-ea"/>
-                <a:cs typeface="+mn-cs"/>
-              </a:rPr>
-              <a:t> 대해 다른 모델보다 더 좋은 성능을 보여줄 수 있었고 기계번역 뿐만 아니라 다양한 </a:t>
-            </a:r>
-            <a:r>
-              <a:rPr lang="ko-KR" altLang="en-US" sz="1200" b="0" i="0" u="none" strike="noStrike" kern="1200" dirty="0" err="1">
-                <a:solidFill>
-                  <a:schemeClr val="tx1"/>
-                </a:solidFill>
-                <a:effectLst/>
-                <a:latin typeface="+mn-lt"/>
-                <a:ea typeface="+mn-ea"/>
-                <a:cs typeface="+mn-cs"/>
-              </a:rPr>
-              <a:t>테스크에대해서도</a:t>
-            </a:r>
-            <a:r>
-              <a:rPr lang="ko-KR" altLang="en-US" sz="1200" b="0" i="0" u="none" strike="noStrike" kern="1200" dirty="0">
-                <a:solidFill>
-                  <a:schemeClr val="tx1"/>
-                </a:solidFill>
-                <a:effectLst/>
-                <a:latin typeface="+mn-lt"/>
-                <a:ea typeface="+mn-ea"/>
-                <a:cs typeface="+mn-cs"/>
-              </a:rPr>
-              <a:t> 적용 가능성이 높다는 것을 잘 보여주었다</a:t>
-            </a:r>
-            <a:r>
-              <a:rPr lang="en-US" altLang="ko-KR" sz="1200" b="0" i="0" u="none" strike="noStrike" kern="1200" dirty="0">
-                <a:solidFill>
-                  <a:schemeClr val="tx1"/>
-                </a:solidFill>
-                <a:effectLst/>
-                <a:latin typeface="+mn-lt"/>
-                <a:ea typeface="+mn-ea"/>
-                <a:cs typeface="+mn-cs"/>
-              </a:rPr>
-              <a:t>.</a:t>
-            </a:r>
           </a:p>
         </p:txBody>
       </p:sp>
@@ -6697,619 +4411,6 @@
           <a:bodyPr/>
           <a:lstStyle/>
           <a:p>
-            <a:r>
-              <a:rPr lang="ko-KR" altLang="en-US" b="0" i="0" dirty="0">
-                <a:solidFill>
-                  <a:srgbClr val="555555"/>
-                </a:solidFill>
-                <a:effectLst/>
-                <a:latin typeface="Spoqa Han Sans"/>
-              </a:rPr>
-              <a:t>먼저 인코더를 살펴보면</a:t>
-            </a:r>
-            <a:r>
-              <a:rPr lang="en-US" altLang="ko-KR" b="0" i="0" dirty="0">
-                <a:solidFill>
-                  <a:srgbClr val="555555"/>
-                </a:solidFill>
-                <a:effectLst/>
-                <a:latin typeface="Spoqa Han Sans"/>
-              </a:rPr>
-              <a:t>, </a:t>
-            </a:r>
-            <a:r>
-              <a:rPr lang="en-US" sz="1200" b="0" i="0" kern="1200" dirty="0">
-                <a:solidFill>
-                  <a:schemeClr val="tx1"/>
-                </a:solidFill>
-                <a:effectLst/>
-                <a:latin typeface="+mn-lt"/>
-                <a:ea typeface="+mn-ea"/>
-                <a:cs typeface="+mn-cs"/>
-              </a:rPr>
-              <a:t>N</a:t>
-            </a:r>
-            <a:r>
-              <a:rPr lang="ko-KR" altLang="en-US" sz="1200" b="0" i="0" kern="1200" dirty="0">
-                <a:solidFill>
-                  <a:schemeClr val="tx1"/>
-                </a:solidFill>
-                <a:effectLst/>
-                <a:latin typeface="+mn-lt"/>
-                <a:ea typeface="+mn-ea"/>
-                <a:cs typeface="+mn-cs"/>
-              </a:rPr>
-              <a:t>개의 동일한 </a:t>
-            </a:r>
-            <a:r>
-              <a:rPr lang="en-US" sz="1200" b="0" i="0" kern="1200" dirty="0">
-                <a:solidFill>
-                  <a:schemeClr val="tx1"/>
-                </a:solidFill>
-                <a:effectLst/>
-                <a:latin typeface="+mn-lt"/>
-                <a:ea typeface="+mn-ea"/>
-                <a:cs typeface="+mn-cs"/>
-              </a:rPr>
-              <a:t>layer</a:t>
-            </a:r>
-            <a:r>
-              <a:rPr lang="ko-KR" altLang="en-US" sz="1200" b="0" i="0" kern="1200" dirty="0">
-                <a:solidFill>
-                  <a:schemeClr val="tx1"/>
-                </a:solidFill>
-                <a:effectLst/>
-                <a:latin typeface="+mn-lt"/>
-                <a:ea typeface="+mn-ea"/>
-                <a:cs typeface="+mn-cs"/>
-              </a:rPr>
-              <a:t>로 구성</a:t>
-            </a:r>
-            <a:endParaRPr lang="en-US" altLang="ko-KR" sz="1200" b="0" i="0" kern="1200" dirty="0">
-              <a:solidFill>
-                <a:schemeClr val="tx1"/>
-              </a:solidFill>
-              <a:effectLst/>
-              <a:latin typeface="+mn-lt"/>
-              <a:ea typeface="+mn-ea"/>
-              <a:cs typeface="+mn-cs"/>
-            </a:endParaRPr>
-          </a:p>
-          <a:p>
-            <a:endParaRPr lang="en-US" altLang="ko-KR" b="0" i="0" dirty="0">
-              <a:solidFill>
-                <a:srgbClr val="555555"/>
-              </a:solidFill>
-              <a:effectLst/>
-              <a:latin typeface="Spoqa Han Sans"/>
-            </a:endParaRPr>
-          </a:p>
-          <a:p>
-            <a:r>
-              <a:rPr lang="ko-KR" altLang="en-US" b="0" i="0" dirty="0">
-                <a:solidFill>
-                  <a:srgbClr val="555555"/>
-                </a:solidFill>
-                <a:effectLst/>
-                <a:latin typeface="Spoqa Han Sans"/>
-              </a:rPr>
-              <a:t>각각 레이어는 </a:t>
-            </a:r>
-            <a:r>
-              <a:rPr lang="ko-KR" altLang="en-US" sz="1200" b="0" i="0" kern="1200" dirty="0">
-                <a:solidFill>
-                  <a:schemeClr val="tx1"/>
-                </a:solidFill>
-                <a:effectLst/>
-                <a:latin typeface="+mn-lt"/>
-                <a:ea typeface="+mn-ea"/>
-                <a:cs typeface="+mn-cs"/>
-              </a:rPr>
-              <a:t>두 개의 </a:t>
-            </a:r>
-            <a:r>
-              <a:rPr lang="en-US" sz="1200" b="0" i="0" kern="1200" dirty="0">
-                <a:solidFill>
-                  <a:schemeClr val="tx1"/>
-                </a:solidFill>
-                <a:effectLst/>
-                <a:latin typeface="+mn-lt"/>
-                <a:ea typeface="+mn-ea"/>
-                <a:cs typeface="+mn-cs"/>
-              </a:rPr>
-              <a:t>sub-</a:t>
-            </a:r>
-            <a:r>
-              <a:rPr lang="en-US" sz="1200" b="0" i="0" kern="1200" dirty="0" err="1">
-                <a:solidFill>
-                  <a:schemeClr val="tx1"/>
-                </a:solidFill>
-                <a:effectLst/>
-                <a:latin typeface="+mn-lt"/>
-                <a:ea typeface="+mn-ea"/>
-                <a:cs typeface="+mn-cs"/>
-              </a:rPr>
-              <a:t>layer인</a:t>
-            </a:r>
-            <a:r>
-              <a:rPr lang="en-US" sz="1200" b="0" i="0" kern="1200" dirty="0">
-                <a:solidFill>
-                  <a:schemeClr val="tx1"/>
-                </a:solidFill>
-                <a:effectLst/>
-                <a:latin typeface="+mn-lt"/>
-                <a:ea typeface="+mn-ea"/>
-                <a:cs typeface="+mn-cs"/>
-              </a:rPr>
-              <a:t> multi-head </a:t>
-            </a:r>
-            <a:r>
-              <a:rPr lang="en-US" sz="1200" b="0" i="0" kern="1200" dirty="0" err="1">
-                <a:solidFill>
-                  <a:schemeClr val="tx1"/>
-                </a:solidFill>
-                <a:effectLst/>
-                <a:latin typeface="+mn-lt"/>
-                <a:ea typeface="+mn-ea"/>
-                <a:cs typeface="+mn-cs"/>
-              </a:rPr>
-              <a:t>Attention과</a:t>
-            </a:r>
-            <a:r>
-              <a:rPr lang="en-US" sz="1200" b="0" i="0" kern="1200" dirty="0">
-                <a:solidFill>
-                  <a:schemeClr val="tx1"/>
-                </a:solidFill>
-                <a:effectLst/>
-                <a:latin typeface="+mn-lt"/>
-                <a:ea typeface="+mn-ea"/>
-                <a:cs typeface="+mn-cs"/>
-              </a:rPr>
-              <a:t> Feedforward </a:t>
-            </a:r>
-            <a:r>
-              <a:rPr lang="en-US" sz="1200" b="0" i="0" kern="1200" dirty="0" err="1">
-                <a:solidFill>
-                  <a:schemeClr val="tx1"/>
-                </a:solidFill>
-                <a:effectLst/>
-                <a:latin typeface="+mn-lt"/>
-                <a:ea typeface="+mn-ea"/>
-                <a:cs typeface="+mn-cs"/>
-              </a:rPr>
-              <a:t>Layer가</a:t>
-            </a:r>
-            <a:r>
-              <a:rPr lang="en-US" sz="1200" b="0" i="0" kern="1200" dirty="0">
-                <a:solidFill>
-                  <a:schemeClr val="tx1"/>
-                </a:solidFill>
-                <a:effectLst/>
-                <a:latin typeface="+mn-lt"/>
-                <a:ea typeface="+mn-ea"/>
-                <a:cs typeface="+mn-cs"/>
-              </a:rPr>
-              <a:t> </a:t>
-            </a:r>
-            <a:r>
-              <a:rPr lang="en-US" sz="1200" b="0" i="0" kern="1200" dirty="0" err="1">
-                <a:solidFill>
-                  <a:schemeClr val="tx1"/>
-                </a:solidFill>
-                <a:effectLst/>
-                <a:latin typeface="+mn-lt"/>
-                <a:ea typeface="+mn-ea"/>
-                <a:cs typeface="+mn-cs"/>
-              </a:rPr>
-              <a:t>있음</a:t>
-            </a:r>
-            <a:endParaRPr lang="en-US" sz="1200" b="0" i="0" kern="1200" dirty="0">
-              <a:solidFill>
-                <a:schemeClr val="tx1"/>
-              </a:solidFill>
-              <a:effectLst/>
-              <a:latin typeface="+mn-lt"/>
-              <a:ea typeface="+mn-ea"/>
-              <a:cs typeface="+mn-cs"/>
-            </a:endParaRPr>
-          </a:p>
-          <a:p>
-            <a:endParaRPr lang="en-US" altLang="ko-KR" b="0" i="0" dirty="0">
-              <a:solidFill>
-                <a:srgbClr val="555555"/>
-              </a:solidFill>
-              <a:effectLst/>
-              <a:latin typeface="Spoqa Han Sans"/>
-            </a:endParaRPr>
-          </a:p>
-          <a:p>
-            <a:r>
-              <a:rPr lang="ko-KR" altLang="en-US" b="0" i="0" dirty="0">
-                <a:solidFill>
-                  <a:srgbClr val="555555"/>
-                </a:solidFill>
-                <a:effectLst/>
-                <a:latin typeface="Spoqa Han Sans"/>
-              </a:rPr>
-              <a:t>인코더에 사용되는 </a:t>
-            </a:r>
-            <a:r>
-              <a:rPr lang="en-US" altLang="ko-KR" b="0" i="0" dirty="0">
-                <a:solidFill>
-                  <a:srgbClr val="555555"/>
-                </a:solidFill>
-                <a:effectLst/>
-                <a:latin typeface="Spoqa Han Sans"/>
-              </a:rPr>
-              <a:t>Attention : self-attention</a:t>
-            </a:r>
-            <a:r>
-              <a:rPr lang="ko-KR" altLang="en-US" b="0" i="0" dirty="0">
-                <a:solidFill>
-                  <a:srgbClr val="555555"/>
-                </a:solidFill>
-                <a:effectLst/>
-                <a:latin typeface="Spoqa Han Sans"/>
-              </a:rPr>
-              <a:t>이라 함</a:t>
-            </a:r>
-            <a:r>
-              <a:rPr lang="en-US" altLang="ko-KR" b="0" i="0" dirty="0">
-                <a:solidFill>
-                  <a:srgbClr val="555555"/>
-                </a:solidFill>
-                <a:effectLst/>
-                <a:latin typeface="Spoqa Han Sans"/>
-              </a:rPr>
-              <a:t>. </a:t>
-            </a:r>
-            <a:r>
-              <a:rPr lang="ko-KR" altLang="en-US" sz="1200" b="0" i="0" u="none" strike="noStrike" kern="1200" dirty="0">
-                <a:solidFill>
-                  <a:schemeClr val="tx1"/>
-                </a:solidFill>
-                <a:effectLst/>
-                <a:latin typeface="+mn-lt"/>
-                <a:ea typeface="+mn-ea"/>
-                <a:cs typeface="+mn-cs"/>
-              </a:rPr>
-              <a:t>각각 단어가 서로에게 어떤 연관성을 가지고 있는지를 구하기 위해 사용함</a:t>
-            </a:r>
-            <a:endParaRPr lang="en-US" altLang="ko-KR" sz="1200" b="0" i="0" u="none" strike="noStrike" kern="1200" dirty="0">
-              <a:solidFill>
-                <a:schemeClr val="tx1"/>
-              </a:solidFill>
-              <a:effectLst/>
-              <a:latin typeface="+mn-lt"/>
-              <a:ea typeface="+mn-ea"/>
-              <a:cs typeface="+mn-cs"/>
-            </a:endParaRPr>
-          </a:p>
-          <a:p>
-            <a:endParaRPr lang="en-US" altLang="ko-KR" sz="1200" b="0" i="0" u="none" strike="noStrike" kern="1200" dirty="0">
-              <a:solidFill>
-                <a:schemeClr val="tx1"/>
-              </a:solidFill>
-              <a:effectLst/>
-              <a:latin typeface="+mn-lt"/>
-              <a:ea typeface="+mn-ea"/>
-              <a:cs typeface="+mn-cs"/>
-            </a:endParaRPr>
-          </a:p>
-          <a:p>
-            <a:r>
-              <a:rPr lang="ko-KR" altLang="en-US" sz="1200" b="0" i="0" u="none" strike="noStrike" kern="1200" dirty="0">
-                <a:solidFill>
-                  <a:schemeClr val="tx1"/>
-                </a:solidFill>
-                <a:effectLst/>
-                <a:latin typeface="+mn-lt"/>
-                <a:ea typeface="+mn-ea"/>
-                <a:cs typeface="+mn-cs"/>
-              </a:rPr>
-              <a:t>그리고 </a:t>
-            </a:r>
-            <a:r>
-              <a:rPr lang="en-US" altLang="ko-KR" sz="1200" b="0" i="0" u="none" strike="noStrike" kern="1200" dirty="0">
-                <a:solidFill>
-                  <a:schemeClr val="tx1"/>
-                </a:solidFill>
-                <a:effectLst/>
-                <a:latin typeface="+mn-lt"/>
-                <a:ea typeface="+mn-ea"/>
-                <a:cs typeface="+mn-cs"/>
-              </a:rPr>
-              <a:t>residual connection</a:t>
-            </a:r>
-            <a:r>
-              <a:rPr lang="ko-KR" altLang="en-US" sz="1200" b="0" i="0" u="none" strike="noStrike" kern="1200" dirty="0">
-                <a:solidFill>
-                  <a:schemeClr val="tx1"/>
-                </a:solidFill>
-                <a:effectLst/>
-                <a:latin typeface="+mn-lt"/>
-                <a:ea typeface="+mn-ea"/>
-                <a:cs typeface="+mn-cs"/>
-              </a:rPr>
-              <a:t>을 사용 </a:t>
-            </a:r>
-            <a:r>
-              <a:rPr lang="en-US" altLang="ko-KR" sz="1200" b="0" i="0" u="none" strike="noStrike" kern="1200" dirty="0">
-                <a:solidFill>
-                  <a:schemeClr val="tx1"/>
-                </a:solidFill>
-                <a:effectLst/>
-                <a:latin typeface="+mn-lt"/>
-                <a:ea typeface="+mn-ea"/>
-                <a:cs typeface="+mn-cs"/>
-              </a:rPr>
-              <a:t>-&gt; </a:t>
-            </a:r>
-            <a:r>
-              <a:rPr lang="en-US" sz="1200" b="0" i="0" kern="1200" dirty="0">
-                <a:solidFill>
-                  <a:schemeClr val="tx1"/>
-                </a:solidFill>
-                <a:effectLst/>
-                <a:latin typeface="+mn-lt"/>
-                <a:ea typeface="+mn-ea"/>
-                <a:cs typeface="+mn-cs"/>
-              </a:rPr>
-              <a:t>residual connection</a:t>
-            </a:r>
-            <a:r>
-              <a:rPr lang="ko-KR" altLang="en-US" sz="1200" b="0" i="0" kern="1200" dirty="0">
-                <a:solidFill>
-                  <a:schemeClr val="tx1"/>
-                </a:solidFill>
-                <a:effectLst/>
-                <a:latin typeface="+mn-lt"/>
-                <a:ea typeface="+mn-ea"/>
-                <a:cs typeface="+mn-cs"/>
-              </a:rPr>
-              <a:t>을 하기 위해서는 두 값의 </a:t>
-            </a:r>
-            <a:r>
-              <a:rPr lang="en-US" altLang="ko-KR" sz="1200" b="0" i="0" kern="1200" dirty="0">
-                <a:solidFill>
-                  <a:schemeClr val="tx1"/>
-                </a:solidFill>
-                <a:effectLst/>
-                <a:latin typeface="+mn-lt"/>
-                <a:ea typeface="+mn-ea"/>
-                <a:cs typeface="+mn-cs"/>
-              </a:rPr>
-              <a:t>dimension</a:t>
-            </a:r>
-            <a:r>
-              <a:rPr lang="ko-KR" altLang="en-US" sz="1200" b="0" i="0" kern="1200" dirty="0">
-                <a:solidFill>
-                  <a:schemeClr val="tx1"/>
-                </a:solidFill>
-                <a:effectLst/>
-                <a:latin typeface="+mn-lt"/>
-                <a:ea typeface="+mn-ea"/>
-                <a:cs typeface="+mn-cs"/>
-              </a:rPr>
-              <a:t>을 </a:t>
-            </a:r>
-            <a:r>
-              <a:rPr lang="ko-KR" altLang="en-US" sz="1200" b="0" i="0" kern="1200" dirty="0" err="1">
-                <a:solidFill>
-                  <a:schemeClr val="tx1"/>
-                </a:solidFill>
-                <a:effectLst/>
-                <a:latin typeface="+mn-lt"/>
-                <a:ea typeface="+mn-ea"/>
-                <a:cs typeface="+mn-cs"/>
-              </a:rPr>
-              <a:t>맞춰야함</a:t>
-            </a:r>
-            <a:r>
-              <a:rPr lang="en-US" altLang="ko-KR" sz="1200" b="0" i="0" u="none" strike="noStrike" kern="1200" dirty="0">
-                <a:solidFill>
-                  <a:schemeClr val="tx1"/>
-                </a:solidFill>
-                <a:effectLst/>
-                <a:latin typeface="+mn-lt"/>
-                <a:ea typeface="+mn-ea"/>
-                <a:cs typeface="+mn-cs"/>
-              </a:rPr>
-              <a:t> </a:t>
-            </a:r>
-          </a:p>
-          <a:p>
-            <a:r>
-              <a:rPr lang="ko-KR" altLang="en-US" sz="1200" b="0" i="0" u="none" strike="noStrike" kern="1200" dirty="0">
-                <a:solidFill>
-                  <a:schemeClr val="tx1"/>
-                </a:solidFill>
-                <a:effectLst/>
-                <a:latin typeface="+mn-lt"/>
-                <a:ea typeface="+mn-ea"/>
-                <a:cs typeface="+mn-cs"/>
-              </a:rPr>
-              <a:t>오른쪽 그림에서 </a:t>
-            </a:r>
-            <a:r>
-              <a:rPr lang="en-US" altLang="ko-KR" sz="1200" b="0" i="0" u="none" strike="noStrike" kern="1200" dirty="0">
-                <a:solidFill>
-                  <a:schemeClr val="tx1"/>
-                </a:solidFill>
-                <a:effectLst/>
-                <a:latin typeface="+mn-lt"/>
-                <a:ea typeface="+mn-ea"/>
-                <a:cs typeface="+mn-cs"/>
-              </a:rPr>
-              <a:t>attention -&gt; residual</a:t>
-            </a:r>
-            <a:r>
-              <a:rPr lang="ko-KR" altLang="en-US" sz="1200" b="0" i="0" u="none" strike="noStrike" kern="1200" dirty="0">
-                <a:solidFill>
-                  <a:schemeClr val="tx1"/>
-                </a:solidFill>
-                <a:effectLst/>
-                <a:latin typeface="+mn-lt"/>
-                <a:ea typeface="+mn-ea"/>
-                <a:cs typeface="+mn-cs"/>
-              </a:rPr>
-              <a:t>과 </a:t>
-            </a:r>
-            <a:r>
-              <a:rPr lang="en-US" altLang="ko-KR" sz="1200" b="0" i="0" u="none" strike="noStrike" kern="1200" dirty="0">
-                <a:solidFill>
-                  <a:schemeClr val="tx1"/>
-                </a:solidFill>
-                <a:effectLst/>
-                <a:latin typeface="+mn-lt"/>
-                <a:ea typeface="+mn-ea"/>
-                <a:cs typeface="+mn-cs"/>
-              </a:rPr>
-              <a:t>normalize -&gt; feedforward -&gt; residual</a:t>
-            </a:r>
-            <a:r>
-              <a:rPr lang="ko-KR" altLang="en-US" sz="1200" b="0" i="0" u="none" strike="noStrike" kern="1200" dirty="0">
-                <a:solidFill>
-                  <a:schemeClr val="tx1"/>
-                </a:solidFill>
-                <a:effectLst/>
-                <a:latin typeface="+mn-lt"/>
-                <a:ea typeface="+mn-ea"/>
-                <a:cs typeface="+mn-cs"/>
-              </a:rPr>
-              <a:t>과 </a:t>
-            </a:r>
-            <a:r>
-              <a:rPr lang="en-US" altLang="ko-KR" sz="1200" b="0" i="0" u="none" strike="noStrike" kern="1200" dirty="0">
-                <a:solidFill>
-                  <a:schemeClr val="tx1"/>
-                </a:solidFill>
-                <a:effectLst/>
-                <a:latin typeface="+mn-lt"/>
-                <a:ea typeface="+mn-ea"/>
-                <a:cs typeface="+mn-cs"/>
-              </a:rPr>
-              <a:t>normalize  </a:t>
-            </a:r>
-            <a:r>
-              <a:rPr lang="ko-KR" altLang="en-US" sz="1200" b="0" i="0" u="none" strike="noStrike" kern="1200" dirty="0">
-                <a:solidFill>
-                  <a:schemeClr val="tx1"/>
-                </a:solidFill>
-                <a:effectLst/>
-                <a:latin typeface="+mn-lt"/>
-                <a:ea typeface="+mn-ea"/>
-                <a:cs typeface="+mn-cs"/>
-              </a:rPr>
-              <a:t>거쳐 하나의 인코더 레이어에서 </a:t>
-            </a:r>
-            <a:r>
-              <a:rPr lang="en-US" altLang="ko-KR" sz="1200" b="0" i="0" u="none" strike="noStrike" kern="1200" dirty="0">
-                <a:solidFill>
-                  <a:schemeClr val="tx1"/>
-                </a:solidFill>
-                <a:effectLst/>
-                <a:latin typeface="+mn-lt"/>
-                <a:ea typeface="+mn-ea"/>
-                <a:cs typeface="+mn-cs"/>
-              </a:rPr>
-              <a:t>output</a:t>
-            </a:r>
-            <a:r>
-              <a:rPr lang="ko-KR" altLang="en-US" sz="1200" b="0" i="0" u="none" strike="noStrike" kern="1200" dirty="0">
-                <a:solidFill>
-                  <a:schemeClr val="tx1"/>
-                </a:solidFill>
-                <a:effectLst/>
-                <a:latin typeface="+mn-lt"/>
-                <a:ea typeface="+mn-ea"/>
-                <a:cs typeface="+mn-cs"/>
-              </a:rPr>
-              <a:t>을 뽑아내는데 이때 각 레이어의 </a:t>
-            </a:r>
-            <a:r>
-              <a:rPr lang="en-US" altLang="ko-KR" sz="1200" b="0" i="0" u="none" strike="noStrike" kern="1200" dirty="0">
-                <a:solidFill>
-                  <a:schemeClr val="tx1"/>
-                </a:solidFill>
-                <a:effectLst/>
-                <a:latin typeface="+mn-lt"/>
-                <a:ea typeface="+mn-ea"/>
-                <a:cs typeface="+mn-cs"/>
-              </a:rPr>
-              <a:t>input</a:t>
-            </a:r>
-            <a:r>
-              <a:rPr lang="ko-KR" altLang="en-US" sz="1200" b="0" i="0" u="none" strike="noStrike" kern="1200" dirty="0">
-                <a:solidFill>
-                  <a:schemeClr val="tx1"/>
-                </a:solidFill>
-                <a:effectLst/>
-                <a:latin typeface="+mn-lt"/>
-                <a:ea typeface="+mn-ea"/>
-                <a:cs typeface="+mn-cs"/>
-              </a:rPr>
-              <a:t>값과 </a:t>
-            </a:r>
-            <a:r>
-              <a:rPr lang="en-US" altLang="ko-KR" sz="1200" b="0" i="0" u="none" strike="noStrike" kern="1200" dirty="0">
-                <a:solidFill>
-                  <a:schemeClr val="tx1"/>
-                </a:solidFill>
-                <a:effectLst/>
-                <a:latin typeface="+mn-lt"/>
-                <a:ea typeface="+mn-ea"/>
-                <a:cs typeface="+mn-cs"/>
-              </a:rPr>
-              <a:t>output </a:t>
-            </a:r>
-            <a:r>
-              <a:rPr lang="ko-KR" altLang="en-US" sz="1200" b="0" i="0" u="none" strike="noStrike" kern="1200" dirty="0">
-                <a:solidFill>
-                  <a:schemeClr val="tx1"/>
-                </a:solidFill>
-                <a:effectLst/>
-                <a:latin typeface="+mn-lt"/>
-                <a:ea typeface="+mn-ea"/>
-                <a:cs typeface="+mn-cs"/>
-              </a:rPr>
-              <a:t>값의 </a:t>
-            </a:r>
-            <a:r>
-              <a:rPr lang="en-US" altLang="ko-KR" sz="1200" b="0" i="0" u="none" strike="noStrike" kern="1200" dirty="0">
-                <a:solidFill>
-                  <a:schemeClr val="tx1"/>
-                </a:solidFill>
-                <a:effectLst/>
-                <a:latin typeface="+mn-lt"/>
-                <a:ea typeface="+mn-ea"/>
-                <a:cs typeface="+mn-cs"/>
-              </a:rPr>
-              <a:t>dimension</a:t>
-            </a:r>
-            <a:r>
-              <a:rPr lang="ko-KR" altLang="en-US" sz="1200" b="0" i="0" u="none" strike="noStrike" kern="1200" dirty="0">
-                <a:solidFill>
-                  <a:schemeClr val="tx1"/>
-                </a:solidFill>
-                <a:effectLst/>
-                <a:latin typeface="+mn-lt"/>
-                <a:ea typeface="+mn-ea"/>
-                <a:cs typeface="+mn-cs"/>
-              </a:rPr>
-              <a:t>은 동일</a:t>
-            </a:r>
-            <a:endParaRPr lang="en-US" altLang="ko-KR" sz="1200" b="0" i="0" u="none" strike="noStrike" kern="1200" dirty="0">
-              <a:solidFill>
-                <a:schemeClr val="tx1"/>
-              </a:solidFill>
-              <a:effectLst/>
-              <a:latin typeface="+mn-lt"/>
-              <a:ea typeface="+mn-ea"/>
-              <a:cs typeface="+mn-cs"/>
-            </a:endParaRPr>
-          </a:p>
-          <a:p>
             <a:endParaRPr lang="en-US" altLang="ko-KR" sz="1200" b="0" i="0" u="none" strike="noStrike" kern="1200" dirty="0">
               <a:solidFill>
                 <a:schemeClr val="tx1"/>
@@ -7402,999 +4503,6 @@
           <a:bodyPr/>
           <a:lstStyle/>
           <a:p>
-            <a:r>
-              <a:rPr lang="ko-KR" altLang="en-US" b="0" i="0" dirty="0">
-                <a:solidFill>
-                  <a:srgbClr val="555555"/>
-                </a:solidFill>
-                <a:effectLst/>
-                <a:latin typeface="Spoqa Han Sans"/>
-              </a:rPr>
-              <a:t>전체 구조</a:t>
-            </a:r>
-            <a:r>
-              <a:rPr lang="en-US" altLang="ko-KR" b="0" i="0" dirty="0">
-                <a:solidFill>
-                  <a:srgbClr val="555555"/>
-                </a:solidFill>
-                <a:effectLst/>
-                <a:latin typeface="Spoqa Han Sans"/>
-              </a:rPr>
-              <a:t>. </a:t>
-            </a:r>
-            <a:r>
-              <a:rPr lang="ko-KR" altLang="en-US" b="0" i="0" dirty="0">
-                <a:solidFill>
-                  <a:srgbClr val="555555"/>
-                </a:solidFill>
-                <a:effectLst/>
-                <a:latin typeface="Spoqa Han Sans"/>
-              </a:rPr>
-              <a:t>오른쪽이 </a:t>
-            </a:r>
-            <a:r>
-              <a:rPr lang="ko-KR" altLang="en-US" b="0" i="0" dirty="0" err="1">
-                <a:solidFill>
-                  <a:srgbClr val="555555"/>
-                </a:solidFill>
-                <a:effectLst/>
-                <a:latin typeface="Spoqa Han Sans"/>
-              </a:rPr>
-              <a:t>디코더</a:t>
-            </a:r>
-            <a:r>
-              <a:rPr lang="en-US" altLang="ko-KR" b="0" i="0" dirty="0">
-                <a:solidFill>
-                  <a:srgbClr val="555555"/>
-                </a:solidFill>
-                <a:effectLst/>
-                <a:latin typeface="Spoqa Han Sans"/>
-              </a:rPr>
-              <a:t>.</a:t>
-            </a:r>
-          </a:p>
-          <a:p>
-            <a:endParaRPr lang="en-US" altLang="ko-KR" b="0" i="0" dirty="0">
-              <a:solidFill>
-                <a:srgbClr val="555555"/>
-              </a:solidFill>
-              <a:effectLst/>
-              <a:latin typeface="Spoqa Han Sans"/>
-            </a:endParaRPr>
-          </a:p>
-          <a:p>
-            <a:r>
-              <a:rPr lang="ko-KR" altLang="en-US" b="0" i="0" dirty="0" err="1">
-                <a:solidFill>
-                  <a:srgbClr val="555555"/>
-                </a:solidFill>
-                <a:effectLst/>
-                <a:latin typeface="Spoqa Han Sans"/>
-              </a:rPr>
-              <a:t>디코더도</a:t>
-            </a:r>
-            <a:r>
-              <a:rPr lang="ko-KR" altLang="en-US" b="0" i="0" dirty="0">
-                <a:solidFill>
-                  <a:srgbClr val="555555"/>
-                </a:solidFill>
-                <a:effectLst/>
-                <a:latin typeface="Spoqa Han Sans"/>
-              </a:rPr>
-              <a:t> </a:t>
-            </a:r>
-            <a:r>
-              <a:rPr lang="en-US" sz="1200" b="0" i="0" kern="1200" dirty="0">
-                <a:solidFill>
-                  <a:schemeClr val="tx1"/>
-                </a:solidFill>
-                <a:effectLst/>
-                <a:latin typeface="+mn-lt"/>
-                <a:ea typeface="+mn-ea"/>
-                <a:cs typeface="+mn-cs"/>
-              </a:rPr>
-              <a:t>N</a:t>
-            </a:r>
-            <a:r>
-              <a:rPr lang="ko-KR" altLang="en-US" sz="1200" b="0" i="0" kern="1200" dirty="0">
-                <a:solidFill>
-                  <a:schemeClr val="tx1"/>
-                </a:solidFill>
-                <a:effectLst/>
-                <a:latin typeface="+mn-lt"/>
-                <a:ea typeface="+mn-ea"/>
-                <a:cs typeface="+mn-cs"/>
-              </a:rPr>
-              <a:t>개의 동일한 </a:t>
-            </a:r>
-            <a:r>
-              <a:rPr lang="en-US" sz="1200" b="0" i="0" kern="1200" dirty="0" err="1">
-                <a:solidFill>
-                  <a:schemeClr val="tx1"/>
-                </a:solidFill>
-                <a:effectLst/>
-                <a:latin typeface="+mn-lt"/>
-                <a:ea typeface="+mn-ea"/>
-                <a:cs typeface="+mn-cs"/>
-              </a:rPr>
-              <a:t>layer로</a:t>
-            </a:r>
-            <a:r>
-              <a:rPr lang="en-US" sz="1200" b="0" i="0" kern="1200" dirty="0">
-                <a:solidFill>
-                  <a:schemeClr val="tx1"/>
-                </a:solidFill>
-                <a:effectLst/>
-                <a:latin typeface="+mn-lt"/>
-                <a:ea typeface="+mn-ea"/>
-                <a:cs typeface="+mn-cs"/>
-              </a:rPr>
-              <a:t> </a:t>
-            </a:r>
-            <a:r>
-              <a:rPr lang="en-US" sz="1200" b="0" i="0" kern="1200" dirty="0" err="1">
-                <a:solidFill>
-                  <a:schemeClr val="tx1"/>
-                </a:solidFill>
-                <a:effectLst/>
-                <a:latin typeface="+mn-lt"/>
-                <a:ea typeface="+mn-ea"/>
-                <a:cs typeface="+mn-cs"/>
-              </a:rPr>
-              <a:t>이루어짐</a:t>
-            </a:r>
-            <a:endParaRPr lang="en-US" sz="1200" b="0" i="0" kern="1200" dirty="0">
-              <a:solidFill>
-                <a:schemeClr val="tx1"/>
-              </a:solidFill>
-              <a:effectLst/>
-              <a:latin typeface="+mn-lt"/>
-              <a:ea typeface="+mn-ea"/>
-              <a:cs typeface="+mn-cs"/>
-            </a:endParaRPr>
-          </a:p>
-          <a:p>
-            <a:endParaRPr lang="en-US" altLang="ko-KR" sz="1200" b="0" i="0" kern="1200" dirty="0">
-              <a:solidFill>
-                <a:schemeClr val="tx1"/>
-              </a:solidFill>
-              <a:effectLst/>
-              <a:latin typeface="+mn-lt"/>
-              <a:ea typeface="+mn-ea"/>
-              <a:cs typeface="+mn-cs"/>
-            </a:endParaRPr>
-          </a:p>
-          <a:p>
-            <a:r>
-              <a:rPr lang="ko-KR" altLang="en-US" sz="1200" b="0" i="0" kern="1200" dirty="0">
-                <a:solidFill>
-                  <a:schemeClr val="tx1"/>
-                </a:solidFill>
-                <a:effectLst/>
-                <a:latin typeface="+mn-lt"/>
-                <a:ea typeface="+mn-ea"/>
-                <a:cs typeface="+mn-cs"/>
-              </a:rPr>
-              <a:t>인코더의 마지막 레이어에서 나온 </a:t>
-            </a:r>
-            <a:r>
-              <a:rPr lang="en-US" altLang="ko-KR" sz="1200" b="0" i="0" kern="1200" dirty="0">
-                <a:solidFill>
-                  <a:schemeClr val="tx1"/>
-                </a:solidFill>
-                <a:effectLst/>
-                <a:latin typeface="+mn-lt"/>
-                <a:ea typeface="+mn-ea"/>
-                <a:cs typeface="+mn-cs"/>
-              </a:rPr>
-              <a:t>output</a:t>
-            </a:r>
-            <a:r>
-              <a:rPr lang="ko-KR" altLang="en-US" sz="1200" b="0" i="0" kern="1200" dirty="0">
-                <a:solidFill>
-                  <a:schemeClr val="tx1"/>
-                </a:solidFill>
-                <a:effectLst/>
-                <a:latin typeface="+mn-lt"/>
-                <a:ea typeface="+mn-ea"/>
-                <a:cs typeface="+mn-cs"/>
-              </a:rPr>
-              <a:t>값이 </a:t>
-            </a:r>
-            <a:r>
-              <a:rPr lang="ko-KR" altLang="en-US" b="0" i="0" dirty="0" err="1">
-                <a:solidFill>
-                  <a:srgbClr val="555555"/>
-                </a:solidFill>
-                <a:effectLst/>
-                <a:latin typeface="Spoqa Han Sans"/>
-              </a:rPr>
-              <a:t>디코더의</a:t>
-            </a:r>
-            <a:r>
-              <a:rPr lang="ko-KR" altLang="en-US" b="0" i="0" dirty="0">
-                <a:solidFill>
-                  <a:srgbClr val="555555"/>
-                </a:solidFill>
-                <a:effectLst/>
-                <a:latin typeface="Spoqa Han Sans"/>
-              </a:rPr>
-              <a:t> </a:t>
-            </a:r>
-            <a:r>
-              <a:rPr lang="en-US" altLang="ko-KR" b="0" i="0" dirty="0">
-                <a:solidFill>
-                  <a:srgbClr val="555555"/>
-                </a:solidFill>
-                <a:effectLst/>
-                <a:latin typeface="Spoqa Han Sans"/>
-              </a:rPr>
-              <a:t>Input</a:t>
-            </a:r>
-            <a:r>
-              <a:rPr lang="ko-KR" altLang="en-US" b="0" i="0" dirty="0">
-                <a:solidFill>
-                  <a:srgbClr val="555555"/>
-                </a:solidFill>
-                <a:effectLst/>
-                <a:latin typeface="Spoqa Han Sans"/>
-              </a:rPr>
-              <a:t>값으로 들어감</a:t>
-            </a:r>
-            <a:endParaRPr lang="en-US" altLang="ko-KR" b="0" i="0" dirty="0">
-              <a:solidFill>
-                <a:srgbClr val="555555"/>
-              </a:solidFill>
-              <a:effectLst/>
-              <a:latin typeface="Spoqa Han Sans"/>
-            </a:endParaRPr>
-          </a:p>
-          <a:p>
-            <a:r>
-              <a:rPr lang="ko-KR" altLang="en-US" sz="1200" b="0" i="0" kern="1200" dirty="0" err="1">
-                <a:solidFill>
-                  <a:srgbClr val="555555"/>
-                </a:solidFill>
-                <a:effectLst/>
-                <a:latin typeface="Spoqa Han Sans"/>
-                <a:ea typeface="+mn-ea"/>
-                <a:cs typeface="+mn-cs"/>
-              </a:rPr>
-              <a:t>디코더도</a:t>
-            </a:r>
-            <a:r>
-              <a:rPr lang="ko-KR" altLang="en-US" sz="1200" b="0" i="0" kern="1200" dirty="0">
-                <a:solidFill>
-                  <a:srgbClr val="555555"/>
-                </a:solidFill>
-                <a:effectLst/>
-                <a:latin typeface="Spoqa Han Sans"/>
-                <a:ea typeface="+mn-ea"/>
-                <a:cs typeface="+mn-cs"/>
-              </a:rPr>
-              <a:t> 여러 레이어로 이루어지고 마지막 레이어에서 나온 값이 실제 번역을 수행한 결과</a:t>
-            </a:r>
-            <a:endParaRPr lang="en-US" altLang="ko-KR" sz="1200" b="0" i="0" kern="1200" dirty="0">
-              <a:solidFill>
-                <a:srgbClr val="555555"/>
-              </a:solidFill>
-              <a:effectLst/>
-              <a:latin typeface="Spoqa Han Sans"/>
-              <a:ea typeface="+mn-ea"/>
-              <a:cs typeface="+mn-cs"/>
-            </a:endParaRPr>
-          </a:p>
-          <a:p>
-            <a:endParaRPr lang="en-US" altLang="ko-KR" sz="1200" b="0" i="0" kern="1200" dirty="0">
-              <a:solidFill>
-                <a:srgbClr val="555555"/>
-              </a:solidFill>
-              <a:effectLst/>
-              <a:latin typeface="Spoqa Han Sans"/>
-              <a:ea typeface="+mn-ea"/>
-              <a:cs typeface="+mn-cs"/>
-            </a:endParaRPr>
-          </a:p>
-          <a:p>
-            <a:r>
-              <a:rPr lang="en-US" altLang="ko-KR" sz="1200" b="0" i="0" kern="1200" dirty="0">
-                <a:solidFill>
-                  <a:srgbClr val="555555"/>
-                </a:solidFill>
-                <a:effectLst/>
-                <a:latin typeface="Spoqa Han Sans"/>
-                <a:ea typeface="+mn-ea"/>
-                <a:cs typeface="+mn-cs"/>
-              </a:rPr>
-              <a:t>[</a:t>
-            </a:r>
-            <a:r>
-              <a:rPr lang="ko-KR" altLang="en-US" sz="1200" b="0" i="0" kern="1200" dirty="0" err="1">
-                <a:solidFill>
-                  <a:srgbClr val="555555"/>
-                </a:solidFill>
-                <a:effectLst/>
-                <a:latin typeface="Spoqa Han Sans"/>
-                <a:ea typeface="+mn-ea"/>
-                <a:cs typeface="+mn-cs"/>
-              </a:rPr>
-              <a:t>디코더</a:t>
-            </a:r>
-            <a:r>
-              <a:rPr lang="en-US" altLang="ko-KR" sz="1200" b="0" i="0" kern="1200" dirty="0">
-                <a:solidFill>
-                  <a:srgbClr val="555555"/>
-                </a:solidFill>
-                <a:effectLst/>
-                <a:latin typeface="Spoqa Han Sans"/>
-                <a:ea typeface="+mn-ea"/>
-                <a:cs typeface="+mn-cs"/>
-              </a:rPr>
-              <a:t>]</a:t>
-            </a:r>
-          </a:p>
-          <a:p>
-            <a:r>
-              <a:rPr lang="ko-KR" altLang="en-US" sz="1200" b="0" i="0" u="none" strike="noStrike" kern="1200" dirty="0">
-                <a:solidFill>
-                  <a:schemeClr val="tx1"/>
-                </a:solidFill>
-                <a:effectLst/>
-                <a:latin typeface="+mn-lt"/>
-                <a:ea typeface="+mn-ea"/>
-                <a:cs typeface="+mn-cs"/>
-              </a:rPr>
-              <a:t>각각 단어 정보를 받아 </a:t>
-            </a:r>
-            <a:r>
-              <a:rPr lang="ko-KR" altLang="en-US" sz="1200" b="0" i="0" u="none" strike="noStrike" kern="1200" dirty="0" err="1">
-                <a:solidFill>
-                  <a:schemeClr val="tx1"/>
-                </a:solidFill>
-                <a:effectLst/>
-                <a:latin typeface="+mn-lt"/>
-                <a:ea typeface="+mn-ea"/>
-                <a:cs typeface="+mn-cs"/>
-              </a:rPr>
-              <a:t>인코딩</a:t>
-            </a:r>
-            <a:r>
-              <a:rPr lang="ko-KR" altLang="en-US" sz="1200" b="0" i="0" u="none" strike="noStrike" kern="1200" dirty="0">
-                <a:solidFill>
-                  <a:schemeClr val="tx1"/>
-                </a:solidFill>
-                <a:effectLst/>
-                <a:latin typeface="+mn-lt"/>
-                <a:ea typeface="+mn-ea"/>
-                <a:cs typeface="+mn-cs"/>
-              </a:rPr>
-              <a:t> 값 추가하여 </a:t>
-            </a:r>
-            <a:r>
-              <a:rPr lang="en-US" altLang="ko-KR" sz="1200" b="0" i="0" u="none" strike="noStrike" kern="1200" dirty="0">
-                <a:solidFill>
-                  <a:schemeClr val="tx1"/>
-                </a:solidFill>
-                <a:effectLst/>
-                <a:latin typeface="+mn-lt"/>
-                <a:ea typeface="+mn-ea"/>
-                <a:cs typeface="+mn-cs"/>
-              </a:rPr>
-              <a:t>input</a:t>
-            </a:r>
-            <a:r>
-              <a:rPr lang="ko-KR" altLang="en-US" sz="1200" b="0" i="0" u="none" strike="noStrike" kern="1200" dirty="0">
-                <a:solidFill>
-                  <a:schemeClr val="tx1"/>
-                </a:solidFill>
-                <a:effectLst/>
-                <a:latin typeface="+mn-lt"/>
-                <a:ea typeface="+mn-ea"/>
-                <a:cs typeface="+mn-cs"/>
-              </a:rPr>
-              <a:t>값으로 넣고 </a:t>
-            </a:r>
-            <a:r>
-              <a:rPr lang="en-US" altLang="ko-KR" sz="1200" b="0" i="0" u="none" strike="noStrike" kern="1200" dirty="0">
-                <a:solidFill>
-                  <a:schemeClr val="tx1"/>
-                </a:solidFill>
-                <a:effectLst/>
-                <a:latin typeface="+mn-lt"/>
-                <a:ea typeface="+mn-ea"/>
-                <a:cs typeface="+mn-cs"/>
-              </a:rPr>
-              <a:t>-&gt;  1</a:t>
-            </a:r>
-            <a:r>
-              <a:rPr lang="ko-KR" altLang="en-US" sz="1200" b="0" i="0" u="none" strike="noStrike" kern="1200" dirty="0">
-                <a:solidFill>
-                  <a:schemeClr val="tx1"/>
-                </a:solidFill>
-                <a:effectLst/>
-                <a:latin typeface="+mn-lt"/>
-                <a:ea typeface="+mn-ea"/>
-                <a:cs typeface="+mn-cs"/>
-              </a:rPr>
-              <a:t>개의 </a:t>
-            </a:r>
-            <a:r>
-              <a:rPr lang="ko-KR" altLang="en-US" sz="1200" b="0" i="0" u="none" strike="noStrike" kern="1200" dirty="0" err="1">
-                <a:solidFill>
-                  <a:schemeClr val="tx1"/>
-                </a:solidFill>
-                <a:effectLst/>
-                <a:latin typeface="+mn-lt"/>
-                <a:ea typeface="+mn-ea"/>
-                <a:cs typeface="+mn-cs"/>
-              </a:rPr>
-              <a:t>디코더</a:t>
-            </a:r>
-            <a:r>
-              <a:rPr lang="ko-KR" altLang="en-US" sz="1200" b="0" i="0" u="none" strike="noStrike" kern="1200" dirty="0">
-                <a:solidFill>
-                  <a:schemeClr val="tx1"/>
-                </a:solidFill>
-                <a:effectLst/>
-                <a:latin typeface="+mn-lt"/>
-                <a:ea typeface="+mn-ea"/>
-                <a:cs typeface="+mn-cs"/>
-              </a:rPr>
-              <a:t> 레이어</a:t>
-            </a:r>
-            <a:r>
-              <a:rPr lang="en-US" altLang="ko-KR" sz="1200" b="0" i="0" u="none" strike="noStrike" kern="1200" dirty="0">
-                <a:solidFill>
-                  <a:schemeClr val="tx1"/>
-                </a:solidFill>
-                <a:effectLst/>
-                <a:latin typeface="+mn-lt"/>
-                <a:ea typeface="+mn-ea"/>
-                <a:cs typeface="+mn-cs"/>
-              </a:rPr>
-              <a:t>:</a:t>
-            </a:r>
-            <a:r>
-              <a:rPr lang="ko-KR" altLang="en-US" sz="1200" b="0" i="0" u="none" strike="noStrike" kern="1200" dirty="0">
-                <a:solidFill>
-                  <a:schemeClr val="tx1"/>
-                </a:solidFill>
-                <a:effectLst/>
-                <a:latin typeface="+mn-lt"/>
-                <a:ea typeface="+mn-ea"/>
-                <a:cs typeface="+mn-cs"/>
-              </a:rPr>
-              <a:t> </a:t>
-            </a:r>
-            <a:r>
-              <a:rPr lang="en-US" altLang="ko-KR" sz="1200" b="0" i="0" u="none" strike="noStrike" kern="1200" dirty="0">
-                <a:solidFill>
-                  <a:schemeClr val="tx1"/>
-                </a:solidFill>
-                <a:effectLst/>
-                <a:latin typeface="+mn-lt"/>
-                <a:ea typeface="+mn-ea"/>
-                <a:cs typeface="+mn-cs"/>
-              </a:rPr>
-              <a:t>2</a:t>
-            </a:r>
-            <a:r>
-              <a:rPr lang="ko-KR" altLang="en-US" sz="1200" b="0" i="0" u="none" strike="noStrike" kern="1200" dirty="0">
-                <a:solidFill>
-                  <a:schemeClr val="tx1"/>
-                </a:solidFill>
-                <a:effectLst/>
-                <a:latin typeface="+mn-lt"/>
-                <a:ea typeface="+mn-ea"/>
-                <a:cs typeface="+mn-cs"/>
-              </a:rPr>
-              <a:t>개의 </a:t>
-            </a:r>
-            <a:r>
-              <a:rPr lang="ko-KR" altLang="en-US" sz="1200" b="0" i="0" u="none" strike="noStrike" kern="1200" dirty="0" err="1">
-                <a:solidFill>
-                  <a:schemeClr val="tx1"/>
-                </a:solidFill>
-                <a:effectLst/>
-                <a:latin typeface="+mn-lt"/>
-                <a:ea typeface="+mn-ea"/>
-                <a:cs typeface="+mn-cs"/>
-              </a:rPr>
-              <a:t>어텐션을</a:t>
-            </a:r>
-            <a:r>
-              <a:rPr lang="ko-KR" altLang="en-US" sz="1200" b="0" i="0" u="none" strike="noStrike" kern="1200" dirty="0">
-                <a:solidFill>
-                  <a:schemeClr val="tx1"/>
-                </a:solidFill>
-                <a:effectLst/>
-                <a:latin typeface="+mn-lt"/>
-                <a:ea typeface="+mn-ea"/>
-                <a:cs typeface="+mn-cs"/>
-              </a:rPr>
-              <a:t> 사용</a:t>
-            </a:r>
-            <a:endParaRPr lang="en-US" altLang="ko-KR" sz="1200" b="0" i="0" u="none" strike="noStrike" kern="1200" dirty="0">
-              <a:solidFill>
-                <a:schemeClr val="tx1"/>
-              </a:solidFill>
-              <a:effectLst/>
-              <a:latin typeface="+mn-lt"/>
-              <a:ea typeface="+mn-ea"/>
-              <a:cs typeface="+mn-cs"/>
-            </a:endParaRPr>
-          </a:p>
-          <a:p>
-            <a:r>
-              <a:rPr lang="en-US" altLang="ko-KR" sz="1200" b="0" i="0" u="none" strike="noStrike" kern="1200" dirty="0">
-                <a:solidFill>
-                  <a:schemeClr val="tx1"/>
-                </a:solidFill>
-                <a:effectLst/>
-                <a:latin typeface="+mn-lt"/>
-                <a:ea typeface="+mn-ea"/>
-                <a:cs typeface="+mn-cs"/>
-              </a:rPr>
-              <a:t> 1</a:t>
-            </a:r>
-            <a:r>
-              <a:rPr lang="ko-KR" altLang="en-US" sz="1200" b="0" i="0" u="none" strike="noStrike" kern="1200" dirty="0">
-                <a:solidFill>
-                  <a:schemeClr val="tx1"/>
-                </a:solidFill>
-                <a:effectLst/>
-                <a:latin typeface="+mn-lt"/>
-                <a:ea typeface="+mn-ea"/>
-                <a:cs typeface="+mn-cs"/>
-              </a:rPr>
-              <a:t>번</a:t>
-            </a:r>
-            <a:r>
-              <a:rPr lang="en-US" altLang="ko-KR" sz="1200" b="0" i="0" u="none" strike="noStrike" kern="1200" dirty="0">
-                <a:solidFill>
-                  <a:schemeClr val="tx1"/>
-                </a:solidFill>
-                <a:effectLst/>
-                <a:latin typeface="+mn-lt"/>
-                <a:ea typeface="+mn-ea"/>
-                <a:cs typeface="+mn-cs"/>
-              </a:rPr>
-              <a:t>:</a:t>
-            </a:r>
-            <a:r>
-              <a:rPr lang="ko-KR" altLang="en-US" sz="1200" b="0" i="0" u="none" strike="noStrike" kern="1200" dirty="0">
-                <a:solidFill>
-                  <a:schemeClr val="tx1"/>
-                </a:solidFill>
-                <a:effectLst/>
-                <a:latin typeface="+mn-lt"/>
-                <a:ea typeface="+mn-ea"/>
-                <a:cs typeface="+mn-cs"/>
-              </a:rPr>
-              <a:t> </a:t>
-            </a:r>
-            <a:r>
-              <a:rPr lang="ko-KR" altLang="en-US" sz="1200" b="0" i="0" u="none" strike="noStrike" kern="1200" dirty="0" err="1">
-                <a:solidFill>
-                  <a:schemeClr val="tx1"/>
-                </a:solidFill>
-                <a:effectLst/>
-                <a:latin typeface="+mn-lt"/>
-                <a:ea typeface="+mn-ea"/>
-                <a:cs typeface="+mn-cs"/>
-              </a:rPr>
-              <a:t>셀프</a:t>
-            </a:r>
-            <a:r>
-              <a:rPr lang="ko-KR" altLang="en-US" sz="1200" b="0" i="0" u="none" strike="noStrike" kern="1200" dirty="0">
-                <a:solidFill>
-                  <a:schemeClr val="tx1"/>
-                </a:solidFill>
-                <a:effectLst/>
-                <a:latin typeface="+mn-lt"/>
-                <a:ea typeface="+mn-ea"/>
-                <a:cs typeface="+mn-cs"/>
-              </a:rPr>
-              <a:t> </a:t>
-            </a:r>
-            <a:r>
-              <a:rPr lang="ko-KR" altLang="en-US" sz="1200" b="0" i="0" u="none" strike="noStrike" kern="1200" dirty="0" err="1">
-                <a:solidFill>
-                  <a:schemeClr val="tx1"/>
-                </a:solidFill>
-                <a:effectLst/>
-                <a:latin typeface="+mn-lt"/>
-                <a:ea typeface="+mn-ea"/>
-                <a:cs typeface="+mn-cs"/>
-              </a:rPr>
-              <a:t>어텐션으로</a:t>
-            </a:r>
-            <a:r>
-              <a:rPr lang="ko-KR" altLang="en-US" sz="1200" b="0" i="0" u="none" strike="noStrike" kern="1200" dirty="0">
-                <a:solidFill>
-                  <a:schemeClr val="tx1"/>
-                </a:solidFill>
-                <a:effectLst/>
-                <a:latin typeface="+mn-lt"/>
-                <a:ea typeface="+mn-ea"/>
-                <a:cs typeface="+mn-cs"/>
-              </a:rPr>
-              <a:t> 인코더처럼 각 단어가 서로에게 어떠한 가중치를 가지는지 구하도록 만들어서 문장에 대한 전반적인 표현이 학습될 수 있도록 만듦</a:t>
-            </a:r>
-            <a:r>
-              <a:rPr lang="en-US" altLang="ko-KR" sz="1200" b="0" i="0" u="none" strike="noStrike" kern="1200" dirty="0">
-                <a:solidFill>
-                  <a:schemeClr val="tx1"/>
-                </a:solidFill>
-                <a:effectLst/>
-                <a:latin typeface="+mn-lt"/>
-                <a:ea typeface="+mn-ea"/>
-                <a:cs typeface="+mn-cs"/>
-              </a:rPr>
-              <a:t>.</a:t>
-            </a:r>
-          </a:p>
-          <a:p>
-            <a:r>
-              <a:rPr lang="ko-KR" altLang="en-US" sz="1200" b="0" i="0" u="none" strike="noStrike" kern="1200" dirty="0">
-                <a:solidFill>
-                  <a:schemeClr val="tx1"/>
-                </a:solidFill>
-                <a:effectLst/>
-                <a:latin typeface="+mn-lt"/>
-                <a:ea typeface="+mn-ea"/>
-                <a:cs typeface="+mn-cs"/>
-              </a:rPr>
-              <a:t>두번째는 인코더의 </a:t>
-            </a:r>
-            <a:r>
-              <a:rPr lang="en-US" altLang="ko-KR" sz="1200" b="0" i="0" u="none" strike="noStrike" kern="1200" dirty="0">
-                <a:solidFill>
-                  <a:schemeClr val="tx1"/>
-                </a:solidFill>
-                <a:effectLst/>
-                <a:latin typeface="+mn-lt"/>
-                <a:ea typeface="+mn-ea"/>
-                <a:cs typeface="+mn-cs"/>
-              </a:rPr>
-              <a:t>output</a:t>
-            </a:r>
-            <a:r>
-              <a:rPr lang="ko-KR" altLang="en-US" sz="1200" b="0" i="0" u="none" strike="noStrike" kern="1200" dirty="0">
-                <a:solidFill>
-                  <a:schemeClr val="tx1"/>
-                </a:solidFill>
-                <a:effectLst/>
-                <a:latin typeface="+mn-lt"/>
-                <a:ea typeface="+mn-ea"/>
-                <a:cs typeface="+mn-cs"/>
-              </a:rPr>
-              <a:t> 정보를 </a:t>
-            </a:r>
-            <a:r>
-              <a:rPr lang="ko-KR" altLang="en-US" sz="1200" b="0" i="0" u="none" strike="noStrike" kern="1200" dirty="0" err="1">
-                <a:solidFill>
-                  <a:schemeClr val="tx1"/>
-                </a:solidFill>
-                <a:effectLst/>
-                <a:latin typeface="+mn-lt"/>
-                <a:ea typeface="+mn-ea"/>
-                <a:cs typeface="+mn-cs"/>
-              </a:rPr>
-              <a:t>어텐션하도록</a:t>
-            </a:r>
-            <a:r>
-              <a:rPr lang="ko-KR" altLang="en-US" sz="1200" b="0" i="0" u="none" strike="noStrike" kern="1200" dirty="0">
-                <a:solidFill>
-                  <a:schemeClr val="tx1"/>
-                </a:solidFill>
-                <a:effectLst/>
-                <a:latin typeface="+mn-lt"/>
-                <a:ea typeface="+mn-ea"/>
-                <a:cs typeface="+mn-cs"/>
-              </a:rPr>
-              <a:t> 만든다</a:t>
-            </a:r>
-            <a:r>
-              <a:rPr lang="en-US" altLang="ko-KR" sz="1200" b="0" i="0" u="none" strike="noStrike" kern="1200" dirty="0">
-                <a:solidFill>
-                  <a:schemeClr val="tx1"/>
-                </a:solidFill>
-                <a:effectLst/>
-                <a:latin typeface="+mn-lt"/>
-                <a:ea typeface="+mn-ea"/>
-                <a:cs typeface="+mn-cs"/>
-              </a:rPr>
-              <a:t>. </a:t>
-            </a:r>
-            <a:r>
-              <a:rPr lang="ko-KR" altLang="en-US" sz="1200" b="0" i="0" u="none" strike="noStrike" kern="1200" dirty="0" err="1">
-                <a:solidFill>
-                  <a:schemeClr val="tx1"/>
-                </a:solidFill>
-                <a:effectLst/>
-                <a:latin typeface="+mn-lt"/>
-                <a:ea typeface="+mn-ea"/>
-                <a:cs typeface="+mn-cs"/>
-              </a:rPr>
-              <a:t>다시말해</a:t>
-            </a:r>
-            <a:r>
-              <a:rPr lang="ko-KR" altLang="en-US" sz="1200" b="0" i="0" u="none" strike="noStrike" kern="1200" dirty="0">
-                <a:solidFill>
-                  <a:schemeClr val="tx1"/>
-                </a:solidFill>
-                <a:effectLst/>
-                <a:latin typeface="+mn-lt"/>
-                <a:ea typeface="+mn-ea"/>
-                <a:cs typeface="+mn-cs"/>
-              </a:rPr>
-              <a:t> 각각 출력 단어가 인코더의 정보를 받아와 사용할 수 있도록 만드는 것이다</a:t>
-            </a:r>
-            <a:r>
-              <a:rPr lang="en-US" altLang="ko-KR" sz="1200" b="0" i="0" u="none" strike="noStrike" kern="1200" dirty="0">
-                <a:solidFill>
-                  <a:schemeClr val="tx1"/>
-                </a:solidFill>
-                <a:effectLst/>
-                <a:latin typeface="+mn-lt"/>
-                <a:ea typeface="+mn-ea"/>
-                <a:cs typeface="+mn-cs"/>
-              </a:rPr>
-              <a:t>. </a:t>
-            </a:r>
-            <a:r>
-              <a:rPr lang="ko-KR" altLang="en-US" sz="1200" b="0" i="0" u="none" strike="noStrike" kern="1200" dirty="0">
-                <a:solidFill>
-                  <a:schemeClr val="tx1"/>
-                </a:solidFill>
-                <a:effectLst/>
-                <a:latin typeface="+mn-lt"/>
-                <a:ea typeface="+mn-ea"/>
-                <a:cs typeface="+mn-cs"/>
-              </a:rPr>
-              <a:t>즉</a:t>
-            </a:r>
-            <a:r>
-              <a:rPr lang="en-US" altLang="ko-KR" sz="1200" b="0" i="0" u="none" strike="noStrike" kern="1200" dirty="0">
-                <a:solidFill>
-                  <a:schemeClr val="tx1"/>
-                </a:solidFill>
-                <a:effectLst/>
-                <a:latin typeface="+mn-lt"/>
-                <a:ea typeface="+mn-ea"/>
-                <a:cs typeface="+mn-cs"/>
-              </a:rPr>
-              <a:t>, </a:t>
-            </a:r>
-            <a:r>
-              <a:rPr lang="ko-KR" altLang="en-US" sz="1200" b="0" i="0" u="none" strike="noStrike" kern="1200" dirty="0">
-                <a:solidFill>
-                  <a:schemeClr val="tx1"/>
-                </a:solidFill>
-                <a:effectLst/>
-                <a:latin typeface="+mn-lt"/>
-                <a:ea typeface="+mn-ea"/>
-                <a:cs typeface="+mn-cs"/>
-              </a:rPr>
-              <a:t>각각 출력되고 있는 단어가 소스 문장에서의 어떤 단어와 연관성이 있는지 말해주는 것이다</a:t>
-            </a:r>
-            <a:r>
-              <a:rPr lang="en-US" altLang="ko-KR" sz="1200" b="0" i="0" u="none" strike="noStrike" kern="1200" dirty="0">
-                <a:solidFill>
-                  <a:schemeClr val="tx1"/>
-                </a:solidFill>
-                <a:effectLst/>
-                <a:latin typeface="+mn-lt"/>
-                <a:ea typeface="+mn-ea"/>
-                <a:cs typeface="+mn-cs"/>
-              </a:rPr>
-              <a:t>. </a:t>
-            </a:r>
-          </a:p>
-          <a:p>
-            <a:endParaRPr lang="en-US" altLang="ko-KR" sz="1200" b="0" i="0" u="none" strike="noStrike" kern="1200" dirty="0">
-              <a:solidFill>
-                <a:schemeClr val="tx1"/>
-              </a:solidFill>
-              <a:effectLst/>
-              <a:latin typeface="+mn-lt"/>
-              <a:ea typeface="+mn-ea"/>
-              <a:cs typeface="+mn-cs"/>
-            </a:endParaRPr>
-          </a:p>
-          <a:p>
-            <a:r>
-              <a:rPr lang="ko-KR" altLang="en-US" sz="1200" b="0" i="0" u="none" strike="noStrike" kern="1200" dirty="0" err="1">
-                <a:solidFill>
-                  <a:schemeClr val="tx1"/>
-                </a:solidFill>
-                <a:effectLst/>
-                <a:latin typeface="+mn-lt"/>
-                <a:ea typeface="+mn-ea"/>
-                <a:cs typeface="+mn-cs"/>
-              </a:rPr>
-              <a:t>디코더의</a:t>
-            </a:r>
-            <a:r>
-              <a:rPr lang="ko-KR" altLang="en-US" sz="1200" b="0" i="0" u="none" strike="noStrike" kern="1200" dirty="0">
-                <a:solidFill>
-                  <a:schemeClr val="tx1"/>
-                </a:solidFill>
-                <a:effectLst/>
-                <a:latin typeface="+mn-lt"/>
-                <a:ea typeface="+mn-ea"/>
-                <a:cs typeface="+mn-cs"/>
-              </a:rPr>
-              <a:t> 각 레이어 </a:t>
-            </a:r>
-            <a:r>
-              <a:rPr lang="en-US" altLang="ko-KR" sz="1200" b="0" i="0" u="none" strike="noStrike" kern="1200" dirty="0">
-                <a:solidFill>
-                  <a:schemeClr val="tx1"/>
-                </a:solidFill>
-                <a:effectLst/>
-                <a:latin typeface="+mn-lt"/>
-                <a:ea typeface="+mn-ea"/>
-                <a:cs typeface="+mn-cs"/>
-              </a:rPr>
-              <a:t>input</a:t>
-            </a:r>
-            <a:r>
-              <a:rPr lang="ko-KR" altLang="en-US" sz="1200" b="0" i="0" u="none" strike="noStrike" kern="1200" dirty="0">
-                <a:solidFill>
-                  <a:schemeClr val="tx1"/>
-                </a:solidFill>
-                <a:effectLst/>
-                <a:latin typeface="+mn-lt"/>
-                <a:ea typeface="+mn-ea"/>
-                <a:cs typeface="+mn-cs"/>
-              </a:rPr>
-              <a:t>과 </a:t>
-            </a:r>
-            <a:r>
-              <a:rPr lang="en-US" altLang="ko-KR" sz="1200" b="0" i="0" u="none" strike="noStrike" kern="1200" dirty="0">
-                <a:solidFill>
-                  <a:schemeClr val="tx1"/>
-                </a:solidFill>
-                <a:effectLst/>
-                <a:latin typeface="+mn-lt"/>
-                <a:ea typeface="+mn-ea"/>
-                <a:cs typeface="+mn-cs"/>
-              </a:rPr>
-              <a:t>output</a:t>
-            </a:r>
-            <a:r>
-              <a:rPr lang="ko-KR" altLang="en-US" sz="1200" b="0" i="0" u="none" strike="noStrike" kern="1200" dirty="0">
-                <a:solidFill>
-                  <a:schemeClr val="tx1"/>
-                </a:solidFill>
-                <a:effectLst/>
-                <a:latin typeface="+mn-lt"/>
-                <a:ea typeface="+mn-ea"/>
-                <a:cs typeface="+mn-cs"/>
-              </a:rPr>
-              <a:t> </a:t>
-            </a:r>
-            <a:r>
-              <a:rPr lang="en-US" sz="1200" b="0" i="0" u="none" strike="noStrike" kern="1200" dirty="0">
-                <a:solidFill>
-                  <a:schemeClr val="tx1"/>
-                </a:solidFill>
-                <a:effectLst/>
-                <a:latin typeface="+mn-lt"/>
-                <a:ea typeface="+mn-ea"/>
-                <a:cs typeface="+mn-cs"/>
-              </a:rPr>
-              <a:t>dim </a:t>
-            </a:r>
-            <a:r>
-              <a:rPr lang="en-US" sz="1200" b="0" i="0" u="none" strike="noStrike" kern="1200" dirty="0" err="1">
-                <a:solidFill>
-                  <a:schemeClr val="tx1"/>
-                </a:solidFill>
-                <a:effectLst/>
-                <a:latin typeface="+mn-lt"/>
-                <a:ea typeface="+mn-ea"/>
-                <a:cs typeface="+mn-cs"/>
-              </a:rPr>
-              <a:t>같음</a:t>
-            </a:r>
-            <a:r>
-              <a:rPr lang="en-US" sz="1200" b="0" i="0" u="none" strike="noStrike" kern="1200" dirty="0">
-                <a:solidFill>
-                  <a:schemeClr val="tx1"/>
-                </a:solidFill>
-                <a:effectLst/>
-                <a:latin typeface="+mn-lt"/>
-                <a:ea typeface="+mn-ea"/>
-                <a:cs typeface="+mn-cs"/>
-              </a:rPr>
-              <a:t> </a:t>
-            </a:r>
-            <a:r>
-              <a:rPr lang="en-US" altLang="ko-KR" sz="1200" b="0" i="0" u="none" strike="noStrike" kern="1200" dirty="0">
-                <a:solidFill>
-                  <a:schemeClr val="tx1"/>
-                </a:solidFill>
-                <a:effectLst/>
-                <a:latin typeface="+mn-lt"/>
-                <a:ea typeface="+mn-ea"/>
-                <a:cs typeface="+mn-cs"/>
-              </a:rPr>
-              <a:t>-&gt; </a:t>
-            </a:r>
-            <a:r>
-              <a:rPr lang="ko-KR" altLang="en-US" sz="1200" b="0" i="0" u="none" strike="noStrike" kern="1200" dirty="0">
-                <a:solidFill>
-                  <a:schemeClr val="tx1"/>
-                </a:solidFill>
-                <a:effectLst/>
-                <a:latin typeface="+mn-lt"/>
-                <a:ea typeface="+mn-ea"/>
-                <a:cs typeface="+mn-cs"/>
-              </a:rPr>
-              <a:t>레이어 중첩 사용가능 </a:t>
-            </a:r>
-            <a:r>
-              <a:rPr lang="en-US" altLang="ko-KR" sz="1200" b="0" i="0" u="none" strike="noStrike" kern="1200" dirty="0">
-                <a:solidFill>
-                  <a:schemeClr val="tx1"/>
-                </a:solidFill>
-                <a:effectLst/>
-                <a:latin typeface="+mn-lt"/>
-                <a:ea typeface="+mn-ea"/>
-                <a:cs typeface="+mn-cs"/>
-              </a:rPr>
-              <a:t>-&gt; </a:t>
-            </a:r>
-            <a:r>
-              <a:rPr lang="ko-KR" altLang="en-US" sz="1200" b="0" i="0" u="none" strike="noStrike" kern="1200" dirty="0">
-                <a:solidFill>
-                  <a:schemeClr val="tx1"/>
-                </a:solidFill>
-                <a:effectLst/>
-                <a:latin typeface="+mn-lt"/>
-                <a:ea typeface="+mn-ea"/>
-                <a:cs typeface="+mn-cs"/>
-              </a:rPr>
-              <a:t>인코더 아웃풋이 모든 </a:t>
-            </a:r>
-            <a:r>
-              <a:rPr lang="ko-KR" altLang="en-US" sz="1200" b="0" i="0" u="none" strike="noStrike" kern="1200" dirty="0" err="1">
-                <a:solidFill>
-                  <a:schemeClr val="tx1"/>
-                </a:solidFill>
-                <a:effectLst/>
-                <a:latin typeface="+mn-lt"/>
-                <a:ea typeface="+mn-ea"/>
-                <a:cs typeface="+mn-cs"/>
-              </a:rPr>
-              <a:t>디코더</a:t>
-            </a:r>
-            <a:r>
-              <a:rPr lang="ko-KR" altLang="en-US" sz="1200" b="0" i="0" u="none" strike="noStrike" kern="1200" dirty="0">
-                <a:solidFill>
-                  <a:schemeClr val="tx1"/>
-                </a:solidFill>
-                <a:effectLst/>
-                <a:latin typeface="+mn-lt"/>
-                <a:ea typeface="+mn-ea"/>
-                <a:cs typeface="+mn-cs"/>
-              </a:rPr>
-              <a:t> 레이어에 입력되는 형식으로 동작</a:t>
-            </a:r>
-            <a:endParaRPr lang="en-US" altLang="ko-KR" sz="1200" b="0" i="0" kern="1200" dirty="0">
-              <a:solidFill>
-                <a:srgbClr val="555555"/>
-              </a:solidFill>
-              <a:effectLst/>
-              <a:latin typeface="Spoqa Han Sans"/>
-              <a:ea typeface="+mn-ea"/>
-              <a:cs typeface="+mn-cs"/>
-            </a:endParaRPr>
-          </a:p>
-          <a:p>
             <a:endParaRPr lang="en-US" altLang="ko-KR" sz="1200" b="0" i="0" kern="1200" dirty="0">
               <a:solidFill>
                 <a:srgbClr val="555555"/>
@@ -8504,2025 +4612,6 @@
               <a:tabLst/>
               <a:defRPr/>
             </a:pPr>
-            <a:r>
-              <a:rPr lang="ko-KR" altLang="en-US" sz="1200" b="0" i="0" u="none" strike="noStrike" kern="1200" dirty="0">
-                <a:solidFill>
-                  <a:schemeClr val="tx1"/>
-                </a:solidFill>
-                <a:effectLst/>
-                <a:latin typeface="+mn-lt"/>
-                <a:ea typeface="+mn-ea"/>
-                <a:cs typeface="+mn-cs"/>
-              </a:rPr>
-              <a:t>트랜스포머의 인코더와 </a:t>
-            </a:r>
-            <a:r>
-              <a:rPr lang="ko-KR" altLang="en-US" sz="1200" b="0" i="0" u="none" strike="noStrike" kern="1200" dirty="0" err="1">
-                <a:solidFill>
-                  <a:schemeClr val="tx1"/>
-                </a:solidFill>
-                <a:effectLst/>
-                <a:latin typeface="+mn-lt"/>
-                <a:ea typeface="+mn-ea"/>
-                <a:cs typeface="+mn-cs"/>
-              </a:rPr>
-              <a:t>디코더는</a:t>
-            </a:r>
-            <a:r>
-              <a:rPr lang="ko-KR" altLang="en-US" sz="1200" b="0" i="0" u="none" strike="noStrike" kern="1200" dirty="0">
-                <a:solidFill>
-                  <a:schemeClr val="tx1"/>
-                </a:solidFill>
-                <a:effectLst/>
-                <a:latin typeface="+mn-lt"/>
-                <a:ea typeface="+mn-ea"/>
-                <a:cs typeface="+mn-cs"/>
-              </a:rPr>
-              <a:t> </a:t>
-            </a:r>
-            <a:r>
-              <a:rPr lang="ko-KR" altLang="en-US" sz="1200" b="0" i="0" u="none" strike="noStrike" kern="1200" dirty="0" err="1">
-                <a:solidFill>
-                  <a:schemeClr val="tx1"/>
-                </a:solidFill>
-                <a:effectLst/>
-                <a:latin typeface="+mn-lt"/>
-                <a:ea typeface="+mn-ea"/>
-                <a:cs typeface="+mn-cs"/>
-              </a:rPr>
-              <a:t>멀티헤드</a:t>
-            </a:r>
-            <a:r>
-              <a:rPr lang="ko-KR" altLang="en-US" sz="1200" b="0" i="0" u="none" strike="noStrike" kern="1200" dirty="0">
-                <a:solidFill>
-                  <a:schemeClr val="tx1"/>
-                </a:solidFill>
-                <a:effectLst/>
-                <a:latin typeface="+mn-lt"/>
-                <a:ea typeface="+mn-ea"/>
-                <a:cs typeface="+mn-cs"/>
-              </a:rPr>
-              <a:t> </a:t>
-            </a:r>
-            <a:r>
-              <a:rPr lang="en-US" altLang="ko-KR" sz="1200" b="0" i="0" u="none" strike="noStrike" kern="1200" dirty="0">
-                <a:solidFill>
-                  <a:schemeClr val="tx1"/>
-                </a:solidFill>
-                <a:effectLst/>
-                <a:latin typeface="+mn-lt"/>
-                <a:ea typeface="+mn-ea"/>
-                <a:cs typeface="+mn-cs"/>
-              </a:rPr>
-              <a:t>attention</a:t>
-            </a:r>
-            <a:r>
-              <a:rPr lang="ko-KR" altLang="en-US" sz="1200" b="0" i="0" u="none" strike="noStrike" kern="1200" dirty="0">
-                <a:solidFill>
-                  <a:schemeClr val="tx1"/>
-                </a:solidFill>
-                <a:effectLst/>
-                <a:latin typeface="+mn-lt"/>
-                <a:ea typeface="+mn-ea"/>
-                <a:cs typeface="+mn-cs"/>
-              </a:rPr>
-              <a:t>레이어 사용</a:t>
-            </a:r>
-            <a:r>
-              <a:rPr lang="en-US" altLang="ko-KR" sz="1200" b="0" i="0" u="none" strike="noStrike" kern="1200" dirty="0">
-                <a:solidFill>
-                  <a:schemeClr val="tx1"/>
-                </a:solidFill>
-                <a:effectLst/>
-                <a:latin typeface="+mn-lt"/>
-                <a:ea typeface="+mn-ea"/>
-                <a:cs typeface="+mn-cs"/>
-              </a:rPr>
-              <a:t>.</a:t>
-            </a:r>
-          </a:p>
-          <a:p>
-            <a:pPr marL="0" marR="0" lvl="0" indent="0" algn="l" defTabSz="914400" rtl="0" eaLnBrk="1" fontAlgn="auto" latinLnBrk="0" hangingPunct="1">
-              <a:lnSpc>
-                <a:spcPct val="100000"/>
-              </a:lnSpc>
-              <a:spcBef>
-                <a:spcPts val="0"/>
-              </a:spcBef>
-              <a:spcAft>
-                <a:spcPts val="0"/>
-              </a:spcAft>
-              <a:buClrTx/>
-              <a:buSzTx/>
-              <a:buFontTx/>
-              <a:buNone/>
-              <a:tabLst/>
-              <a:defRPr/>
-            </a:pPr>
-            <a:r>
-              <a:rPr lang="ko-KR" altLang="en-US" sz="1200" b="0" i="0" u="none" strike="noStrike" kern="1200" dirty="0">
-                <a:solidFill>
-                  <a:schemeClr val="tx1"/>
-                </a:solidFill>
-                <a:effectLst/>
-                <a:latin typeface="+mn-lt"/>
-                <a:ea typeface="+mn-ea"/>
-                <a:cs typeface="+mn-cs"/>
-              </a:rPr>
-              <a:t>중간에 </a:t>
-            </a:r>
-            <a:r>
-              <a:rPr lang="en-US" sz="1200" b="0" i="0" u="none" strike="noStrike" kern="1200" dirty="0">
-                <a:solidFill>
-                  <a:schemeClr val="tx1"/>
-                </a:solidFill>
-                <a:effectLst/>
-                <a:latin typeface="+mn-lt"/>
-                <a:ea typeface="+mn-ea"/>
-                <a:cs typeface="+mn-cs"/>
-              </a:rPr>
-              <a:t>Scaled Dot-Product Attention</a:t>
-            </a:r>
-            <a:r>
-              <a:rPr lang="ko-KR" altLang="en-US" sz="1200" b="0" i="0" u="none" strike="noStrike" kern="1200" dirty="0">
-                <a:solidFill>
-                  <a:schemeClr val="tx1"/>
-                </a:solidFill>
-                <a:effectLst/>
-                <a:latin typeface="+mn-lt"/>
-                <a:ea typeface="+mn-ea"/>
-                <a:cs typeface="+mn-cs"/>
-              </a:rPr>
-              <a:t>이 사용되는데</a:t>
-            </a:r>
-            <a:r>
-              <a:rPr lang="en-US" altLang="ko-KR" sz="1200" b="0" i="0" u="none" strike="noStrike" kern="1200" dirty="0">
-                <a:solidFill>
-                  <a:schemeClr val="tx1"/>
-                </a:solidFill>
-                <a:effectLst/>
-                <a:latin typeface="+mn-lt"/>
-                <a:ea typeface="+mn-ea"/>
-                <a:cs typeface="+mn-cs"/>
-              </a:rPr>
-              <a:t>, </a:t>
-            </a:r>
-            <a:r>
-              <a:rPr lang="ko-KR" altLang="en-US" sz="1200" b="0" i="0" u="none" strike="noStrike" kern="1200" dirty="0">
-                <a:solidFill>
-                  <a:schemeClr val="tx1"/>
-                </a:solidFill>
-                <a:effectLst/>
-                <a:latin typeface="+mn-lt"/>
-                <a:ea typeface="+mn-ea"/>
-                <a:cs typeface="+mn-cs"/>
-              </a:rPr>
-              <a:t>이건 왼쪽 그림처럼 구성</a:t>
-            </a:r>
-            <a:r>
-              <a:rPr lang="en-US" altLang="ko-KR" sz="1200" b="0" i="0" u="none" strike="noStrike" kern="1200" dirty="0">
-                <a:solidFill>
-                  <a:schemeClr val="tx1"/>
-                </a:solidFill>
-                <a:effectLst/>
-                <a:latin typeface="+mn-lt"/>
-                <a:ea typeface="+mn-ea"/>
-                <a:cs typeface="+mn-cs"/>
-              </a:rPr>
-              <a:t>.</a:t>
-            </a:r>
-          </a:p>
-          <a:p>
-            <a:pPr marL="0" marR="0" lvl="0" indent="0" algn="l" defTabSz="914400" rtl="0" eaLnBrk="1" fontAlgn="auto" latinLnBrk="0" hangingPunct="1">
-              <a:lnSpc>
-                <a:spcPct val="100000"/>
-              </a:lnSpc>
-              <a:spcBef>
-                <a:spcPts val="0"/>
-              </a:spcBef>
-              <a:spcAft>
-                <a:spcPts val="0"/>
-              </a:spcAft>
-              <a:buClrTx/>
-              <a:buSzTx/>
-              <a:buFontTx/>
-              <a:buNone/>
-              <a:tabLst/>
-              <a:defRPr/>
-            </a:pPr>
-            <a:endParaRPr lang="en-US" altLang="ko-KR" sz="1200" b="0" i="0" kern="1200" dirty="0">
-              <a:solidFill>
-                <a:schemeClr val="tx1"/>
-              </a:solidFill>
-              <a:effectLst/>
-              <a:latin typeface="+mn-lt"/>
-              <a:ea typeface="+mn-ea"/>
-              <a:cs typeface="+mn-cs"/>
-            </a:endParaRPr>
-          </a:p>
-          <a:p>
-            <a:pPr marL="0" marR="0" lvl="0" indent="0" algn="l" defTabSz="914400" rtl="0" eaLnBrk="1" fontAlgn="auto" latinLnBrk="0" hangingPunct="1">
-              <a:lnSpc>
-                <a:spcPct val="100000"/>
-              </a:lnSpc>
-              <a:spcBef>
-                <a:spcPts val="0"/>
-              </a:spcBef>
-              <a:spcAft>
-                <a:spcPts val="0"/>
-              </a:spcAft>
-              <a:buClrTx/>
-              <a:buSzTx/>
-              <a:buFontTx/>
-              <a:buNone/>
-              <a:tabLst/>
-              <a:defRPr/>
-            </a:pPr>
-            <a:r>
-              <a:rPr lang="ko-KR" altLang="en-US" sz="1200" b="0" i="0" kern="1200" dirty="0" err="1">
-                <a:solidFill>
-                  <a:schemeClr val="tx1"/>
-                </a:solidFill>
-                <a:effectLst/>
-                <a:latin typeface="+mn-lt"/>
-                <a:ea typeface="+mn-ea"/>
-                <a:cs typeface="+mn-cs"/>
-              </a:rPr>
-              <a:t>어텐션</a:t>
-            </a:r>
-            <a:r>
-              <a:rPr lang="ko-KR" altLang="en-US" sz="1200" b="0" i="0" kern="1200" dirty="0">
-                <a:solidFill>
-                  <a:schemeClr val="tx1"/>
-                </a:solidFill>
-                <a:effectLst/>
-                <a:latin typeface="+mn-lt"/>
-                <a:ea typeface="+mn-ea"/>
-                <a:cs typeface="+mn-cs"/>
-              </a:rPr>
-              <a:t> 세가지 </a:t>
-            </a:r>
-            <a:r>
-              <a:rPr lang="ko-KR" altLang="en-US" sz="1200" b="0" i="0" kern="1200" dirty="0" err="1">
-                <a:solidFill>
-                  <a:schemeClr val="tx1"/>
-                </a:solidFill>
-                <a:effectLst/>
-                <a:latin typeface="+mn-lt"/>
-                <a:ea typeface="+mn-ea"/>
-                <a:cs typeface="+mn-cs"/>
-              </a:rPr>
-              <a:t>입력값</a:t>
-            </a:r>
-            <a:endParaRPr lang="en-US" altLang="ko-KR" sz="1200" b="0" i="0" kern="1200" dirty="0">
-              <a:solidFill>
-                <a:schemeClr val="tx1"/>
-              </a:solidFill>
-              <a:effectLst/>
-              <a:latin typeface="+mn-lt"/>
-              <a:ea typeface="+mn-ea"/>
-              <a:cs typeface="+mn-cs"/>
-            </a:endParaRPr>
-          </a:p>
-          <a:p>
-            <a:r>
-              <a:rPr lang="ko-KR" altLang="en-US" sz="1200" b="0" i="0" u="none" strike="noStrike" kern="1200" dirty="0">
-                <a:solidFill>
-                  <a:schemeClr val="tx1"/>
-                </a:solidFill>
-                <a:effectLst/>
-                <a:latin typeface="+mn-lt"/>
-                <a:ea typeface="+mn-ea"/>
-                <a:cs typeface="+mn-cs"/>
-              </a:rPr>
-              <a:t>쿼리</a:t>
-            </a:r>
-            <a:r>
-              <a:rPr lang="en-US" altLang="ko-KR" sz="1200" b="0" i="0" u="none" strike="noStrike" kern="1200" dirty="0">
-                <a:solidFill>
-                  <a:schemeClr val="tx1"/>
-                </a:solidFill>
-                <a:effectLst/>
-                <a:latin typeface="+mn-lt"/>
-                <a:ea typeface="+mn-ea"/>
-                <a:cs typeface="+mn-cs"/>
-              </a:rPr>
-              <a:t>(</a:t>
-            </a:r>
-            <a:r>
-              <a:rPr lang="en-US" sz="1200" b="0" i="0" u="none" strike="noStrike" kern="1200" dirty="0">
-                <a:solidFill>
-                  <a:schemeClr val="tx1"/>
-                </a:solidFill>
-                <a:effectLst/>
-                <a:latin typeface="+mn-lt"/>
-                <a:ea typeface="+mn-ea"/>
-                <a:cs typeface="+mn-cs"/>
-              </a:rPr>
-              <a:t>Query) : </a:t>
-            </a:r>
-            <a:r>
-              <a:rPr lang="ko-KR" altLang="en-US" sz="1200" b="0" i="0" u="none" strike="noStrike" kern="1200" dirty="0">
-                <a:solidFill>
-                  <a:schemeClr val="tx1"/>
-                </a:solidFill>
-                <a:effectLst/>
-                <a:latin typeface="+mn-lt"/>
-                <a:ea typeface="+mn-ea"/>
-                <a:cs typeface="+mn-cs"/>
-              </a:rPr>
-              <a:t>무언가를 물어보는 주체</a:t>
-            </a:r>
-            <a:r>
-              <a:rPr lang="en-US" altLang="ko-KR" sz="1200" b="0" i="0" u="none" strike="noStrike" kern="1200" dirty="0">
-                <a:solidFill>
-                  <a:schemeClr val="tx1"/>
-                </a:solidFill>
-                <a:effectLst/>
-                <a:latin typeface="+mn-lt"/>
-                <a:ea typeface="+mn-ea"/>
-                <a:cs typeface="+mn-cs"/>
-              </a:rPr>
-              <a:t>. </a:t>
-            </a:r>
-          </a:p>
-          <a:p>
-            <a:r>
-              <a:rPr lang="ko-KR" altLang="en-US" sz="1200" b="0" i="0" u="none" strike="noStrike" kern="1200" dirty="0">
-                <a:solidFill>
-                  <a:schemeClr val="tx1"/>
-                </a:solidFill>
-                <a:effectLst/>
-                <a:latin typeface="+mn-lt"/>
-                <a:ea typeface="+mn-ea"/>
-                <a:cs typeface="+mn-cs"/>
-              </a:rPr>
-              <a:t>키</a:t>
-            </a:r>
-            <a:r>
-              <a:rPr lang="en-US" altLang="ko-KR" sz="1200" b="0" i="0" u="none" strike="noStrike" kern="1200" dirty="0">
-                <a:solidFill>
-                  <a:schemeClr val="tx1"/>
-                </a:solidFill>
-                <a:effectLst/>
-                <a:latin typeface="+mn-lt"/>
-                <a:ea typeface="+mn-ea"/>
-                <a:cs typeface="+mn-cs"/>
-              </a:rPr>
-              <a:t>(</a:t>
-            </a:r>
-            <a:r>
-              <a:rPr lang="en-US" sz="1200" b="0" i="0" u="none" strike="noStrike" kern="1200" dirty="0">
-                <a:solidFill>
-                  <a:schemeClr val="tx1"/>
-                </a:solidFill>
-                <a:effectLst/>
-                <a:latin typeface="+mn-lt"/>
-                <a:ea typeface="+mn-ea"/>
-                <a:cs typeface="+mn-cs"/>
-              </a:rPr>
-              <a:t>Key) : </a:t>
-            </a:r>
-            <a:r>
-              <a:rPr lang="ko-KR" altLang="en-US" sz="1200" b="0" i="0" u="none" strike="noStrike" kern="1200" dirty="0">
-                <a:solidFill>
-                  <a:schemeClr val="tx1"/>
-                </a:solidFill>
-                <a:effectLst/>
-                <a:latin typeface="+mn-lt"/>
-                <a:ea typeface="+mn-ea"/>
-                <a:cs typeface="+mn-cs"/>
-              </a:rPr>
-              <a:t>물어보는 대상</a:t>
-            </a:r>
-            <a:r>
-              <a:rPr lang="en-US" altLang="ko-KR" sz="1200" b="0" i="0" u="none" strike="noStrike" kern="1200" dirty="0">
-                <a:solidFill>
-                  <a:schemeClr val="tx1"/>
-                </a:solidFill>
-                <a:effectLst/>
-                <a:latin typeface="+mn-lt"/>
-                <a:ea typeface="+mn-ea"/>
-                <a:cs typeface="+mn-cs"/>
-              </a:rPr>
-              <a:t>.</a:t>
-            </a:r>
-          </a:p>
-          <a:p>
-            <a:pPr marL="0" marR="0" lvl="0" indent="0" algn="l" defTabSz="914400" rtl="0" eaLnBrk="1" fontAlgn="auto" latinLnBrk="0" hangingPunct="1">
-              <a:lnSpc>
-                <a:spcPct val="100000"/>
-              </a:lnSpc>
-              <a:spcBef>
-                <a:spcPts val="0"/>
-              </a:spcBef>
-              <a:spcAft>
-                <a:spcPts val="0"/>
-              </a:spcAft>
-              <a:buClrTx/>
-              <a:buSzTx/>
-              <a:buFontTx/>
-              <a:buNone/>
-              <a:tabLst/>
-              <a:defRPr/>
-            </a:pPr>
-            <a:r>
-              <a:rPr lang="ko-KR" altLang="en-US" sz="1200" b="0" i="0" kern="1200" dirty="0" err="1">
-                <a:solidFill>
-                  <a:schemeClr val="tx1"/>
-                </a:solidFill>
-                <a:effectLst/>
-                <a:latin typeface="+mn-lt"/>
-                <a:ea typeface="+mn-ea"/>
-                <a:cs typeface="+mn-cs"/>
-              </a:rPr>
-              <a:t>벨류</a:t>
-            </a:r>
-            <a:r>
-              <a:rPr lang="ko-KR" altLang="en-US" sz="1200" b="0" i="0" kern="1200" dirty="0">
-                <a:solidFill>
-                  <a:schemeClr val="tx1"/>
-                </a:solidFill>
-                <a:effectLst/>
-                <a:latin typeface="+mn-lt"/>
-                <a:ea typeface="+mn-ea"/>
-                <a:cs typeface="+mn-cs"/>
-              </a:rPr>
-              <a:t> </a:t>
-            </a:r>
-            <a:r>
-              <a:rPr lang="en-US" altLang="ko-KR" sz="1200" b="0" i="0" kern="1200" dirty="0">
-                <a:solidFill>
-                  <a:schemeClr val="tx1"/>
-                </a:solidFill>
-                <a:effectLst/>
-                <a:latin typeface="+mn-lt"/>
-                <a:ea typeface="+mn-ea"/>
-                <a:cs typeface="+mn-cs"/>
-              </a:rPr>
-              <a:t>: </a:t>
-            </a:r>
-            <a:r>
-              <a:rPr lang="ko-KR" altLang="en-US" sz="1200" b="0" i="0" kern="1200" dirty="0">
-                <a:solidFill>
-                  <a:schemeClr val="tx1"/>
-                </a:solidFill>
-                <a:effectLst/>
-                <a:latin typeface="+mn-lt"/>
-                <a:ea typeface="+mn-ea"/>
-                <a:cs typeface="+mn-cs"/>
-              </a:rPr>
-              <a:t>쿼리</a:t>
-            </a:r>
-            <a:r>
-              <a:rPr lang="en-US" altLang="ko-KR" sz="1200" b="0" i="0" kern="1200" dirty="0">
-                <a:solidFill>
-                  <a:schemeClr val="tx1"/>
-                </a:solidFill>
-                <a:effectLst/>
-                <a:latin typeface="+mn-lt"/>
-                <a:ea typeface="+mn-ea"/>
-                <a:cs typeface="+mn-cs"/>
-              </a:rPr>
-              <a:t>, </a:t>
-            </a:r>
-            <a:r>
-              <a:rPr lang="ko-KR" altLang="en-US" sz="1200" b="0" i="0" kern="1200" dirty="0">
-                <a:solidFill>
-                  <a:schemeClr val="tx1"/>
-                </a:solidFill>
-                <a:effectLst/>
-                <a:latin typeface="+mn-lt"/>
-                <a:ea typeface="+mn-ea"/>
-                <a:cs typeface="+mn-cs"/>
-              </a:rPr>
-              <a:t>키 간의 가중치</a:t>
-            </a:r>
-            <a:endParaRPr lang="en-US" altLang="ko-KR" sz="1200" b="0" i="0" kern="1200" dirty="0">
-              <a:solidFill>
-                <a:schemeClr val="tx1"/>
-              </a:solidFill>
-              <a:effectLst/>
-              <a:latin typeface="+mn-lt"/>
-              <a:ea typeface="+mn-ea"/>
-              <a:cs typeface="+mn-cs"/>
-            </a:endParaRPr>
-          </a:p>
-          <a:p>
-            <a:pPr marL="0" marR="0" lvl="0" indent="0" algn="l" defTabSz="914400" rtl="0" eaLnBrk="1" fontAlgn="auto" latinLnBrk="0" hangingPunct="1">
-              <a:lnSpc>
-                <a:spcPct val="100000"/>
-              </a:lnSpc>
-              <a:spcBef>
-                <a:spcPts val="0"/>
-              </a:spcBef>
-              <a:spcAft>
-                <a:spcPts val="0"/>
-              </a:spcAft>
-              <a:buClrTx/>
-              <a:buSzTx/>
-              <a:buFontTx/>
-              <a:buNone/>
-              <a:tabLst/>
-              <a:defRPr/>
-            </a:pPr>
-            <a:endParaRPr lang="en-US" altLang="ko-KR" sz="1200" b="0" i="0" kern="1200" dirty="0">
-              <a:solidFill>
-                <a:schemeClr val="tx1"/>
-              </a:solidFill>
-              <a:effectLst/>
-              <a:latin typeface="+mn-lt"/>
-              <a:ea typeface="+mn-ea"/>
-              <a:cs typeface="+mn-cs"/>
-            </a:endParaRPr>
-          </a:p>
-          <a:p>
-            <a:pPr marL="0" marR="0" lvl="0" indent="0" algn="l" defTabSz="914400" rtl="0" eaLnBrk="1" fontAlgn="auto" latinLnBrk="0" hangingPunct="1">
-              <a:lnSpc>
-                <a:spcPct val="100000"/>
-              </a:lnSpc>
-              <a:spcBef>
-                <a:spcPts val="0"/>
-              </a:spcBef>
-              <a:spcAft>
-                <a:spcPts val="0"/>
-              </a:spcAft>
-              <a:buClrTx/>
-              <a:buSzTx/>
-              <a:buFontTx/>
-              <a:buNone/>
-              <a:tabLst/>
-              <a:defRPr/>
-            </a:pPr>
-            <a:r>
-              <a:rPr lang="en-US" sz="1200" b="0" i="0" u="none" strike="noStrike" kern="1200" dirty="0">
-                <a:solidFill>
-                  <a:schemeClr val="tx1"/>
-                </a:solidFill>
-                <a:effectLst/>
-                <a:latin typeface="+mn-lt"/>
-                <a:ea typeface="+mn-ea"/>
-                <a:cs typeface="+mn-cs"/>
-              </a:rPr>
-              <a:t>"</a:t>
-            </a:r>
-            <a:r>
-              <a:rPr lang="en-US" sz="1200" b="0" i="0" u="none" strike="noStrike" kern="1200" dirty="0" err="1">
-                <a:solidFill>
-                  <a:schemeClr val="tx1"/>
-                </a:solidFill>
-                <a:effectLst/>
-                <a:latin typeface="+mn-lt"/>
-                <a:ea typeface="+mn-ea"/>
-                <a:cs typeface="+mn-cs"/>
-              </a:rPr>
-              <a:t>i</a:t>
-            </a:r>
-            <a:r>
-              <a:rPr lang="en-US" sz="1200" b="0" i="0" u="none" strike="noStrike" kern="1200" dirty="0">
-                <a:solidFill>
-                  <a:schemeClr val="tx1"/>
-                </a:solidFill>
-                <a:effectLst/>
-                <a:latin typeface="+mn-lt"/>
-                <a:ea typeface="+mn-ea"/>
-                <a:cs typeface="+mn-cs"/>
-              </a:rPr>
-              <a:t> am student” </a:t>
-            </a:r>
-          </a:p>
-          <a:p>
-            <a:pPr marL="0" marR="0" lvl="0" indent="0" algn="l" defTabSz="914400" rtl="0" eaLnBrk="1" fontAlgn="auto" latinLnBrk="0" hangingPunct="1">
-              <a:lnSpc>
-                <a:spcPct val="100000"/>
-              </a:lnSpc>
-              <a:spcBef>
-                <a:spcPts val="0"/>
-              </a:spcBef>
-              <a:spcAft>
-                <a:spcPts val="0"/>
-              </a:spcAft>
-              <a:buClrTx/>
-              <a:buSzTx/>
-              <a:buFontTx/>
-              <a:buNone/>
-              <a:tabLst/>
-              <a:defRPr/>
-            </a:pPr>
-            <a:r>
-              <a:rPr lang="en-US" sz="1200" b="0" i="0" u="none" strike="noStrike" kern="1200" dirty="0">
-                <a:solidFill>
-                  <a:schemeClr val="tx1"/>
-                </a:solidFill>
-                <a:effectLst/>
-                <a:latin typeface="+mn-lt"/>
-                <a:ea typeface="+mn-ea"/>
-                <a:cs typeface="+mn-cs"/>
-              </a:rPr>
-              <a:t>I </a:t>
-            </a:r>
-            <a:r>
-              <a:rPr lang="ko-KR" altLang="en-US" sz="1200" b="0" i="0" u="none" strike="noStrike" kern="1200" dirty="0">
-                <a:solidFill>
-                  <a:schemeClr val="tx1"/>
-                </a:solidFill>
-                <a:effectLst/>
-                <a:latin typeface="+mn-lt"/>
-                <a:ea typeface="+mn-ea"/>
-                <a:cs typeface="+mn-cs"/>
-              </a:rPr>
-              <a:t>가 </a:t>
-            </a:r>
-            <a:r>
-              <a:rPr lang="en-US" sz="1200" b="0" i="0" u="none" strike="noStrike" kern="1200" dirty="0">
-                <a:solidFill>
-                  <a:schemeClr val="tx1"/>
-                </a:solidFill>
-                <a:effectLst/>
-                <a:latin typeface="+mn-lt"/>
-                <a:ea typeface="+mn-ea"/>
-                <a:cs typeface="+mn-cs"/>
-              </a:rPr>
-              <a:t>self attention</a:t>
-            </a:r>
-            <a:r>
-              <a:rPr lang="ko-KR" altLang="en-US" sz="1200" b="0" i="0" u="none" strike="noStrike" kern="1200" dirty="0">
-                <a:solidFill>
-                  <a:schemeClr val="tx1"/>
-                </a:solidFill>
-                <a:effectLst/>
-                <a:latin typeface="+mn-lt"/>
-                <a:ea typeface="+mn-ea"/>
-                <a:cs typeface="+mn-cs"/>
-              </a:rPr>
-              <a:t>을 수행하여 각각 단어와의 연관성을 구한다고 치면</a:t>
-            </a:r>
-            <a:endParaRPr lang="en-US" altLang="ko-KR" sz="1200" b="0" i="0" u="none" strike="noStrike" kern="1200" dirty="0">
-              <a:solidFill>
-                <a:schemeClr val="tx1"/>
-              </a:solidFill>
-              <a:effectLst/>
-              <a:latin typeface="+mn-lt"/>
-              <a:ea typeface="+mn-ea"/>
-              <a:cs typeface="+mn-cs"/>
-            </a:endParaRPr>
-          </a:p>
-          <a:p>
-            <a:pPr marL="0" marR="0" lvl="0" indent="0" algn="l" defTabSz="914400" rtl="0" eaLnBrk="1" fontAlgn="auto" latinLnBrk="0" hangingPunct="1">
-              <a:lnSpc>
-                <a:spcPct val="100000"/>
-              </a:lnSpc>
-              <a:spcBef>
-                <a:spcPts val="0"/>
-              </a:spcBef>
-              <a:spcAft>
-                <a:spcPts val="0"/>
-              </a:spcAft>
-              <a:buClrTx/>
-              <a:buSzTx/>
-              <a:buFontTx/>
-              <a:buNone/>
-              <a:tabLst/>
-              <a:defRPr/>
-            </a:pPr>
-            <a:r>
-              <a:rPr lang="en-US" altLang="ko-KR" sz="1200" b="0" i="0" u="none" strike="noStrike" kern="1200" dirty="0">
-                <a:solidFill>
-                  <a:schemeClr val="tx1"/>
-                </a:solidFill>
-                <a:effectLst/>
-                <a:latin typeface="+mn-lt"/>
-                <a:ea typeface="+mn-ea"/>
-                <a:cs typeface="+mn-cs"/>
-              </a:rPr>
-              <a:t>I : </a:t>
-            </a:r>
-            <a:r>
-              <a:rPr lang="ko-KR" altLang="en-US" sz="1200" b="0" i="0" u="none" strike="noStrike" kern="1200" dirty="0">
-                <a:solidFill>
-                  <a:schemeClr val="tx1"/>
-                </a:solidFill>
-                <a:effectLst/>
-                <a:latin typeface="+mn-lt"/>
-                <a:ea typeface="+mn-ea"/>
-                <a:cs typeface="+mn-cs"/>
-              </a:rPr>
-              <a:t>쿼리</a:t>
-            </a:r>
-            <a:r>
-              <a:rPr lang="en-US" altLang="ko-KR" sz="1200" b="0" i="0" u="none" strike="noStrike" kern="1200" dirty="0">
-                <a:solidFill>
-                  <a:schemeClr val="tx1"/>
-                </a:solidFill>
-                <a:effectLst/>
-                <a:latin typeface="+mn-lt"/>
-                <a:ea typeface="+mn-ea"/>
-                <a:cs typeface="+mn-cs"/>
-              </a:rPr>
-              <a:t>, </a:t>
-            </a:r>
-            <a:r>
-              <a:rPr lang="ko-KR" altLang="en-US" sz="1200" b="0" i="0" u="none" strike="noStrike" kern="1200" dirty="0">
-                <a:solidFill>
-                  <a:schemeClr val="tx1"/>
-                </a:solidFill>
-                <a:effectLst/>
-                <a:latin typeface="+mn-lt"/>
-                <a:ea typeface="+mn-ea"/>
-                <a:cs typeface="+mn-cs"/>
-              </a:rPr>
-              <a:t>각 단어</a:t>
-            </a:r>
-            <a:r>
-              <a:rPr lang="en-US" altLang="ko-KR" sz="1200" b="0" i="0" u="none" strike="noStrike" kern="1200" dirty="0">
-                <a:solidFill>
-                  <a:schemeClr val="tx1"/>
-                </a:solidFill>
-                <a:effectLst/>
-                <a:latin typeface="+mn-lt"/>
-                <a:ea typeface="+mn-ea"/>
-                <a:cs typeface="+mn-cs"/>
-              </a:rPr>
-              <a:t>: key</a:t>
-            </a:r>
-          </a:p>
-          <a:p>
-            <a:pPr marL="0" marR="0" lvl="0" indent="0" algn="l" defTabSz="914400" rtl="0" eaLnBrk="1" fontAlgn="auto" latinLnBrk="0" hangingPunct="1">
-              <a:lnSpc>
-                <a:spcPct val="100000"/>
-              </a:lnSpc>
-              <a:spcBef>
-                <a:spcPts val="0"/>
-              </a:spcBef>
-              <a:spcAft>
-                <a:spcPts val="0"/>
-              </a:spcAft>
-              <a:buClrTx/>
-              <a:buSzTx/>
-              <a:buFontTx/>
-              <a:buNone/>
-              <a:tabLst/>
-              <a:defRPr/>
-            </a:pPr>
-            <a:r>
-              <a:rPr lang="ko-KR" altLang="en-US" sz="1200" b="0" i="0" u="none" strike="noStrike" kern="1200" dirty="0">
-                <a:solidFill>
-                  <a:schemeClr val="tx1"/>
-                </a:solidFill>
-                <a:effectLst/>
-                <a:latin typeface="+mn-lt"/>
-                <a:ea typeface="+mn-ea"/>
-                <a:cs typeface="+mn-cs"/>
-              </a:rPr>
-              <a:t>각 단어에 대한 </a:t>
-            </a:r>
-            <a:r>
-              <a:rPr lang="ko-KR" altLang="en-US" sz="1200" b="0" i="0" u="none" strike="noStrike" kern="1200" dirty="0" err="1">
-                <a:solidFill>
-                  <a:schemeClr val="tx1"/>
-                </a:solidFill>
-                <a:effectLst/>
-                <a:latin typeface="+mn-lt"/>
-                <a:ea typeface="+mn-ea"/>
-                <a:cs typeface="+mn-cs"/>
-              </a:rPr>
-              <a:t>가중치값을</a:t>
-            </a:r>
-            <a:r>
-              <a:rPr lang="ko-KR" altLang="en-US" sz="1200" b="0" i="0" u="none" strike="noStrike" kern="1200" dirty="0">
-                <a:solidFill>
-                  <a:schemeClr val="tx1"/>
-                </a:solidFill>
-                <a:effectLst/>
-                <a:latin typeface="+mn-lt"/>
-                <a:ea typeface="+mn-ea"/>
-                <a:cs typeface="+mn-cs"/>
-              </a:rPr>
-              <a:t> 구한다고 치면 각 키에 대해 </a:t>
-            </a:r>
-            <a:r>
-              <a:rPr lang="en-US" sz="1200" b="0" i="0" u="none" strike="noStrike" kern="1200" dirty="0">
-                <a:solidFill>
-                  <a:schemeClr val="tx1"/>
-                </a:solidFill>
-                <a:effectLst/>
-                <a:latin typeface="+mn-lt"/>
-                <a:ea typeface="+mn-ea"/>
-                <a:cs typeface="+mn-cs"/>
-              </a:rPr>
-              <a:t>attention score</a:t>
-            </a:r>
-            <a:r>
-              <a:rPr lang="ko-KR" altLang="en-US" sz="1200" b="0" i="0" u="none" strike="noStrike" kern="1200" dirty="0" err="1">
-                <a:solidFill>
-                  <a:schemeClr val="tx1"/>
-                </a:solidFill>
-                <a:effectLst/>
-                <a:latin typeface="+mn-lt"/>
-                <a:ea typeface="+mn-ea"/>
-                <a:cs typeface="+mn-cs"/>
-              </a:rPr>
-              <a:t>를</a:t>
-            </a:r>
-            <a:r>
-              <a:rPr lang="ko-KR" altLang="en-US" sz="1200" b="0" i="0" u="none" strike="noStrike" kern="1200" dirty="0">
-                <a:solidFill>
-                  <a:schemeClr val="tx1"/>
-                </a:solidFill>
-                <a:effectLst/>
-                <a:latin typeface="+mn-lt"/>
-                <a:ea typeface="+mn-ea"/>
-                <a:cs typeface="+mn-cs"/>
-              </a:rPr>
-              <a:t> 구해 오는 방식으로 동작</a:t>
-            </a:r>
-            <a:endParaRPr lang="en-US" altLang="ko-KR" sz="1200" b="0" i="0" kern="1200" dirty="0">
-              <a:solidFill>
-                <a:schemeClr val="tx1"/>
-              </a:solidFill>
-              <a:effectLst/>
-              <a:latin typeface="+mn-lt"/>
-              <a:ea typeface="+mn-ea"/>
-              <a:cs typeface="+mn-cs"/>
-            </a:endParaRPr>
-          </a:p>
-          <a:p>
-            <a:pPr marL="0" marR="0" lvl="0" indent="0" algn="l" defTabSz="914400" rtl="0" eaLnBrk="1" fontAlgn="auto" latinLnBrk="0" hangingPunct="1">
-              <a:lnSpc>
-                <a:spcPct val="100000"/>
-              </a:lnSpc>
-              <a:spcBef>
-                <a:spcPts val="0"/>
-              </a:spcBef>
-              <a:spcAft>
-                <a:spcPts val="0"/>
-              </a:spcAft>
-              <a:buClrTx/>
-              <a:buSzTx/>
-              <a:buFontTx/>
-              <a:buNone/>
-              <a:tabLst/>
-              <a:defRPr/>
-            </a:pPr>
-            <a:endParaRPr lang="en-US" altLang="ko-KR" sz="1200" b="0" i="0" kern="1200" dirty="0">
-              <a:solidFill>
-                <a:schemeClr val="tx1"/>
-              </a:solidFill>
-              <a:effectLst/>
-              <a:latin typeface="+mn-lt"/>
-              <a:ea typeface="+mn-ea"/>
-              <a:cs typeface="+mn-cs"/>
-            </a:endParaRPr>
-          </a:p>
-          <a:p>
-            <a:pPr marL="0" marR="0" lvl="0" indent="0" algn="l" defTabSz="914400" rtl="0" eaLnBrk="1" fontAlgn="auto" latinLnBrk="0" hangingPunct="1">
-              <a:lnSpc>
-                <a:spcPct val="100000"/>
-              </a:lnSpc>
-              <a:spcBef>
-                <a:spcPts val="0"/>
-              </a:spcBef>
-              <a:spcAft>
-                <a:spcPts val="0"/>
-              </a:spcAft>
-              <a:buClrTx/>
-              <a:buSzTx/>
-              <a:buFontTx/>
-              <a:buNone/>
-              <a:tabLst/>
-              <a:defRPr/>
-            </a:pPr>
-            <a:r>
-              <a:rPr lang="en-US" sz="1200" b="0" i="0" u="none" strike="noStrike" kern="1200" dirty="0" err="1">
-                <a:solidFill>
-                  <a:schemeClr val="tx1"/>
-                </a:solidFill>
-                <a:effectLst/>
-                <a:latin typeface="+mn-lt"/>
-                <a:ea typeface="+mn-ea"/>
-                <a:cs typeface="+mn-cs"/>
-              </a:rPr>
-              <a:t>softmax</a:t>
-            </a:r>
-            <a:r>
-              <a:rPr lang="ko-KR" altLang="en-US" sz="1200" b="0" i="0" u="none" strike="noStrike" kern="1200" dirty="0" err="1">
-                <a:solidFill>
-                  <a:schemeClr val="tx1"/>
-                </a:solidFill>
-                <a:effectLst/>
-                <a:latin typeface="+mn-lt"/>
-                <a:ea typeface="+mn-ea"/>
-                <a:cs typeface="+mn-cs"/>
-              </a:rPr>
-              <a:t>를</a:t>
-            </a:r>
-            <a:r>
-              <a:rPr lang="ko-KR" altLang="en-US" sz="1200" b="0" i="0" u="none" strike="noStrike" kern="1200" dirty="0">
-                <a:solidFill>
-                  <a:schemeClr val="tx1"/>
-                </a:solidFill>
-                <a:effectLst/>
-                <a:latin typeface="+mn-lt"/>
-                <a:ea typeface="+mn-ea"/>
-                <a:cs typeface="+mn-cs"/>
-              </a:rPr>
-              <a:t> 통해 </a:t>
-            </a:r>
-            <a:r>
-              <a:rPr lang="en-US" sz="1200" b="0" i="0" u="none" strike="noStrike" kern="1200" dirty="0">
-                <a:solidFill>
-                  <a:schemeClr val="tx1"/>
-                </a:solidFill>
-                <a:effectLst/>
-                <a:latin typeface="+mn-lt"/>
-                <a:ea typeface="+mn-ea"/>
-                <a:cs typeface="+mn-cs"/>
-              </a:rPr>
-              <a:t>K</a:t>
-            </a:r>
-            <a:r>
-              <a:rPr lang="ko-KR" altLang="en-US" sz="1200" b="0" i="0" u="none" strike="noStrike" kern="1200" dirty="0">
-                <a:solidFill>
-                  <a:schemeClr val="tx1"/>
-                </a:solidFill>
-                <a:effectLst/>
-                <a:latin typeface="+mn-lt"/>
-                <a:ea typeface="+mn-ea"/>
-                <a:cs typeface="+mn-cs"/>
-              </a:rPr>
-              <a:t>중 어떤 단어가 연관성이 높은지 구할 수 있음</a:t>
-            </a:r>
-            <a:r>
-              <a:rPr lang="en-US" altLang="ko-KR" sz="1200" b="0" i="0" u="none" strike="noStrike" kern="1200" dirty="0">
-                <a:solidFill>
-                  <a:schemeClr val="tx1"/>
-                </a:solidFill>
-                <a:effectLst/>
-                <a:latin typeface="+mn-lt"/>
-                <a:ea typeface="+mn-ea"/>
-                <a:cs typeface="+mn-cs"/>
-              </a:rPr>
-              <a:t>.</a:t>
-            </a:r>
-          </a:p>
-          <a:p>
-            <a:pPr marL="0" marR="0" lvl="0" indent="0" algn="l" defTabSz="914400" rtl="0" eaLnBrk="1" fontAlgn="auto" latinLnBrk="0" hangingPunct="1">
-              <a:lnSpc>
-                <a:spcPct val="100000"/>
-              </a:lnSpc>
-              <a:spcBef>
-                <a:spcPts val="0"/>
-              </a:spcBef>
-              <a:spcAft>
-                <a:spcPts val="0"/>
-              </a:spcAft>
-              <a:buClrTx/>
-              <a:buSzTx/>
-              <a:buFontTx/>
-              <a:buNone/>
-              <a:tabLst/>
-              <a:defRPr/>
-            </a:pPr>
-            <a:r>
-              <a:rPr lang="ko-KR" altLang="en-US" sz="1200" b="0" i="0" u="none" strike="noStrike" kern="1200" dirty="0">
-                <a:solidFill>
-                  <a:schemeClr val="tx1"/>
-                </a:solidFill>
-                <a:effectLst/>
-                <a:latin typeface="+mn-lt"/>
-                <a:ea typeface="+mn-ea"/>
-                <a:cs typeface="+mn-cs"/>
-              </a:rPr>
-              <a:t>이런 </a:t>
-            </a:r>
-            <a:r>
-              <a:rPr lang="ko-KR" altLang="en-US" sz="1200" b="0" i="0" u="none" strike="noStrike" kern="1200" dirty="0" err="1">
-                <a:solidFill>
-                  <a:schemeClr val="tx1"/>
-                </a:solidFill>
-                <a:effectLst/>
-                <a:latin typeface="+mn-lt"/>
-                <a:ea typeface="+mn-ea"/>
-                <a:cs typeface="+mn-cs"/>
-              </a:rPr>
-              <a:t>확률값을</a:t>
-            </a:r>
-            <a:r>
-              <a:rPr lang="ko-KR" altLang="en-US" sz="1200" b="0" i="0" u="none" strike="noStrike" kern="1200" dirty="0">
-                <a:solidFill>
-                  <a:schemeClr val="tx1"/>
-                </a:solidFill>
-                <a:effectLst/>
-                <a:latin typeface="+mn-lt"/>
-                <a:ea typeface="+mn-ea"/>
-                <a:cs typeface="+mn-cs"/>
-              </a:rPr>
-              <a:t> </a:t>
-            </a:r>
-            <a:r>
-              <a:rPr lang="en-US" sz="1200" b="0" i="0" u="none" strike="noStrike" kern="1200" dirty="0">
-                <a:solidFill>
-                  <a:schemeClr val="tx1"/>
-                </a:solidFill>
-                <a:effectLst/>
-                <a:latin typeface="+mn-lt"/>
-                <a:ea typeface="+mn-ea"/>
-                <a:cs typeface="+mn-cs"/>
-              </a:rPr>
-              <a:t>value</a:t>
-            </a:r>
-            <a:r>
-              <a:rPr lang="ko-KR" altLang="en-US" sz="1200" b="0" i="0" u="none" strike="noStrike" kern="1200" dirty="0">
-                <a:solidFill>
-                  <a:schemeClr val="tx1"/>
-                </a:solidFill>
-                <a:effectLst/>
-                <a:latin typeface="+mn-lt"/>
-                <a:ea typeface="+mn-ea"/>
-                <a:cs typeface="+mn-cs"/>
-              </a:rPr>
-              <a:t>와 곱해 가중치가 적용된 결과적인 </a:t>
-            </a:r>
-            <a:r>
-              <a:rPr lang="en-US" sz="1200" b="0" i="0" u="none" strike="noStrike" kern="1200" dirty="0">
-                <a:solidFill>
-                  <a:schemeClr val="tx1"/>
-                </a:solidFill>
-                <a:effectLst/>
-                <a:latin typeface="+mn-lt"/>
-                <a:ea typeface="+mn-ea"/>
-                <a:cs typeface="+mn-cs"/>
-              </a:rPr>
-              <a:t>attention value</a:t>
-            </a:r>
-            <a:r>
-              <a:rPr lang="ko-KR" altLang="en-US" sz="1200" b="0" i="0" u="none" strike="noStrike" kern="1200" dirty="0" err="1">
-                <a:solidFill>
-                  <a:schemeClr val="tx1"/>
-                </a:solidFill>
-                <a:effectLst/>
-                <a:latin typeface="+mn-lt"/>
-                <a:ea typeface="+mn-ea"/>
-                <a:cs typeface="+mn-cs"/>
-              </a:rPr>
-              <a:t>를</a:t>
-            </a:r>
-            <a:r>
-              <a:rPr lang="ko-KR" altLang="en-US" sz="1200" b="0" i="0" u="none" strike="noStrike" kern="1200" dirty="0">
-                <a:solidFill>
-                  <a:schemeClr val="tx1"/>
-                </a:solidFill>
-                <a:effectLst/>
-                <a:latin typeface="+mn-lt"/>
-                <a:ea typeface="+mn-ea"/>
-                <a:cs typeface="+mn-cs"/>
-              </a:rPr>
-              <a:t> 구할 수 있는 것</a:t>
-            </a:r>
-            <a:r>
-              <a:rPr lang="en-US" altLang="ko-KR" sz="1200" b="0" i="0" u="none" strike="noStrike" kern="1200" dirty="0">
-                <a:solidFill>
-                  <a:schemeClr val="tx1"/>
-                </a:solidFill>
-                <a:effectLst/>
-                <a:latin typeface="+mn-lt"/>
-                <a:ea typeface="+mn-ea"/>
-                <a:cs typeface="+mn-cs"/>
-              </a:rPr>
-              <a:t>.</a:t>
-            </a:r>
-          </a:p>
-          <a:p>
-            <a:pPr marL="0" marR="0" lvl="0" indent="0" algn="l" defTabSz="914400" rtl="0" eaLnBrk="1" fontAlgn="auto" latinLnBrk="0" hangingPunct="1">
-              <a:lnSpc>
-                <a:spcPct val="100000"/>
-              </a:lnSpc>
-              <a:spcBef>
-                <a:spcPts val="0"/>
-              </a:spcBef>
-              <a:spcAft>
-                <a:spcPts val="0"/>
-              </a:spcAft>
-              <a:buClrTx/>
-              <a:buSzTx/>
-              <a:buFontTx/>
-              <a:buNone/>
-              <a:tabLst/>
-              <a:defRPr/>
-            </a:pPr>
-            <a:r>
-              <a:rPr lang="ko-KR" altLang="en-US" sz="1200" b="0" i="0" u="none" strike="noStrike" kern="1200" dirty="0">
-                <a:solidFill>
-                  <a:schemeClr val="tx1"/>
-                </a:solidFill>
-                <a:effectLst/>
-                <a:latin typeface="+mn-lt"/>
-                <a:ea typeface="+mn-ea"/>
-                <a:cs typeface="+mn-cs"/>
-              </a:rPr>
-              <a:t>이 과정이  </a:t>
-            </a:r>
-            <a:r>
-              <a:rPr lang="en-US" sz="1200" b="0" i="0" u="none" strike="noStrike" kern="1200" dirty="0">
-                <a:solidFill>
-                  <a:schemeClr val="tx1"/>
-                </a:solidFill>
-                <a:effectLst/>
-                <a:latin typeface="+mn-lt"/>
-                <a:ea typeface="+mn-ea"/>
-                <a:cs typeface="+mn-cs"/>
-              </a:rPr>
-              <a:t>scaled Dot-Product Attention</a:t>
-            </a:r>
-          </a:p>
-          <a:p>
-            <a:pPr marL="0" marR="0" lvl="0" indent="0" algn="l" defTabSz="914400" rtl="0" eaLnBrk="1" fontAlgn="auto" latinLnBrk="0" hangingPunct="1">
-              <a:lnSpc>
-                <a:spcPct val="100000"/>
-              </a:lnSpc>
-              <a:spcBef>
-                <a:spcPts val="0"/>
-              </a:spcBef>
-              <a:spcAft>
-                <a:spcPts val="0"/>
-              </a:spcAft>
-              <a:buClrTx/>
-              <a:buSzTx/>
-              <a:buFontTx/>
-              <a:buNone/>
-              <a:tabLst/>
-              <a:defRPr/>
-            </a:pPr>
-            <a:endParaRPr lang="en-US" altLang="ko-KR" sz="1200" b="0" i="0" u="none" strike="noStrike" kern="1200" dirty="0">
-              <a:solidFill>
-                <a:schemeClr val="tx1"/>
-              </a:solidFill>
-              <a:effectLst/>
-              <a:latin typeface="+mn-lt"/>
-              <a:ea typeface="+mn-ea"/>
-              <a:cs typeface="+mn-cs"/>
-            </a:endParaRPr>
-          </a:p>
-          <a:p>
-            <a:pPr marL="0" marR="0" lvl="0" indent="0" algn="l" defTabSz="914400" rtl="0" eaLnBrk="1" fontAlgn="auto" latinLnBrk="0" hangingPunct="1">
-              <a:lnSpc>
-                <a:spcPct val="100000"/>
-              </a:lnSpc>
-              <a:spcBef>
-                <a:spcPts val="0"/>
-              </a:spcBef>
-              <a:spcAft>
-                <a:spcPts val="0"/>
-              </a:spcAft>
-              <a:buClrTx/>
-              <a:buSzTx/>
-              <a:buFontTx/>
-              <a:buNone/>
-              <a:tabLst/>
-              <a:defRPr/>
-            </a:pPr>
-            <a:r>
-              <a:rPr lang="en-US" altLang="ko-KR" sz="1200" b="0" i="0" kern="1200" dirty="0">
-                <a:solidFill>
-                  <a:schemeClr val="tx1"/>
-                </a:solidFill>
-                <a:effectLst/>
-                <a:latin typeface="+mn-lt"/>
-                <a:ea typeface="+mn-ea"/>
-                <a:cs typeface="+mn-cs"/>
-              </a:rPr>
-              <a:t>Multi-head Attention</a:t>
-            </a:r>
-            <a:r>
-              <a:rPr lang="ko-KR" altLang="en-US" sz="1200" b="0" i="0" kern="1200" dirty="0">
-                <a:solidFill>
-                  <a:schemeClr val="tx1"/>
-                </a:solidFill>
-                <a:effectLst/>
-                <a:latin typeface="+mn-lt"/>
-                <a:ea typeface="+mn-ea"/>
-                <a:cs typeface="+mn-cs"/>
-              </a:rPr>
-              <a:t>은 </a:t>
-            </a:r>
-            <a:r>
-              <a:rPr lang="en-US" sz="1200" b="0" i="0" u="none" strike="noStrike" kern="1200" dirty="0">
-                <a:solidFill>
-                  <a:schemeClr val="tx1"/>
-                </a:solidFill>
-                <a:effectLst/>
-                <a:latin typeface="+mn-lt"/>
-                <a:ea typeface="+mn-ea"/>
-                <a:cs typeface="+mn-cs"/>
-              </a:rPr>
-              <a:t>h</a:t>
-            </a:r>
-            <a:r>
-              <a:rPr lang="ko-KR" altLang="en-US" sz="1200" b="0" i="0" u="none" strike="noStrike" kern="1200" dirty="0">
-                <a:solidFill>
-                  <a:schemeClr val="tx1"/>
-                </a:solidFill>
-                <a:effectLst/>
-                <a:latin typeface="+mn-lt"/>
-                <a:ea typeface="+mn-ea"/>
-                <a:cs typeface="+mn-cs"/>
-              </a:rPr>
-              <a:t>개의 서로 다른 </a:t>
-            </a:r>
-            <a:r>
-              <a:rPr lang="en-US" sz="1200" b="0" i="0" u="none" strike="noStrike" kern="1200" dirty="0">
-                <a:solidFill>
-                  <a:schemeClr val="tx1"/>
-                </a:solidFill>
-                <a:effectLst/>
-                <a:latin typeface="+mn-lt"/>
-                <a:ea typeface="+mn-ea"/>
-                <a:cs typeface="+mn-cs"/>
-              </a:rPr>
-              <a:t>attention concept</a:t>
-            </a:r>
-            <a:r>
-              <a:rPr lang="ko-KR" altLang="en-US" sz="1200" b="0" i="0" u="none" strike="noStrike" kern="1200" dirty="0">
-                <a:solidFill>
-                  <a:schemeClr val="tx1"/>
-                </a:solidFill>
-                <a:effectLst/>
-                <a:latin typeface="+mn-lt"/>
-                <a:ea typeface="+mn-ea"/>
-                <a:cs typeface="+mn-cs"/>
-              </a:rPr>
-              <a:t>을 학습하도록 만들어 더욱더 구분된 다양한 특징을 학습할 수 있도록 유도</a:t>
-            </a:r>
-            <a:endParaRPr lang="en-US" altLang="ko-KR" sz="1200" b="0" i="0" u="none" strike="noStrike" kern="1200" dirty="0">
-              <a:solidFill>
-                <a:schemeClr val="tx1"/>
-              </a:solidFill>
-              <a:effectLst/>
-              <a:latin typeface="+mn-lt"/>
-              <a:ea typeface="+mn-ea"/>
-              <a:cs typeface="+mn-cs"/>
-            </a:endParaRPr>
-          </a:p>
-          <a:p>
-            <a:pPr marL="0" marR="0" lvl="0" indent="0" algn="l" defTabSz="914400" rtl="0" eaLnBrk="1" fontAlgn="auto" latinLnBrk="0" hangingPunct="1">
-              <a:lnSpc>
-                <a:spcPct val="100000"/>
-              </a:lnSpc>
-              <a:spcBef>
-                <a:spcPts val="0"/>
-              </a:spcBef>
-              <a:spcAft>
-                <a:spcPts val="0"/>
-              </a:spcAft>
-              <a:buClrTx/>
-              <a:buSzTx/>
-              <a:buFontTx/>
-              <a:buNone/>
-              <a:tabLst/>
-              <a:defRPr/>
-            </a:pPr>
-            <a:r>
-              <a:rPr lang="ko-KR" altLang="en-US" sz="1200" b="0" i="0" u="none" strike="noStrike" kern="1200" dirty="0">
-                <a:solidFill>
-                  <a:schemeClr val="tx1"/>
-                </a:solidFill>
-                <a:effectLst/>
-                <a:latin typeface="+mn-lt"/>
-                <a:ea typeface="+mn-ea"/>
-                <a:cs typeface="+mn-cs"/>
-              </a:rPr>
-              <a:t>입력으로 들어온 </a:t>
-            </a:r>
-            <a:r>
-              <a:rPr lang="en-US" sz="1200" b="0" i="0" u="none" strike="noStrike" kern="1200" dirty="0">
-                <a:solidFill>
-                  <a:schemeClr val="tx1"/>
-                </a:solidFill>
-                <a:effectLst/>
-                <a:latin typeface="+mn-lt"/>
-                <a:ea typeface="+mn-ea"/>
-                <a:cs typeface="+mn-cs"/>
-              </a:rPr>
-              <a:t>V,K,Q </a:t>
-            </a:r>
-            <a:r>
-              <a:rPr lang="ko-KR" altLang="en-US" sz="1200" b="0" i="0" u="none" strike="noStrike" kern="1200" dirty="0">
-                <a:solidFill>
-                  <a:schemeClr val="tx1"/>
-                </a:solidFill>
-                <a:effectLst/>
-                <a:latin typeface="+mn-lt"/>
-                <a:ea typeface="+mn-ea"/>
-                <a:cs typeface="+mn-cs"/>
-              </a:rPr>
-              <a:t>값들은 </a:t>
-            </a:r>
-            <a:r>
-              <a:rPr lang="en-US" sz="1200" b="0" i="0" u="none" strike="noStrike" kern="1200" dirty="0">
-                <a:solidFill>
-                  <a:schemeClr val="tx1"/>
-                </a:solidFill>
-                <a:effectLst/>
-                <a:latin typeface="+mn-lt"/>
-                <a:ea typeface="+mn-ea"/>
-                <a:cs typeface="+mn-cs"/>
-              </a:rPr>
-              <a:t>linear layer, </a:t>
-            </a:r>
-            <a:r>
-              <a:rPr lang="ko-KR" altLang="en-US" sz="1200" b="0" i="0" u="none" strike="noStrike" kern="1200" dirty="0">
-                <a:solidFill>
-                  <a:schemeClr val="tx1"/>
-                </a:solidFill>
-                <a:effectLst/>
-                <a:latin typeface="+mn-lt"/>
-                <a:ea typeface="+mn-ea"/>
-                <a:cs typeface="+mn-cs"/>
-              </a:rPr>
-              <a:t>즉 행렬 곱을 수행해 </a:t>
-            </a:r>
-            <a:r>
-              <a:rPr lang="en-US" sz="1200" b="0" i="0" u="none" strike="noStrike" kern="1200" dirty="0">
-                <a:solidFill>
-                  <a:schemeClr val="tx1"/>
-                </a:solidFill>
-                <a:effectLst/>
-                <a:latin typeface="+mn-lt"/>
-                <a:ea typeface="+mn-ea"/>
-                <a:cs typeface="+mn-cs"/>
-              </a:rPr>
-              <a:t>h</a:t>
-            </a:r>
-            <a:r>
-              <a:rPr lang="ko-KR" altLang="en-US" sz="1200" b="0" i="0" u="none" strike="noStrike" kern="1200" dirty="0">
-                <a:solidFill>
-                  <a:schemeClr val="tx1"/>
-                </a:solidFill>
-                <a:effectLst/>
-                <a:latin typeface="+mn-lt"/>
-                <a:ea typeface="+mn-ea"/>
-                <a:cs typeface="+mn-cs"/>
-              </a:rPr>
-              <a:t>개로 구분된 각각 쿼리 쌍을 만들어내게 되고</a:t>
-            </a:r>
-            <a:r>
-              <a:rPr lang="en-US" altLang="ko-KR" sz="1200" b="0" i="0" u="none" strike="noStrike" kern="1200" dirty="0">
-                <a:solidFill>
-                  <a:schemeClr val="tx1"/>
-                </a:solidFill>
-                <a:effectLst/>
-                <a:latin typeface="+mn-lt"/>
-                <a:ea typeface="+mn-ea"/>
-                <a:cs typeface="+mn-cs"/>
-              </a:rPr>
-              <a:t>, </a:t>
-            </a:r>
-            <a:r>
-              <a:rPr lang="ko-KR" altLang="en-US" sz="1200" b="0" i="0" u="none" strike="noStrike" kern="1200" dirty="0">
-                <a:solidFill>
-                  <a:schemeClr val="tx1"/>
-                </a:solidFill>
-                <a:effectLst/>
-                <a:latin typeface="+mn-lt"/>
-                <a:ea typeface="+mn-ea"/>
-                <a:cs typeface="+mn-cs"/>
-              </a:rPr>
-              <a:t>이때 </a:t>
-            </a:r>
-            <a:r>
-              <a:rPr lang="en-US" sz="1200" b="0" i="0" u="none" strike="noStrike" kern="1200" dirty="0">
-                <a:solidFill>
-                  <a:schemeClr val="tx1"/>
-                </a:solidFill>
-                <a:effectLst/>
-                <a:latin typeface="+mn-lt"/>
-                <a:ea typeface="+mn-ea"/>
-                <a:cs typeface="+mn-cs"/>
-              </a:rPr>
-              <a:t>h</a:t>
-            </a:r>
-            <a:r>
-              <a:rPr lang="ko-KR" altLang="en-US" sz="1200" b="0" i="0" u="none" strike="noStrike" kern="1200" dirty="0">
-                <a:solidFill>
-                  <a:schemeClr val="tx1"/>
-                </a:solidFill>
-                <a:effectLst/>
-                <a:latin typeface="+mn-lt"/>
-                <a:ea typeface="+mn-ea"/>
-                <a:cs typeface="+mn-cs"/>
-              </a:rPr>
-              <a:t>는 </a:t>
-            </a:r>
-            <a:r>
-              <a:rPr lang="en-US" sz="1200" b="0" i="0" u="none" strike="noStrike" kern="1200" dirty="0">
-                <a:solidFill>
-                  <a:schemeClr val="tx1"/>
-                </a:solidFill>
-                <a:effectLst/>
-                <a:latin typeface="+mn-lt"/>
-                <a:ea typeface="+mn-ea"/>
-                <a:cs typeface="+mn-cs"/>
-              </a:rPr>
-              <a:t>head</a:t>
-            </a:r>
-            <a:r>
-              <a:rPr lang="ko-KR" altLang="en-US" sz="1200" b="0" i="0" u="none" strike="noStrike" kern="1200" dirty="0">
-                <a:solidFill>
-                  <a:schemeClr val="tx1"/>
-                </a:solidFill>
-                <a:effectLst/>
-                <a:latin typeface="+mn-lt"/>
-                <a:ea typeface="+mn-ea"/>
-                <a:cs typeface="+mn-cs"/>
-              </a:rPr>
-              <a:t>의 개수로 각각 서로 다른 </a:t>
-            </a:r>
-            <a:r>
-              <a:rPr lang="en-US" sz="1200" b="0" i="0" u="none" strike="noStrike" kern="1200" dirty="0">
-                <a:solidFill>
-                  <a:schemeClr val="tx1"/>
-                </a:solidFill>
-                <a:effectLst/>
-                <a:latin typeface="+mn-lt"/>
-                <a:ea typeface="+mn-ea"/>
-                <a:cs typeface="+mn-cs"/>
-              </a:rPr>
-              <a:t>head</a:t>
-            </a:r>
-            <a:r>
-              <a:rPr lang="ko-KR" altLang="en-US" sz="1200" b="0" i="0" u="none" strike="noStrike" kern="1200" dirty="0">
-                <a:solidFill>
-                  <a:schemeClr val="tx1"/>
-                </a:solidFill>
-                <a:effectLst/>
-                <a:latin typeface="+mn-lt"/>
-                <a:ea typeface="+mn-ea"/>
-                <a:cs typeface="+mn-cs"/>
-              </a:rPr>
-              <a:t>끼리 </a:t>
-            </a:r>
-            <a:r>
-              <a:rPr lang="en-US" sz="1200" b="0" i="0" u="none" strike="noStrike" kern="1200" dirty="0">
-                <a:solidFill>
-                  <a:schemeClr val="tx1"/>
-                </a:solidFill>
-                <a:effectLst/>
-                <a:latin typeface="+mn-lt"/>
-                <a:ea typeface="+mn-ea"/>
-                <a:cs typeface="+mn-cs"/>
-              </a:rPr>
-              <a:t>V,K,Q </a:t>
-            </a:r>
-            <a:r>
-              <a:rPr lang="ko-KR" altLang="en-US" sz="1200" b="0" i="0" u="none" strike="noStrike" kern="1200" dirty="0">
-                <a:solidFill>
-                  <a:schemeClr val="tx1"/>
-                </a:solidFill>
-                <a:effectLst/>
-                <a:latin typeface="+mn-lt"/>
-                <a:ea typeface="+mn-ea"/>
-                <a:cs typeface="+mn-cs"/>
-              </a:rPr>
-              <a:t>쌍을 받아 </a:t>
-            </a:r>
-            <a:r>
-              <a:rPr lang="ko-KR" altLang="en-US" sz="1200" b="0" i="0" u="none" strike="noStrike" kern="1200" dirty="0" err="1">
-                <a:solidFill>
-                  <a:schemeClr val="tx1"/>
-                </a:solidFill>
-                <a:effectLst/>
-                <a:latin typeface="+mn-lt"/>
-                <a:ea typeface="+mn-ea"/>
-                <a:cs typeface="+mn-cs"/>
-              </a:rPr>
-              <a:t>어텐션</a:t>
-            </a:r>
-            <a:r>
-              <a:rPr lang="ko-KR" altLang="en-US" sz="1200" b="0" i="0" u="none" strike="noStrike" kern="1200" dirty="0">
-                <a:solidFill>
-                  <a:schemeClr val="tx1"/>
-                </a:solidFill>
-                <a:effectLst/>
-                <a:latin typeface="+mn-lt"/>
-                <a:ea typeface="+mn-ea"/>
-                <a:cs typeface="+mn-cs"/>
-              </a:rPr>
-              <a:t> 수행해 결과를 내보낸다</a:t>
-            </a:r>
-            <a:r>
-              <a:rPr lang="en-US" altLang="ko-KR" sz="1200" b="0" i="0" u="none" strike="noStrike" kern="1200" dirty="0">
-                <a:solidFill>
-                  <a:schemeClr val="tx1"/>
-                </a:solidFill>
-                <a:effectLst/>
-                <a:latin typeface="+mn-lt"/>
-                <a:ea typeface="+mn-ea"/>
-                <a:cs typeface="+mn-cs"/>
-              </a:rPr>
-              <a:t>.</a:t>
-            </a:r>
-          </a:p>
-          <a:p>
-            <a:pPr marL="0" marR="0" lvl="0" indent="0" algn="l" defTabSz="914400" rtl="0" eaLnBrk="1" fontAlgn="auto" latinLnBrk="0" hangingPunct="1">
-              <a:lnSpc>
-                <a:spcPct val="100000"/>
-              </a:lnSpc>
-              <a:spcBef>
-                <a:spcPts val="0"/>
-              </a:spcBef>
-              <a:spcAft>
-                <a:spcPts val="0"/>
-              </a:spcAft>
-              <a:buClrTx/>
-              <a:buSzTx/>
-              <a:buFontTx/>
-              <a:buNone/>
-              <a:tabLst/>
-              <a:defRPr/>
-            </a:pPr>
-            <a:endParaRPr lang="en-US" altLang="ko-KR" sz="1200" b="0" i="0" u="none" strike="noStrike" kern="1200" dirty="0">
-              <a:solidFill>
-                <a:schemeClr val="tx1"/>
-              </a:solidFill>
-              <a:effectLst/>
-              <a:latin typeface="+mn-lt"/>
-              <a:ea typeface="+mn-ea"/>
-              <a:cs typeface="+mn-cs"/>
-            </a:endParaRPr>
-          </a:p>
-          <a:p>
-            <a:pPr marL="0" marR="0" lvl="0" indent="0" algn="l" defTabSz="914400" rtl="0" eaLnBrk="1" fontAlgn="auto" latinLnBrk="0" hangingPunct="1">
-              <a:lnSpc>
-                <a:spcPct val="100000"/>
-              </a:lnSpc>
-              <a:spcBef>
-                <a:spcPts val="0"/>
-              </a:spcBef>
-              <a:spcAft>
-                <a:spcPts val="0"/>
-              </a:spcAft>
-              <a:buClrTx/>
-              <a:buSzTx/>
-              <a:buFontTx/>
-              <a:buNone/>
-              <a:tabLst/>
-              <a:defRPr/>
-            </a:pPr>
-            <a:r>
-              <a:rPr lang="ko-KR" altLang="en-US" sz="1200" b="0" i="0" u="none" strike="noStrike" kern="1200" dirty="0" err="1">
-                <a:solidFill>
-                  <a:schemeClr val="tx1"/>
-                </a:solidFill>
-                <a:effectLst/>
-                <a:latin typeface="+mn-lt"/>
-                <a:ea typeface="+mn-ea"/>
-                <a:cs typeface="+mn-cs"/>
-              </a:rPr>
-              <a:t>어텐션</a:t>
-            </a:r>
-            <a:r>
-              <a:rPr lang="ko-KR" altLang="en-US" sz="1200" b="0" i="0" u="none" strike="noStrike" kern="1200" dirty="0">
-                <a:solidFill>
-                  <a:schemeClr val="tx1"/>
-                </a:solidFill>
-                <a:effectLst/>
-                <a:latin typeface="+mn-lt"/>
-                <a:ea typeface="+mn-ea"/>
-                <a:cs typeface="+mn-cs"/>
-              </a:rPr>
-              <a:t> 메커니즘의 입력</a:t>
-            </a:r>
-            <a:r>
-              <a:rPr lang="en-US" altLang="ko-KR" sz="1200" b="0" i="0" u="none" strike="noStrike" kern="1200" dirty="0">
-                <a:solidFill>
-                  <a:schemeClr val="tx1"/>
-                </a:solidFill>
-                <a:effectLst/>
-                <a:latin typeface="+mn-lt"/>
-                <a:ea typeface="+mn-ea"/>
-                <a:cs typeface="+mn-cs"/>
-              </a:rPr>
-              <a:t>, </a:t>
-            </a:r>
-            <a:r>
-              <a:rPr lang="ko-KR" altLang="en-US" sz="1200" b="0" i="0" u="none" strike="noStrike" kern="1200" dirty="0">
-                <a:solidFill>
-                  <a:schemeClr val="tx1"/>
-                </a:solidFill>
-                <a:effectLst/>
-                <a:latin typeface="+mn-lt"/>
-                <a:ea typeface="+mn-ea"/>
-                <a:cs typeface="+mn-cs"/>
-              </a:rPr>
-              <a:t>출력 </a:t>
-            </a:r>
-            <a:r>
-              <a:rPr lang="ko-KR" altLang="en-US" sz="1200" b="0" i="0" u="none" strike="noStrike" kern="1200" dirty="0" err="1">
-                <a:solidFill>
-                  <a:schemeClr val="tx1"/>
-                </a:solidFill>
-                <a:effectLst/>
-                <a:latin typeface="+mn-lt"/>
-                <a:ea typeface="+mn-ea"/>
-                <a:cs typeface="+mn-cs"/>
-              </a:rPr>
-              <a:t>디멘션이</a:t>
-            </a:r>
-            <a:r>
-              <a:rPr lang="ko-KR" altLang="en-US" sz="1200" b="0" i="0" u="none" strike="noStrike" kern="1200" dirty="0">
-                <a:solidFill>
-                  <a:schemeClr val="tx1"/>
-                </a:solidFill>
-                <a:effectLst/>
-                <a:latin typeface="+mn-lt"/>
-                <a:ea typeface="+mn-ea"/>
-                <a:cs typeface="+mn-cs"/>
-              </a:rPr>
-              <a:t> </a:t>
-            </a:r>
-            <a:r>
-              <a:rPr lang="ko-KR" altLang="en-US" sz="1200" b="0" i="0" u="none" strike="noStrike" kern="1200" dirty="0" err="1">
-                <a:solidFill>
-                  <a:schemeClr val="tx1"/>
-                </a:solidFill>
-                <a:effectLst/>
-                <a:latin typeface="+mn-lt"/>
-                <a:ea typeface="+mn-ea"/>
-                <a:cs typeface="+mn-cs"/>
-              </a:rPr>
-              <a:t>같아야하기</a:t>
-            </a:r>
-            <a:r>
-              <a:rPr lang="ko-KR" altLang="en-US" sz="1200" b="0" i="0" u="none" strike="noStrike" kern="1200" dirty="0">
-                <a:solidFill>
-                  <a:schemeClr val="tx1"/>
-                </a:solidFill>
-                <a:effectLst/>
-                <a:latin typeface="+mn-lt"/>
-                <a:ea typeface="+mn-ea"/>
-                <a:cs typeface="+mn-cs"/>
-              </a:rPr>
-              <a:t> 때문에 각각 </a:t>
-            </a:r>
-            <a:r>
-              <a:rPr lang="ko-KR" altLang="en-US" sz="1200" b="0" i="0" u="none" strike="noStrike" kern="1200" dirty="0" err="1">
-                <a:solidFill>
-                  <a:schemeClr val="tx1"/>
-                </a:solidFill>
-                <a:effectLst/>
-                <a:latin typeface="+mn-lt"/>
-                <a:ea typeface="+mn-ea"/>
-                <a:cs typeface="+mn-cs"/>
-              </a:rPr>
-              <a:t>헤드로부터</a:t>
-            </a:r>
-            <a:r>
-              <a:rPr lang="ko-KR" altLang="en-US" sz="1200" b="0" i="0" u="none" strike="noStrike" kern="1200" dirty="0">
-                <a:solidFill>
-                  <a:schemeClr val="tx1"/>
-                </a:solidFill>
-                <a:effectLst/>
-                <a:latin typeface="+mn-lt"/>
-                <a:ea typeface="+mn-ea"/>
-                <a:cs typeface="+mn-cs"/>
-              </a:rPr>
-              <a:t> 나온 </a:t>
-            </a:r>
-            <a:r>
-              <a:rPr lang="ko-KR" altLang="en-US" sz="1200" b="0" i="0" u="none" strike="noStrike" kern="1200" dirty="0" err="1">
-                <a:solidFill>
-                  <a:schemeClr val="tx1"/>
-                </a:solidFill>
-                <a:effectLst/>
-                <a:latin typeface="+mn-lt"/>
-                <a:ea typeface="+mn-ea"/>
-                <a:cs typeface="+mn-cs"/>
-              </a:rPr>
-              <a:t>어텐션</a:t>
-            </a:r>
-            <a:r>
-              <a:rPr lang="ko-KR" altLang="en-US" sz="1200" b="0" i="0" u="none" strike="noStrike" kern="1200" dirty="0">
-                <a:solidFill>
-                  <a:schemeClr val="tx1"/>
-                </a:solidFill>
-                <a:effectLst/>
-                <a:latin typeface="+mn-lt"/>
-                <a:ea typeface="+mn-ea"/>
-                <a:cs typeface="+mn-cs"/>
-              </a:rPr>
-              <a:t> 값들을 </a:t>
-            </a:r>
-            <a:r>
-              <a:rPr lang="en-US" sz="1200" b="0" i="0" u="none" strike="noStrike" kern="1200" dirty="0" err="1">
-                <a:solidFill>
-                  <a:schemeClr val="tx1"/>
-                </a:solidFill>
-                <a:effectLst/>
-                <a:latin typeface="+mn-lt"/>
-                <a:ea typeface="+mn-ea"/>
-                <a:cs typeface="+mn-cs"/>
-              </a:rPr>
-              <a:t>concat</a:t>
-            </a:r>
-            <a:r>
-              <a:rPr lang="ko-KR" altLang="en-US" sz="1200" b="0" i="0" u="none" strike="noStrike" kern="1200" dirty="0">
-                <a:solidFill>
-                  <a:schemeClr val="tx1"/>
-                </a:solidFill>
-                <a:effectLst/>
-                <a:latin typeface="+mn-lt"/>
-                <a:ea typeface="+mn-ea"/>
-                <a:cs typeface="+mn-cs"/>
-              </a:rPr>
-              <a:t>해서 붙인 뒤 </a:t>
-            </a:r>
-            <a:r>
-              <a:rPr lang="en-US" sz="1200" b="0" i="0" u="none" strike="noStrike" kern="1200" dirty="0">
-                <a:solidFill>
-                  <a:schemeClr val="tx1"/>
-                </a:solidFill>
-                <a:effectLst/>
-                <a:latin typeface="+mn-lt"/>
-                <a:ea typeface="+mn-ea"/>
-                <a:cs typeface="+mn-cs"/>
-              </a:rPr>
-              <a:t>linear layer</a:t>
-            </a:r>
-            <a:r>
-              <a:rPr lang="ko-KR" altLang="en-US" sz="1200" b="0" i="0" u="none" strike="noStrike" kern="1200" dirty="0" err="1">
-                <a:solidFill>
-                  <a:schemeClr val="tx1"/>
-                </a:solidFill>
-                <a:effectLst/>
-                <a:latin typeface="+mn-lt"/>
-                <a:ea typeface="+mn-ea"/>
-                <a:cs typeface="+mn-cs"/>
-              </a:rPr>
-              <a:t>를</a:t>
-            </a:r>
-            <a:r>
-              <a:rPr lang="ko-KR" altLang="en-US" sz="1200" b="0" i="0" u="none" strike="noStrike" kern="1200" dirty="0">
-                <a:solidFill>
-                  <a:schemeClr val="tx1"/>
-                </a:solidFill>
-                <a:effectLst/>
-                <a:latin typeface="+mn-lt"/>
-                <a:ea typeface="+mn-ea"/>
-                <a:cs typeface="+mn-cs"/>
-              </a:rPr>
-              <a:t> 거쳐 </a:t>
-            </a:r>
-            <a:r>
-              <a:rPr lang="en-US" sz="1200" b="0" i="0" u="none" strike="noStrike" kern="1200" dirty="0">
-                <a:solidFill>
-                  <a:schemeClr val="tx1"/>
-                </a:solidFill>
-                <a:effectLst/>
-                <a:latin typeface="+mn-lt"/>
-                <a:ea typeface="+mn-ea"/>
-                <a:cs typeface="+mn-cs"/>
-              </a:rPr>
-              <a:t>output </a:t>
-            </a:r>
-            <a:r>
-              <a:rPr lang="ko-KR" altLang="en-US" sz="1200" b="0" i="0" u="none" strike="noStrike" kern="1200" dirty="0">
-                <a:solidFill>
-                  <a:schemeClr val="tx1"/>
-                </a:solidFill>
-                <a:effectLst/>
-                <a:latin typeface="+mn-lt"/>
-                <a:ea typeface="+mn-ea"/>
-                <a:cs typeface="+mn-cs"/>
-              </a:rPr>
-              <a:t>값을 내보낸다</a:t>
-            </a:r>
-            <a:r>
-              <a:rPr lang="en-US" altLang="ko-KR" sz="1200" b="0" i="0" u="none" strike="noStrike" kern="1200" dirty="0">
-                <a:solidFill>
-                  <a:schemeClr val="tx1"/>
-                </a:solidFill>
-                <a:effectLst/>
-                <a:latin typeface="+mn-lt"/>
-                <a:ea typeface="+mn-ea"/>
-                <a:cs typeface="+mn-cs"/>
-              </a:rPr>
-              <a:t>.</a:t>
-            </a:r>
-          </a:p>
-          <a:p>
-            <a:pPr marL="0" marR="0" lvl="0" indent="0" algn="l" defTabSz="914400" rtl="0" eaLnBrk="1" fontAlgn="auto" latinLnBrk="0" hangingPunct="1">
-              <a:lnSpc>
-                <a:spcPct val="100000"/>
-              </a:lnSpc>
-              <a:spcBef>
-                <a:spcPts val="0"/>
-              </a:spcBef>
-              <a:spcAft>
-                <a:spcPts val="0"/>
-              </a:spcAft>
-              <a:buClrTx/>
-              <a:buSzTx/>
-              <a:buFontTx/>
-              <a:buNone/>
-              <a:tabLst/>
-              <a:defRPr/>
-            </a:pPr>
-            <a:endParaRPr lang="en-US" altLang="ko-KR" sz="1200" b="0" i="0" u="none" strike="noStrike" kern="1200" dirty="0">
-              <a:solidFill>
-                <a:schemeClr val="tx1"/>
-              </a:solidFill>
-              <a:effectLst/>
-              <a:latin typeface="+mn-lt"/>
-              <a:ea typeface="+mn-ea"/>
-              <a:cs typeface="+mn-cs"/>
-            </a:endParaRPr>
-          </a:p>
-          <a:p>
-            <a:pPr marL="0" marR="0" lvl="0" indent="0" algn="l" defTabSz="914400" rtl="0" eaLnBrk="1" fontAlgn="auto" latinLnBrk="0" hangingPunct="1">
-              <a:lnSpc>
-                <a:spcPct val="100000"/>
-              </a:lnSpc>
-              <a:spcBef>
-                <a:spcPts val="0"/>
-              </a:spcBef>
-              <a:spcAft>
-                <a:spcPts val="0"/>
-              </a:spcAft>
-              <a:buClrTx/>
-              <a:buSzTx/>
-              <a:buFontTx/>
-              <a:buNone/>
-              <a:tabLst/>
-              <a:defRPr/>
-            </a:pPr>
-            <a:r>
-              <a:rPr lang="ko-KR" altLang="en-US" sz="1200" b="0" i="0" u="none" strike="noStrike" kern="1200" dirty="0">
-                <a:solidFill>
-                  <a:schemeClr val="tx1"/>
-                </a:solidFill>
-                <a:effectLst/>
-                <a:latin typeface="+mn-lt"/>
-                <a:ea typeface="+mn-ea"/>
-                <a:cs typeface="+mn-cs"/>
-              </a:rPr>
-              <a:t>인코더 </a:t>
-            </a:r>
-            <a:r>
-              <a:rPr lang="ko-KR" altLang="en-US" sz="1200" b="0" i="0" u="none" strike="noStrike" kern="1200" dirty="0" err="1">
-                <a:solidFill>
-                  <a:schemeClr val="tx1"/>
-                </a:solidFill>
-                <a:effectLst/>
-                <a:latin typeface="+mn-lt"/>
-                <a:ea typeface="+mn-ea"/>
-                <a:cs typeface="+mn-cs"/>
-              </a:rPr>
-              <a:t>디코더에</a:t>
-            </a:r>
-            <a:r>
-              <a:rPr lang="ko-KR" altLang="en-US" sz="1200" b="0" i="0" u="none" strike="noStrike" kern="1200" dirty="0">
-                <a:solidFill>
-                  <a:schemeClr val="tx1"/>
-                </a:solidFill>
-                <a:effectLst/>
-                <a:latin typeface="+mn-lt"/>
-                <a:ea typeface="+mn-ea"/>
-                <a:cs typeface="+mn-cs"/>
-              </a:rPr>
-              <a:t> 사용되는 </a:t>
-            </a:r>
-            <a:r>
-              <a:rPr lang="ko-KR" altLang="en-US" sz="1200" b="0" i="0" u="none" strike="noStrike" kern="1200" dirty="0" err="1">
-                <a:solidFill>
-                  <a:schemeClr val="tx1"/>
-                </a:solidFill>
-                <a:effectLst/>
-                <a:latin typeface="+mn-lt"/>
-                <a:ea typeface="+mn-ea"/>
-                <a:cs typeface="+mn-cs"/>
-              </a:rPr>
-              <a:t>어텐션은</a:t>
-            </a:r>
-            <a:r>
-              <a:rPr lang="ko-KR" altLang="en-US" sz="1200" b="0" i="0" u="none" strike="noStrike" kern="1200" dirty="0">
-                <a:solidFill>
-                  <a:schemeClr val="tx1"/>
-                </a:solidFill>
-                <a:effectLst/>
-                <a:latin typeface="+mn-lt"/>
-                <a:ea typeface="+mn-ea"/>
-                <a:cs typeface="+mn-cs"/>
-              </a:rPr>
-              <a:t> </a:t>
-            </a:r>
-            <a:r>
-              <a:rPr lang="en-US" sz="1200" b="0" i="0" u="none" strike="noStrike" kern="1200" dirty="0" err="1">
-                <a:solidFill>
-                  <a:schemeClr val="tx1"/>
-                </a:solidFill>
-                <a:effectLst/>
-                <a:latin typeface="+mn-lt"/>
-                <a:ea typeface="+mn-ea"/>
-                <a:cs typeface="+mn-cs"/>
-              </a:rPr>
-              <a:t>Key,Value</a:t>
-            </a:r>
-            <a:r>
-              <a:rPr lang="ko-KR" altLang="en-US" sz="1200" b="0" i="0" u="none" strike="noStrike" kern="1200" dirty="0" err="1">
-                <a:solidFill>
-                  <a:schemeClr val="tx1"/>
-                </a:solidFill>
-                <a:effectLst/>
-                <a:latin typeface="+mn-lt"/>
-                <a:ea typeface="+mn-ea"/>
-                <a:cs typeface="+mn-cs"/>
-              </a:rPr>
-              <a:t>를</a:t>
-            </a:r>
-            <a:r>
-              <a:rPr lang="ko-KR" altLang="en-US" sz="1200" b="0" i="0" u="none" strike="noStrike" kern="1200" dirty="0">
-                <a:solidFill>
-                  <a:schemeClr val="tx1"/>
-                </a:solidFill>
-                <a:effectLst/>
-                <a:latin typeface="+mn-lt"/>
-                <a:ea typeface="+mn-ea"/>
-                <a:cs typeface="+mn-cs"/>
-              </a:rPr>
-              <a:t> 인코더의 출력으로 사용하고</a:t>
-            </a:r>
-            <a:r>
-              <a:rPr lang="en-US" altLang="ko-KR" sz="1200" b="0" i="0" u="none" strike="noStrike" kern="1200" dirty="0">
-                <a:solidFill>
-                  <a:schemeClr val="tx1"/>
-                </a:solidFill>
-                <a:effectLst/>
-                <a:latin typeface="+mn-lt"/>
-                <a:ea typeface="+mn-ea"/>
-                <a:cs typeface="+mn-cs"/>
-              </a:rPr>
-              <a:t>, </a:t>
-            </a:r>
-            <a:r>
-              <a:rPr lang="ko-KR" altLang="en-US" sz="1200" b="0" i="0" u="none" strike="noStrike" kern="1200" dirty="0" err="1">
-                <a:solidFill>
-                  <a:schemeClr val="tx1"/>
-                </a:solidFill>
-                <a:effectLst/>
-                <a:latin typeface="+mn-lt"/>
-                <a:ea typeface="+mn-ea"/>
-                <a:cs typeface="+mn-cs"/>
-              </a:rPr>
-              <a:t>디코더에</a:t>
-            </a:r>
-            <a:r>
-              <a:rPr lang="ko-KR" altLang="en-US" sz="1200" b="0" i="0" u="none" strike="noStrike" kern="1200" dirty="0">
-                <a:solidFill>
-                  <a:schemeClr val="tx1"/>
-                </a:solidFill>
-                <a:effectLst/>
-                <a:latin typeface="+mn-lt"/>
-                <a:ea typeface="+mn-ea"/>
-                <a:cs typeface="+mn-cs"/>
-              </a:rPr>
-              <a:t> 있는 단어가 </a:t>
-            </a:r>
-            <a:r>
-              <a:rPr lang="en-US" sz="1200" b="0" i="0" u="none" strike="noStrike" kern="1200" dirty="0">
-                <a:solidFill>
-                  <a:schemeClr val="tx1"/>
-                </a:solidFill>
-                <a:effectLst/>
-                <a:latin typeface="+mn-lt"/>
-                <a:ea typeface="+mn-ea"/>
-                <a:cs typeface="+mn-cs"/>
-              </a:rPr>
-              <a:t>Query</a:t>
-            </a:r>
-            <a:r>
-              <a:rPr lang="ko-KR" altLang="en-US" sz="1200" b="0" i="0" u="none" strike="noStrike" kern="1200" dirty="0">
-                <a:solidFill>
-                  <a:schemeClr val="tx1"/>
-                </a:solidFill>
-                <a:effectLst/>
-                <a:latin typeface="+mn-lt"/>
-                <a:ea typeface="+mn-ea"/>
-                <a:cs typeface="+mn-cs"/>
-              </a:rPr>
-              <a:t>가 된다</a:t>
-            </a:r>
-            <a:r>
-              <a:rPr lang="en-US" altLang="ko-KR" sz="1200" b="0" i="0" u="none" strike="noStrike" kern="1200" dirty="0">
-                <a:solidFill>
-                  <a:schemeClr val="tx1"/>
-                </a:solidFill>
-                <a:effectLst/>
-                <a:latin typeface="+mn-lt"/>
-                <a:ea typeface="+mn-ea"/>
-                <a:cs typeface="+mn-cs"/>
-              </a:rPr>
-              <a:t>.</a:t>
-            </a:r>
             <a:endParaRPr lang="en-US" altLang="ko-KR" sz="1200" b="0" i="0" kern="1200" dirty="0">
               <a:solidFill>
                 <a:schemeClr val="tx1"/>
@@ -10614,719 +4703,6 @@
         <p:txBody>
           <a:bodyPr/>
           <a:lstStyle/>
-          <a:p>
-            <a:pPr marL="0" marR="0" lvl="0" indent="0" algn="l" defTabSz="914400" rtl="0" eaLnBrk="1" fontAlgn="auto" latinLnBrk="0" hangingPunct="1">
-              <a:lnSpc>
-                <a:spcPct val="100000"/>
-              </a:lnSpc>
-              <a:spcBef>
-                <a:spcPts val="0"/>
-              </a:spcBef>
-              <a:spcAft>
-                <a:spcPts val="0"/>
-              </a:spcAft>
-              <a:buClrTx/>
-              <a:buSzTx/>
-              <a:buFontTx/>
-              <a:buNone/>
-              <a:tabLst/>
-              <a:defRPr/>
-            </a:pPr>
-            <a:r>
-              <a:rPr lang="ko-KR" altLang="en-US" sz="1200" b="0" i="0" kern="1200" dirty="0">
-                <a:solidFill>
-                  <a:schemeClr val="tx1"/>
-                </a:solidFill>
-                <a:effectLst/>
-                <a:latin typeface="+mn-lt"/>
-                <a:ea typeface="+mn-ea"/>
-                <a:cs typeface="+mn-cs"/>
-              </a:rPr>
-              <a:t>트랜스포머 동작 원리</a:t>
-            </a:r>
-            <a:endParaRPr lang="en-US" altLang="ko-KR" sz="1200" b="0" i="0" kern="1200" dirty="0">
-              <a:solidFill>
-                <a:schemeClr val="tx1"/>
-              </a:solidFill>
-              <a:effectLst/>
-              <a:latin typeface="+mn-lt"/>
-              <a:ea typeface="+mn-ea"/>
-              <a:cs typeface="+mn-cs"/>
-            </a:endParaRPr>
-          </a:p>
-          <a:p>
-            <a:pPr marL="0" marR="0" lvl="0" indent="0" algn="l" defTabSz="914400" rtl="0" eaLnBrk="1" fontAlgn="auto" latinLnBrk="0" hangingPunct="1">
-              <a:lnSpc>
-                <a:spcPct val="100000"/>
-              </a:lnSpc>
-              <a:spcBef>
-                <a:spcPts val="0"/>
-              </a:spcBef>
-              <a:spcAft>
-                <a:spcPts val="0"/>
-              </a:spcAft>
-              <a:buClrTx/>
-              <a:buSzTx/>
-              <a:buFontTx/>
-              <a:buNone/>
-              <a:tabLst/>
-              <a:defRPr/>
-            </a:pPr>
-            <a:endParaRPr lang="en-US" altLang="ko-KR" sz="1200" b="0" i="0" kern="1200" dirty="0">
-              <a:solidFill>
-                <a:schemeClr val="tx1"/>
-              </a:solidFill>
-              <a:effectLst/>
-              <a:latin typeface="+mn-lt"/>
-              <a:ea typeface="+mn-ea"/>
-              <a:cs typeface="+mn-cs"/>
-            </a:endParaRPr>
-          </a:p>
-          <a:p>
-            <a:pPr marL="0" marR="0" lvl="0" indent="0" algn="l" defTabSz="914400" rtl="0" eaLnBrk="1" fontAlgn="auto" latinLnBrk="0" hangingPunct="1">
-              <a:lnSpc>
-                <a:spcPct val="100000"/>
-              </a:lnSpc>
-              <a:spcBef>
-                <a:spcPts val="0"/>
-              </a:spcBef>
-              <a:spcAft>
-                <a:spcPts val="0"/>
-              </a:spcAft>
-              <a:buClrTx/>
-              <a:buSzTx/>
-              <a:buFontTx/>
-              <a:buNone/>
-              <a:tabLst/>
-              <a:defRPr/>
-            </a:pPr>
-            <a:r>
-              <a:rPr lang="en-US" altLang="ko-KR" sz="1200" b="0" i="0" kern="1200" dirty="0">
-                <a:solidFill>
-                  <a:schemeClr val="tx1"/>
-                </a:solidFill>
-                <a:effectLst/>
-                <a:latin typeface="+mn-lt"/>
-                <a:ea typeface="+mn-ea"/>
-                <a:cs typeface="+mn-cs"/>
-              </a:rPr>
-              <a:t>I love</a:t>
-            </a:r>
-            <a:r>
-              <a:rPr lang="ko-KR" altLang="en-US" sz="1200" b="0" i="0" kern="1200" dirty="0">
-                <a:solidFill>
-                  <a:schemeClr val="tx1"/>
-                </a:solidFill>
-                <a:effectLst/>
-                <a:latin typeface="+mn-lt"/>
-                <a:ea typeface="+mn-ea"/>
-                <a:cs typeface="+mn-cs"/>
-              </a:rPr>
-              <a:t> </a:t>
-            </a:r>
-            <a:r>
-              <a:rPr lang="en-US" altLang="ko-KR" sz="1200" b="0" i="0" kern="1200" dirty="0">
-                <a:solidFill>
-                  <a:schemeClr val="tx1"/>
-                </a:solidFill>
-                <a:effectLst/>
-                <a:latin typeface="+mn-lt"/>
-                <a:ea typeface="+mn-ea"/>
-                <a:cs typeface="+mn-cs"/>
-              </a:rPr>
-              <a:t>you </a:t>
-            </a:r>
-            <a:r>
-              <a:rPr lang="ko-KR" altLang="en-US" sz="1200" b="0" i="0" kern="1200" dirty="0">
-                <a:solidFill>
-                  <a:schemeClr val="tx1"/>
-                </a:solidFill>
-                <a:effectLst/>
-                <a:latin typeface="+mn-lt"/>
-                <a:ea typeface="+mn-ea"/>
-                <a:cs typeface="+mn-cs"/>
-              </a:rPr>
-              <a:t>라는 문장 주어짐</a:t>
-            </a:r>
-            <a:endParaRPr lang="en-US" altLang="ko-KR" sz="1200" b="0" i="0" kern="1200" dirty="0">
-              <a:solidFill>
-                <a:schemeClr val="tx1"/>
-              </a:solidFill>
-              <a:effectLst/>
-              <a:latin typeface="+mn-lt"/>
-              <a:ea typeface="+mn-ea"/>
-              <a:cs typeface="+mn-cs"/>
-            </a:endParaRPr>
-          </a:p>
-          <a:p>
-            <a:pPr marL="0" marR="0" lvl="0" indent="0" algn="l" defTabSz="914400" rtl="0" eaLnBrk="1" fontAlgn="auto" latinLnBrk="0" hangingPunct="1">
-              <a:lnSpc>
-                <a:spcPct val="100000"/>
-              </a:lnSpc>
-              <a:spcBef>
-                <a:spcPts val="0"/>
-              </a:spcBef>
-              <a:spcAft>
-                <a:spcPts val="0"/>
-              </a:spcAft>
-              <a:buClrTx/>
-              <a:buSzTx/>
-              <a:buFontTx/>
-              <a:buNone/>
-              <a:tabLst/>
-              <a:defRPr/>
-            </a:pPr>
-            <a:endParaRPr lang="en-US" altLang="ko-KR" sz="1200" b="0" i="0" kern="1200" dirty="0">
-              <a:solidFill>
-                <a:schemeClr val="tx1"/>
-              </a:solidFill>
-              <a:effectLst/>
-              <a:latin typeface="+mn-lt"/>
-              <a:ea typeface="+mn-ea"/>
-              <a:cs typeface="+mn-cs"/>
-            </a:endParaRPr>
-          </a:p>
-          <a:p>
-            <a:pPr marL="0" marR="0" lvl="0" indent="0" algn="l" defTabSz="914400" rtl="0" eaLnBrk="1" fontAlgn="auto" latinLnBrk="0" hangingPunct="1">
-              <a:lnSpc>
-                <a:spcPct val="100000"/>
-              </a:lnSpc>
-              <a:spcBef>
-                <a:spcPts val="0"/>
-              </a:spcBef>
-              <a:spcAft>
-                <a:spcPts val="0"/>
-              </a:spcAft>
-              <a:buClrTx/>
-              <a:buSzTx/>
-              <a:buFontTx/>
-              <a:buNone/>
-              <a:tabLst/>
-              <a:defRPr/>
-            </a:pPr>
-            <a:r>
-              <a:rPr lang="ko-KR" altLang="en-US" sz="1200" b="0" i="0" u="none" strike="noStrike" kern="1200" dirty="0" err="1">
-                <a:solidFill>
-                  <a:schemeClr val="tx1"/>
-                </a:solidFill>
-                <a:effectLst/>
-                <a:latin typeface="+mn-lt"/>
-                <a:ea typeface="+mn-ea"/>
-                <a:cs typeface="+mn-cs"/>
-              </a:rPr>
-              <a:t>어텐션을</a:t>
-            </a:r>
-            <a:r>
-              <a:rPr lang="ko-KR" altLang="en-US" sz="1200" b="0" i="0" u="none" strike="noStrike" kern="1200" dirty="0">
-                <a:solidFill>
-                  <a:schemeClr val="tx1"/>
-                </a:solidFill>
-                <a:effectLst/>
-                <a:latin typeface="+mn-lt"/>
-                <a:ea typeface="+mn-ea"/>
-                <a:cs typeface="+mn-cs"/>
-              </a:rPr>
-              <a:t> 위해 각 </a:t>
-            </a:r>
-            <a:r>
-              <a:rPr lang="en-US" sz="1200" b="0" i="0" u="none" strike="noStrike" kern="1200" dirty="0">
-                <a:solidFill>
-                  <a:schemeClr val="tx1"/>
-                </a:solidFill>
-                <a:effectLst/>
-                <a:latin typeface="+mn-lt"/>
-                <a:ea typeface="+mn-ea"/>
-                <a:cs typeface="+mn-cs"/>
-              </a:rPr>
-              <a:t>head</a:t>
-            </a:r>
-            <a:r>
-              <a:rPr lang="ko-KR" altLang="en-US" sz="1200" b="0" i="0" u="none" strike="noStrike" kern="1200" dirty="0">
-                <a:solidFill>
-                  <a:schemeClr val="tx1"/>
-                </a:solidFill>
-                <a:effectLst/>
-                <a:latin typeface="+mn-lt"/>
-                <a:ea typeface="+mn-ea"/>
-                <a:cs typeface="+mn-cs"/>
-              </a:rPr>
-              <a:t>마다 쿼리</a:t>
-            </a:r>
-            <a:r>
-              <a:rPr lang="en-US" altLang="ko-KR" sz="1200" b="0" i="0" u="none" strike="noStrike" kern="1200" dirty="0">
-                <a:solidFill>
-                  <a:schemeClr val="tx1"/>
-                </a:solidFill>
-                <a:effectLst/>
-                <a:latin typeface="+mn-lt"/>
-                <a:ea typeface="+mn-ea"/>
-                <a:cs typeface="+mn-cs"/>
-              </a:rPr>
-              <a:t>, </a:t>
-            </a:r>
-            <a:r>
-              <a:rPr lang="ko-KR" altLang="en-US" sz="1200" b="0" i="0" u="none" strike="noStrike" kern="1200" dirty="0">
-                <a:solidFill>
-                  <a:schemeClr val="tx1"/>
-                </a:solidFill>
-                <a:effectLst/>
-                <a:latin typeface="+mn-lt"/>
-                <a:ea typeface="+mn-ea"/>
-                <a:cs typeface="+mn-cs"/>
-              </a:rPr>
-              <a:t>키</a:t>
-            </a:r>
-            <a:r>
-              <a:rPr lang="en-US" altLang="ko-KR" sz="1200" b="0" i="0" u="none" strike="noStrike" kern="1200" dirty="0">
-                <a:solidFill>
-                  <a:schemeClr val="tx1"/>
-                </a:solidFill>
-                <a:effectLst/>
-                <a:latin typeface="+mn-lt"/>
-                <a:ea typeface="+mn-ea"/>
-                <a:cs typeface="+mn-cs"/>
-              </a:rPr>
-              <a:t>, </a:t>
-            </a:r>
-            <a:r>
-              <a:rPr lang="ko-KR" altLang="en-US" sz="1200" b="0" i="0" u="none" strike="noStrike" kern="1200" dirty="0" err="1">
-                <a:solidFill>
-                  <a:schemeClr val="tx1"/>
-                </a:solidFill>
-                <a:effectLst/>
-                <a:latin typeface="+mn-lt"/>
-                <a:ea typeface="+mn-ea"/>
-                <a:cs typeface="+mn-cs"/>
-              </a:rPr>
-              <a:t>벨류</a:t>
-            </a:r>
-            <a:r>
-              <a:rPr lang="ko-KR" altLang="en-US" sz="1200" b="0" i="0" u="none" strike="noStrike" kern="1200" dirty="0">
-                <a:solidFill>
-                  <a:schemeClr val="tx1"/>
-                </a:solidFill>
-                <a:effectLst/>
-                <a:latin typeface="+mn-lt"/>
-                <a:ea typeface="+mn-ea"/>
-                <a:cs typeface="+mn-cs"/>
-              </a:rPr>
-              <a:t> 값을 </a:t>
-            </a:r>
-            <a:r>
-              <a:rPr lang="ko-KR" altLang="en-US" sz="1200" b="0" i="0" u="none" strike="noStrike" kern="1200" dirty="0" err="1">
-                <a:solidFill>
-                  <a:schemeClr val="tx1"/>
-                </a:solidFill>
-                <a:effectLst/>
-                <a:latin typeface="+mn-lt"/>
-                <a:ea typeface="+mn-ea"/>
-                <a:cs typeface="+mn-cs"/>
-              </a:rPr>
-              <a:t>만들어야한다</a:t>
-            </a:r>
-            <a:r>
-              <a:rPr lang="en-US" altLang="ko-KR" sz="1200" b="0" i="0" u="none" strike="noStrike" kern="1200" dirty="0">
-                <a:solidFill>
-                  <a:schemeClr val="tx1"/>
-                </a:solidFill>
-                <a:effectLst/>
-                <a:latin typeface="+mn-lt"/>
-                <a:ea typeface="+mn-ea"/>
-                <a:cs typeface="+mn-cs"/>
-              </a:rPr>
-              <a:t>.</a:t>
-            </a:r>
-          </a:p>
-          <a:p>
-            <a:pPr marL="0" marR="0" lvl="0" indent="0" algn="l" defTabSz="914400" rtl="0" eaLnBrk="1" fontAlgn="auto" latinLnBrk="0" hangingPunct="1">
-              <a:lnSpc>
-                <a:spcPct val="100000"/>
-              </a:lnSpc>
-              <a:spcBef>
-                <a:spcPts val="0"/>
-              </a:spcBef>
-              <a:spcAft>
-                <a:spcPts val="0"/>
-              </a:spcAft>
-              <a:buClrTx/>
-              <a:buSzTx/>
-              <a:buFontTx/>
-              <a:buNone/>
-              <a:tabLst/>
-              <a:defRPr/>
-            </a:pPr>
-            <a:endParaRPr lang="en-US" altLang="ko-KR" sz="1200" b="0" i="0" u="none" strike="noStrike" kern="1200" dirty="0">
-              <a:solidFill>
-                <a:schemeClr val="tx1"/>
-              </a:solidFill>
-              <a:effectLst/>
-              <a:latin typeface="+mn-lt"/>
-              <a:ea typeface="+mn-ea"/>
-              <a:cs typeface="+mn-cs"/>
-            </a:endParaRPr>
-          </a:p>
-          <a:p>
-            <a:r>
-              <a:rPr lang="ko-KR" altLang="en-US" sz="1200" b="0" i="0" u="none" strike="noStrike" kern="1200" dirty="0">
-                <a:solidFill>
-                  <a:schemeClr val="tx1"/>
-                </a:solidFill>
-                <a:effectLst/>
-                <a:latin typeface="+mn-lt"/>
-                <a:ea typeface="+mn-ea"/>
-                <a:cs typeface="+mn-cs"/>
-              </a:rPr>
-              <a:t>그래서 각 단어가 </a:t>
-            </a:r>
-            <a:r>
-              <a:rPr lang="ko-KR" altLang="en-US" sz="1200" b="0" i="0" u="none" strike="noStrike" kern="1200" dirty="0" err="1">
-                <a:solidFill>
-                  <a:schemeClr val="tx1"/>
-                </a:solidFill>
-                <a:effectLst/>
-                <a:latin typeface="+mn-lt"/>
-                <a:ea typeface="+mn-ea"/>
-                <a:cs typeface="+mn-cs"/>
-              </a:rPr>
-              <a:t>임베딩</a:t>
-            </a:r>
-            <a:r>
-              <a:rPr lang="ko-KR" altLang="en-US" sz="1200" b="0" i="0" u="none" strike="noStrike" kern="1200" dirty="0">
-                <a:solidFill>
-                  <a:schemeClr val="tx1"/>
-                </a:solidFill>
-                <a:effectLst/>
-                <a:latin typeface="+mn-lt"/>
-                <a:ea typeface="+mn-ea"/>
-                <a:cs typeface="+mn-cs"/>
-              </a:rPr>
-              <a:t> 차원으로 표현되고 있는 상황에 </a:t>
-            </a:r>
-            <a:r>
-              <a:rPr lang="en-US" sz="1200" b="0" i="0" u="none" strike="noStrike" kern="1200" dirty="0">
-                <a:solidFill>
-                  <a:schemeClr val="tx1"/>
-                </a:solidFill>
-                <a:effectLst/>
-                <a:latin typeface="+mn-lt"/>
-                <a:ea typeface="+mn-ea"/>
-                <a:cs typeface="+mn-cs"/>
-              </a:rPr>
-              <a:t>Linear layer</a:t>
-            </a:r>
-            <a:r>
-              <a:rPr lang="ko-KR" altLang="en-US" sz="1200" b="0" i="0" u="none" strike="noStrike" kern="1200" dirty="0" err="1">
-                <a:solidFill>
-                  <a:schemeClr val="tx1"/>
-                </a:solidFill>
-                <a:effectLst/>
-                <a:latin typeface="+mn-lt"/>
-                <a:ea typeface="+mn-ea"/>
-                <a:cs typeface="+mn-cs"/>
-              </a:rPr>
-              <a:t>를</a:t>
-            </a:r>
-            <a:r>
-              <a:rPr lang="ko-KR" altLang="en-US" sz="1200" b="0" i="0" u="none" strike="noStrike" kern="1200" dirty="0">
-                <a:solidFill>
-                  <a:schemeClr val="tx1"/>
-                </a:solidFill>
-                <a:effectLst/>
-                <a:latin typeface="+mn-lt"/>
-                <a:ea typeface="+mn-ea"/>
-                <a:cs typeface="+mn-cs"/>
-              </a:rPr>
-              <a:t> 거쳐 각각 </a:t>
-            </a:r>
-            <a:r>
-              <a:rPr lang="en-US" sz="1200" b="0" i="0" u="none" strike="noStrike" kern="1200" dirty="0">
-                <a:solidFill>
-                  <a:schemeClr val="tx1"/>
-                </a:solidFill>
-                <a:effectLst/>
-                <a:latin typeface="+mn-lt"/>
-                <a:ea typeface="+mn-ea"/>
-                <a:cs typeface="+mn-cs"/>
-              </a:rPr>
-              <a:t>Q,K,V </a:t>
-            </a:r>
-            <a:r>
-              <a:rPr lang="ko-KR" altLang="en-US" sz="1200" b="0" i="0" u="none" strike="noStrike" kern="1200" dirty="0">
-                <a:solidFill>
-                  <a:schemeClr val="tx1"/>
-                </a:solidFill>
-                <a:effectLst/>
-                <a:latin typeface="+mn-lt"/>
-                <a:ea typeface="+mn-ea"/>
-                <a:cs typeface="+mn-cs"/>
-              </a:rPr>
-              <a:t>값을 만들 수 있다</a:t>
-            </a:r>
-            <a:r>
-              <a:rPr lang="en-US" altLang="ko-KR" sz="1200" b="0" i="0" u="none" strike="noStrike" kern="1200" dirty="0">
-                <a:solidFill>
-                  <a:schemeClr val="tx1"/>
-                </a:solidFill>
-                <a:effectLst/>
-                <a:latin typeface="+mn-lt"/>
-                <a:ea typeface="+mn-ea"/>
-                <a:cs typeface="+mn-cs"/>
-              </a:rPr>
-              <a:t>. </a:t>
-            </a:r>
-            <a:r>
-              <a:rPr lang="ko-KR" altLang="en-US" sz="1200" b="0" i="0" u="none" strike="noStrike" kern="1200" dirty="0" err="1">
-                <a:solidFill>
-                  <a:schemeClr val="tx1"/>
-                </a:solidFill>
-                <a:effectLst/>
-                <a:latin typeface="+mn-lt"/>
-                <a:ea typeface="+mn-ea"/>
-                <a:cs typeface="+mn-cs"/>
-              </a:rPr>
-              <a:t>임베딩</a:t>
-            </a:r>
-            <a:r>
-              <a:rPr lang="ko-KR" altLang="en-US" sz="1200" b="0" i="0" u="none" strike="noStrike" kern="1200" dirty="0">
-                <a:solidFill>
-                  <a:schemeClr val="tx1"/>
-                </a:solidFill>
-                <a:effectLst/>
-                <a:latin typeface="+mn-lt"/>
-                <a:ea typeface="+mn-ea"/>
-                <a:cs typeface="+mn-cs"/>
-              </a:rPr>
-              <a:t> 차원을 </a:t>
-            </a:r>
-            <a:r>
-              <a:rPr lang="en-US" sz="1200" b="0" i="0" u="none" strike="noStrike" kern="1200" dirty="0" err="1">
-                <a:solidFill>
-                  <a:schemeClr val="tx1"/>
-                </a:solidFill>
-                <a:effectLst/>
-                <a:latin typeface="+mn-lt"/>
-                <a:ea typeface="+mn-ea"/>
-                <a:cs typeface="+mn-cs"/>
-              </a:rPr>
-              <a:t>d_model</a:t>
-            </a:r>
-            <a:r>
-              <a:rPr lang="ko-KR" altLang="en-US" sz="1200" b="0" i="0" u="none" strike="noStrike" kern="1200" dirty="0">
-                <a:solidFill>
-                  <a:schemeClr val="tx1"/>
-                </a:solidFill>
-                <a:effectLst/>
-                <a:latin typeface="+mn-lt"/>
-                <a:ea typeface="+mn-ea"/>
-                <a:cs typeface="+mn-cs"/>
-              </a:rPr>
-              <a:t>이라고 할 때</a:t>
-            </a:r>
-            <a:r>
-              <a:rPr lang="en-US" altLang="ko-KR" sz="1200" b="0" i="0" u="none" strike="noStrike" kern="1200" dirty="0">
-                <a:solidFill>
-                  <a:schemeClr val="tx1"/>
-                </a:solidFill>
-                <a:effectLst/>
-                <a:latin typeface="+mn-lt"/>
-                <a:ea typeface="+mn-ea"/>
-                <a:cs typeface="+mn-cs"/>
-              </a:rPr>
-              <a:t>, </a:t>
-            </a:r>
-            <a:r>
-              <a:rPr lang="en-US" sz="1200" b="0" i="0" u="none" strike="noStrike" kern="1200" dirty="0">
-                <a:solidFill>
-                  <a:schemeClr val="tx1"/>
-                </a:solidFill>
-                <a:effectLst/>
-                <a:latin typeface="+mn-lt"/>
-                <a:ea typeface="+mn-ea"/>
-                <a:cs typeface="+mn-cs"/>
-              </a:rPr>
-              <a:t>Q,K,V </a:t>
-            </a:r>
-            <a:r>
-              <a:rPr lang="ko-KR" altLang="en-US" sz="1200" b="0" i="0" u="none" strike="noStrike" kern="1200" dirty="0">
-                <a:solidFill>
-                  <a:schemeClr val="tx1"/>
-                </a:solidFill>
-                <a:effectLst/>
-                <a:latin typeface="+mn-lt"/>
-                <a:ea typeface="+mn-ea"/>
-                <a:cs typeface="+mn-cs"/>
-              </a:rPr>
-              <a:t>차원은 각각 </a:t>
-            </a:r>
-            <a:r>
-              <a:rPr lang="en-US" altLang="ko-KR" sz="1200" b="0" i="0" u="none" strike="noStrike" kern="1200" dirty="0">
-                <a:solidFill>
-                  <a:schemeClr val="tx1"/>
-                </a:solidFill>
-                <a:effectLst/>
-                <a:latin typeface="+mn-lt"/>
-                <a:ea typeface="+mn-ea"/>
-                <a:cs typeface="+mn-cs"/>
-              </a:rPr>
-              <a:t>(</a:t>
-            </a:r>
-            <a:r>
-              <a:rPr lang="en-US" sz="1200" b="0" i="0" u="none" strike="noStrike" kern="1200" dirty="0" err="1">
-                <a:solidFill>
-                  <a:schemeClr val="tx1"/>
-                </a:solidFill>
-                <a:effectLst/>
-                <a:latin typeface="+mn-lt"/>
-                <a:ea typeface="+mn-ea"/>
-                <a:cs typeface="+mn-cs"/>
-              </a:rPr>
-              <a:t>d_model</a:t>
-            </a:r>
-            <a:r>
-              <a:rPr lang="en-US" sz="1200" b="0" i="0" u="none" strike="noStrike" kern="1200" dirty="0">
-                <a:solidFill>
-                  <a:schemeClr val="tx1"/>
-                </a:solidFill>
-                <a:effectLst/>
-                <a:latin typeface="+mn-lt"/>
-                <a:ea typeface="+mn-ea"/>
-                <a:cs typeface="+mn-cs"/>
-              </a:rPr>
-              <a:t> / h) </a:t>
-            </a:r>
-            <a:r>
-              <a:rPr lang="ko-KR" altLang="en-US" sz="1200" b="0" i="0" u="none" strike="noStrike" kern="1200" dirty="0">
-                <a:solidFill>
-                  <a:schemeClr val="tx1"/>
-                </a:solidFill>
-                <a:effectLst/>
-                <a:latin typeface="+mn-lt"/>
-                <a:ea typeface="+mn-ea"/>
-                <a:cs typeface="+mn-cs"/>
-              </a:rPr>
-              <a:t>가 된다</a:t>
-            </a:r>
-            <a:r>
-              <a:rPr lang="en-US" altLang="ko-KR" sz="1200" b="0" i="0" u="none" strike="noStrike" kern="1200" dirty="0">
-                <a:solidFill>
-                  <a:schemeClr val="tx1"/>
-                </a:solidFill>
-                <a:effectLst/>
-                <a:latin typeface="+mn-lt"/>
-                <a:ea typeface="+mn-ea"/>
-                <a:cs typeface="+mn-cs"/>
-              </a:rPr>
-              <a:t>. </a:t>
-            </a:r>
-            <a:r>
-              <a:rPr lang="ko-KR" altLang="en-US" sz="1200" b="0" i="0" u="none" strike="noStrike" kern="1200" dirty="0">
-                <a:solidFill>
-                  <a:schemeClr val="tx1"/>
-                </a:solidFill>
-                <a:effectLst/>
-                <a:latin typeface="+mn-lt"/>
-                <a:ea typeface="+mn-ea"/>
-                <a:cs typeface="+mn-cs"/>
-              </a:rPr>
-              <a:t>이 그림은 간단히 </a:t>
-            </a:r>
-            <a:r>
-              <a:rPr lang="ko-KR" altLang="en-US" sz="1200" b="0" i="0" u="none" strike="noStrike" kern="1200" dirty="0" err="1">
-                <a:solidFill>
-                  <a:schemeClr val="tx1"/>
-                </a:solidFill>
-                <a:effectLst/>
-                <a:latin typeface="+mn-lt"/>
-                <a:ea typeface="+mn-ea"/>
-                <a:cs typeface="+mn-cs"/>
-              </a:rPr>
-              <a:t>임베딩차원이</a:t>
-            </a:r>
-            <a:r>
-              <a:rPr lang="ko-KR" altLang="en-US" sz="1200" b="0" i="0" u="none" strike="noStrike" kern="1200" dirty="0">
-                <a:solidFill>
-                  <a:schemeClr val="tx1"/>
-                </a:solidFill>
-                <a:effectLst/>
-                <a:latin typeface="+mn-lt"/>
-                <a:ea typeface="+mn-ea"/>
-                <a:cs typeface="+mn-cs"/>
-              </a:rPr>
-              <a:t> </a:t>
-            </a:r>
-            <a:r>
-              <a:rPr lang="en-US" altLang="ko-KR" sz="1200" b="0" i="0" u="none" strike="noStrike" kern="1200" dirty="0">
-                <a:solidFill>
-                  <a:schemeClr val="tx1"/>
-                </a:solidFill>
-                <a:effectLst/>
-                <a:latin typeface="+mn-lt"/>
-                <a:ea typeface="+mn-ea"/>
-                <a:cs typeface="+mn-cs"/>
-              </a:rPr>
-              <a:t>4, </a:t>
-            </a:r>
-            <a:r>
-              <a:rPr lang="en-US" sz="1200" b="0" i="0" u="none" strike="noStrike" kern="1200" dirty="0">
-                <a:solidFill>
-                  <a:schemeClr val="tx1"/>
-                </a:solidFill>
-                <a:effectLst/>
-                <a:latin typeface="+mn-lt"/>
-                <a:ea typeface="+mn-ea"/>
-                <a:cs typeface="+mn-cs"/>
-              </a:rPr>
-              <a:t>head</a:t>
-            </a:r>
-            <a:r>
-              <a:rPr lang="ko-KR" altLang="en-US" sz="1200" b="0" i="0" u="none" strike="noStrike" kern="1200" dirty="0">
-                <a:solidFill>
-                  <a:schemeClr val="tx1"/>
-                </a:solidFill>
-                <a:effectLst/>
-                <a:latin typeface="+mn-lt"/>
-                <a:ea typeface="+mn-ea"/>
-                <a:cs typeface="+mn-cs"/>
-              </a:rPr>
-              <a:t>가 </a:t>
-            </a:r>
-            <a:r>
-              <a:rPr lang="en-US" altLang="ko-KR" sz="1200" b="0" i="0" u="none" strike="noStrike" kern="1200" dirty="0">
-                <a:solidFill>
-                  <a:schemeClr val="tx1"/>
-                </a:solidFill>
-                <a:effectLst/>
-                <a:latin typeface="+mn-lt"/>
-                <a:ea typeface="+mn-ea"/>
-                <a:cs typeface="+mn-cs"/>
-              </a:rPr>
-              <a:t>2</a:t>
-            </a:r>
-            <a:r>
-              <a:rPr lang="ko-KR" altLang="en-US" sz="1200" b="0" i="0" u="none" strike="noStrike" kern="1200" dirty="0">
-                <a:solidFill>
-                  <a:schemeClr val="tx1"/>
-                </a:solidFill>
-                <a:effectLst/>
-                <a:latin typeface="+mn-lt"/>
-                <a:ea typeface="+mn-ea"/>
-                <a:cs typeface="+mn-cs"/>
-              </a:rPr>
-              <a:t>개라고 가정한 상황이다</a:t>
-            </a:r>
-            <a:r>
-              <a:rPr lang="en-US" altLang="ko-KR" sz="1200" b="0" i="0" u="none" strike="noStrike" kern="1200" dirty="0">
-                <a:solidFill>
-                  <a:schemeClr val="tx1"/>
-                </a:solidFill>
-                <a:effectLst/>
-                <a:latin typeface="+mn-lt"/>
-                <a:ea typeface="+mn-ea"/>
-                <a:cs typeface="+mn-cs"/>
-              </a:rPr>
-              <a:t>.</a:t>
-            </a:r>
-          </a:p>
           <a:p>
             <a:pPr marL="0" marR="0" lvl="0" indent="0" algn="l" defTabSz="914400" rtl="0" eaLnBrk="1" fontAlgn="auto" latinLnBrk="0" hangingPunct="1">
               <a:lnSpc>
@@ -11542,7 +4918,7 @@
           <a:p>
             <a:fld id="{ED98F00F-AE1D-674D-82A7-DD08CE600219}" type="datetimeFigureOut">
               <a:rPr lang="en-KR" smtClean="0"/>
-              <a:t>2021/06/29</a:t>
+              <a:t>2021/07/02</a:t>
             </a:fld>
             <a:endParaRPr lang="en-KR"/>
           </a:p>
@@ -11742,7 +5118,7 @@
           <a:p>
             <a:fld id="{ED98F00F-AE1D-674D-82A7-DD08CE600219}" type="datetimeFigureOut">
               <a:rPr lang="en-KR" smtClean="0"/>
-              <a:t>2021/06/29</a:t>
+              <a:t>2021/07/02</a:t>
             </a:fld>
             <a:endParaRPr lang="en-KR"/>
           </a:p>
@@ -11952,7 +5328,7 @@
           <a:p>
             <a:fld id="{ED98F00F-AE1D-674D-82A7-DD08CE600219}" type="datetimeFigureOut">
               <a:rPr lang="en-KR" smtClean="0"/>
-              <a:t>2021/06/29</a:t>
+              <a:t>2021/07/02</a:t>
             </a:fld>
             <a:endParaRPr lang="en-KR"/>
           </a:p>
@@ -12152,7 +5528,7 @@
           <a:p>
             <a:fld id="{ED98F00F-AE1D-674D-82A7-DD08CE600219}" type="datetimeFigureOut">
               <a:rPr lang="en-KR" smtClean="0"/>
-              <a:t>2021/06/29</a:t>
+              <a:t>2021/07/02</a:t>
             </a:fld>
             <a:endParaRPr lang="en-KR"/>
           </a:p>
@@ -12428,7 +5804,7 @@
           <a:p>
             <a:fld id="{ED98F00F-AE1D-674D-82A7-DD08CE600219}" type="datetimeFigureOut">
               <a:rPr lang="en-KR" smtClean="0"/>
-              <a:t>2021/06/29</a:t>
+              <a:t>2021/07/02</a:t>
             </a:fld>
             <a:endParaRPr lang="en-KR"/>
           </a:p>
@@ -12696,7 +6072,7 @@
           <a:p>
             <a:fld id="{ED98F00F-AE1D-674D-82A7-DD08CE600219}" type="datetimeFigureOut">
               <a:rPr lang="en-KR" smtClean="0"/>
-              <a:t>2021/06/29</a:t>
+              <a:t>2021/07/02</a:t>
             </a:fld>
             <a:endParaRPr lang="en-KR"/>
           </a:p>
@@ -13111,7 +6487,7 @@
           <a:p>
             <a:fld id="{ED98F00F-AE1D-674D-82A7-DD08CE600219}" type="datetimeFigureOut">
               <a:rPr lang="en-KR" smtClean="0"/>
-              <a:t>2021/06/29</a:t>
+              <a:t>2021/07/02</a:t>
             </a:fld>
             <a:endParaRPr lang="en-KR"/>
           </a:p>
@@ -13253,7 +6629,7 @@
           <a:p>
             <a:fld id="{ED98F00F-AE1D-674D-82A7-DD08CE600219}" type="datetimeFigureOut">
               <a:rPr lang="en-KR" smtClean="0"/>
-              <a:t>2021/06/29</a:t>
+              <a:t>2021/07/02</a:t>
             </a:fld>
             <a:endParaRPr lang="en-KR"/>
           </a:p>
@@ -13366,7 +6742,7 @@
           <a:p>
             <a:fld id="{ED98F00F-AE1D-674D-82A7-DD08CE600219}" type="datetimeFigureOut">
               <a:rPr lang="en-KR" smtClean="0"/>
-              <a:t>2021/06/29</a:t>
+              <a:t>2021/07/02</a:t>
             </a:fld>
             <a:endParaRPr lang="en-KR"/>
           </a:p>
@@ -13679,7 +7055,7 @@
           <a:p>
             <a:fld id="{ED98F00F-AE1D-674D-82A7-DD08CE600219}" type="datetimeFigureOut">
               <a:rPr lang="en-KR" smtClean="0"/>
-              <a:t>2021/06/29</a:t>
+              <a:t>2021/07/02</a:t>
             </a:fld>
             <a:endParaRPr lang="en-KR"/>
           </a:p>
@@ -13968,7 +7344,7 @@
           <a:p>
             <a:fld id="{ED98F00F-AE1D-674D-82A7-DD08CE600219}" type="datetimeFigureOut">
               <a:rPr lang="en-KR" smtClean="0"/>
-              <a:t>2021/06/29</a:t>
+              <a:t>2021/07/02</a:t>
             </a:fld>
             <a:endParaRPr lang="en-KR"/>
           </a:p>
@@ -14211,7 +7587,7 @@
           <a:p>
             <a:fld id="{ED98F00F-AE1D-674D-82A7-DD08CE600219}" type="datetimeFigureOut">
               <a:rPr lang="en-KR" smtClean="0"/>
-              <a:t>2021/06/29</a:t>
+              <a:t>2021/07/02</a:t>
             </a:fld>
             <a:endParaRPr lang="en-KR"/>
           </a:p>
@@ -15832,8 +9208,8 @@
             <a:chExt cx="10744390" cy="666295"/>
           </a:xfrm>
         </p:grpSpPr>
-        <mc:AlternateContent xmlns:mc="http://schemas.openxmlformats.org/markup-compatibility/2006">
-          <mc:Choice xmlns:a14="http://schemas.microsoft.com/office/drawing/2010/main" Requires="a14">
+        <mc:AlternateContent xmlns:mc="http://schemas.openxmlformats.org/markup-compatibility/2006" xmlns:a14="http://schemas.microsoft.com/office/drawing/2010/main">
+          <mc:Choice Requires="a14">
             <p:sp>
               <p:nvSpPr>
                 <p:cNvPr id="8" name="Rectangle 7">
@@ -15911,7 +9287,7 @@
               </p:txBody>
             </p:sp>
           </mc:Choice>
-          <mc:Fallback>
+          <mc:Fallback xmlns="">
             <p:sp>
               <p:nvSpPr>
                 <p:cNvPr id="8" name="Rectangle 7">
@@ -16010,8 +9386,8 @@
             </a:fontRef>
           </p:style>
         </p:cxnSp>
-        <mc:AlternateContent xmlns:mc="http://schemas.openxmlformats.org/markup-compatibility/2006">
-          <mc:Choice xmlns:a14="http://schemas.microsoft.com/office/drawing/2010/main" Requires="a14">
+        <mc:AlternateContent xmlns:mc="http://schemas.openxmlformats.org/markup-compatibility/2006" xmlns:a14="http://schemas.microsoft.com/office/drawing/2010/main">
+          <mc:Choice Requires="a14">
             <p:sp>
               <p:nvSpPr>
                 <p:cNvPr id="10" name="Rectangle 9">
@@ -16220,7 +9596,7 @@
               </p:txBody>
             </p:sp>
           </mc:Choice>
-          <mc:Fallback>
+          <mc:Fallback xmlns="">
             <p:sp>
               <p:nvSpPr>
                 <p:cNvPr id="10" name="Rectangle 9">
@@ -16272,8 +9648,8 @@
             </p:sp>
           </mc:Fallback>
         </mc:AlternateContent>
-        <mc:AlternateContent xmlns:mc="http://schemas.openxmlformats.org/markup-compatibility/2006">
-          <mc:Choice xmlns:a14="http://schemas.microsoft.com/office/drawing/2010/main" Requires="a14">
+        <mc:AlternateContent xmlns:mc="http://schemas.openxmlformats.org/markup-compatibility/2006" xmlns:a14="http://schemas.microsoft.com/office/drawing/2010/main">
+          <mc:Choice Requires="a14">
             <p:sp>
               <p:nvSpPr>
                 <p:cNvPr id="11" name="Rectangle 10">
@@ -16457,7 +9833,7 @@
               </p:txBody>
             </p:sp>
           </mc:Choice>
-          <mc:Fallback>
+          <mc:Fallback xmlns="">
             <p:sp>
               <p:nvSpPr>
                 <p:cNvPr id="11" name="Rectangle 10">
@@ -16556,8 +9932,8 @@
             </a:fontRef>
           </p:style>
         </p:cxnSp>
-        <mc:AlternateContent xmlns:mc="http://schemas.openxmlformats.org/markup-compatibility/2006">
-          <mc:Choice xmlns:a14="http://schemas.microsoft.com/office/drawing/2010/main" Requires="a14">
+        <mc:AlternateContent xmlns:mc="http://schemas.openxmlformats.org/markup-compatibility/2006" xmlns:a14="http://schemas.microsoft.com/office/drawing/2010/main">
+          <mc:Choice Requires="a14">
             <p:sp>
               <p:nvSpPr>
                 <p:cNvPr id="15" name="Rectangle 14">
@@ -16800,7 +10176,7 @@
               </p:txBody>
             </p:sp>
           </mc:Choice>
-          <mc:Fallback>
+          <mc:Fallback xmlns="">
             <p:sp>
               <p:nvSpPr>
                 <p:cNvPr id="15" name="Rectangle 14">
@@ -17139,8 +10515,8 @@
           </a:fontRef>
         </p:style>
       </p:cxnSp>
-      <mc:AlternateContent xmlns:mc="http://schemas.openxmlformats.org/markup-compatibility/2006">
-        <mc:Choice xmlns:a14="http://schemas.microsoft.com/office/drawing/2010/main" Requires="a14">
+      <mc:AlternateContent xmlns:mc="http://schemas.openxmlformats.org/markup-compatibility/2006" xmlns:a14="http://schemas.microsoft.com/office/drawing/2010/main">
+        <mc:Choice Requires="a14">
           <p:sp>
             <p:nvSpPr>
               <p:cNvPr id="6" name="TextBox 5">
@@ -17216,7 +10592,7 @@
                       <m:sSubSupPr>
                         <m:ctrlPr>
                           <a:rPr lang="en-US" sz="2000" b="0" i="1" smtClean="0">
-                            <a:latin typeface="Consolas" panose="020B0609020204030204" pitchFamily="49" charset="0"/>
+                            <a:latin typeface="Cambria Math" panose="02040503050406030204" pitchFamily="18" charset="0"/>
                             <a:cs typeface="Consolas" panose="020B0609020204030204" pitchFamily="49" charset="0"/>
                           </a:rPr>
                         </m:ctrlPr>
@@ -17559,7 +10935,7 @@
             </p:txBody>
           </p:sp>
         </mc:Choice>
-        <mc:Fallback>
+        <mc:Fallback xmlns="">
           <p:sp>
             <p:nvSpPr>
               <p:cNvPr id="6" name="TextBox 5">
